--- a/capacity_building/M-LED_slide_pack.pptx
+++ b/capacity_building/M-LED_slide_pack.pptx
@@ -5,44 +5,69 @@
     <p:sldMasterId id="2147483648" r:id="rId1"/>
   </p:sldMasterIdLst>
   <p:notesMasterIdLst>
-    <p:notesMasterId r:id="rId37"/>
+    <p:notesMasterId r:id="rId62"/>
   </p:notesMasterIdLst>
   <p:sldIdLst>
     <p:sldId id="256" r:id="rId2"/>
     <p:sldId id="631" r:id="rId3"/>
     <p:sldId id="275" r:id="rId4"/>
-    <p:sldId id="634" r:id="rId5"/>
-    <p:sldId id="653" r:id="rId6"/>
-    <p:sldId id="633" r:id="rId7"/>
-    <p:sldId id="257" r:id="rId8"/>
-    <p:sldId id="258" r:id="rId9"/>
-    <p:sldId id="259" r:id="rId10"/>
-    <p:sldId id="636" r:id="rId11"/>
-    <p:sldId id="637" r:id="rId12"/>
-    <p:sldId id="632" r:id="rId13"/>
-    <p:sldId id="264" r:id="rId14"/>
-    <p:sldId id="266" r:id="rId15"/>
-    <p:sldId id="265" r:id="rId16"/>
-    <p:sldId id="267" r:id="rId17"/>
-    <p:sldId id="268" r:id="rId18"/>
-    <p:sldId id="269" r:id="rId19"/>
-    <p:sldId id="638" r:id="rId20"/>
-    <p:sldId id="635" r:id="rId21"/>
-    <p:sldId id="639" r:id="rId22"/>
-    <p:sldId id="640" r:id="rId23"/>
-    <p:sldId id="641" r:id="rId24"/>
-    <p:sldId id="642" r:id="rId25"/>
-    <p:sldId id="649" r:id="rId26"/>
-    <p:sldId id="650" r:id="rId27"/>
-    <p:sldId id="643" r:id="rId28"/>
-    <p:sldId id="644" r:id="rId29"/>
-    <p:sldId id="645" r:id="rId30"/>
-    <p:sldId id="646" r:id="rId31"/>
-    <p:sldId id="647" r:id="rId32"/>
-    <p:sldId id="648" r:id="rId33"/>
-    <p:sldId id="651" r:id="rId34"/>
-    <p:sldId id="652" r:id="rId35"/>
-    <p:sldId id="263" r:id="rId36"/>
+    <p:sldId id="678" r:id="rId5"/>
+    <p:sldId id="634" r:id="rId6"/>
+    <p:sldId id="653" r:id="rId7"/>
+    <p:sldId id="633" r:id="rId8"/>
+    <p:sldId id="257" r:id="rId9"/>
+    <p:sldId id="258" r:id="rId10"/>
+    <p:sldId id="259" r:id="rId11"/>
+    <p:sldId id="636" r:id="rId12"/>
+    <p:sldId id="637" r:id="rId13"/>
+    <p:sldId id="632" r:id="rId14"/>
+    <p:sldId id="264" r:id="rId15"/>
+    <p:sldId id="266" r:id="rId16"/>
+    <p:sldId id="265" r:id="rId17"/>
+    <p:sldId id="267" r:id="rId18"/>
+    <p:sldId id="268" r:id="rId19"/>
+    <p:sldId id="269" r:id="rId20"/>
+    <p:sldId id="638" r:id="rId21"/>
+    <p:sldId id="654" r:id="rId22"/>
+    <p:sldId id="635" r:id="rId23"/>
+    <p:sldId id="655" r:id="rId24"/>
+    <p:sldId id="656" r:id="rId25"/>
+    <p:sldId id="657" r:id="rId26"/>
+    <p:sldId id="658" r:id="rId27"/>
+    <p:sldId id="659" r:id="rId28"/>
+    <p:sldId id="660" r:id="rId29"/>
+    <p:sldId id="661" r:id="rId30"/>
+    <p:sldId id="662" r:id="rId31"/>
+    <p:sldId id="663" r:id="rId32"/>
+    <p:sldId id="664" r:id="rId33"/>
+    <p:sldId id="665" r:id="rId34"/>
+    <p:sldId id="666" r:id="rId35"/>
+    <p:sldId id="667" r:id="rId36"/>
+    <p:sldId id="639" r:id="rId37"/>
+    <p:sldId id="640" r:id="rId38"/>
+    <p:sldId id="641" r:id="rId39"/>
+    <p:sldId id="642" r:id="rId40"/>
+    <p:sldId id="649" r:id="rId41"/>
+    <p:sldId id="650" r:id="rId42"/>
+    <p:sldId id="643" r:id="rId43"/>
+    <p:sldId id="644" r:id="rId44"/>
+    <p:sldId id="668" r:id="rId45"/>
+    <p:sldId id="670" r:id="rId46"/>
+    <p:sldId id="669" r:id="rId47"/>
+    <p:sldId id="671" r:id="rId48"/>
+    <p:sldId id="645" r:id="rId49"/>
+    <p:sldId id="646" r:id="rId50"/>
+    <p:sldId id="647" r:id="rId51"/>
+    <p:sldId id="648" r:id="rId52"/>
+    <p:sldId id="651" r:id="rId53"/>
+    <p:sldId id="652" r:id="rId54"/>
+    <p:sldId id="673" r:id="rId55"/>
+    <p:sldId id="672" r:id="rId56"/>
+    <p:sldId id="674" r:id="rId57"/>
+    <p:sldId id="675" r:id="rId58"/>
+    <p:sldId id="676" r:id="rId59"/>
+    <p:sldId id="677" r:id="rId60"/>
+    <p:sldId id="263" r:id="rId61"/>
   </p:sldIdLst>
   <p:sldSz cx="12192000" cy="6858000"/>
   <p:notesSz cx="6858000" cy="9144000"/>
@@ -152,7 +177,7 @@
 <file path=ppt/revisionInfo.xml><?xml version="1.0" encoding="utf-8"?>
 <p1510:revInfo xmlns:a="http://schemas.openxmlformats.org/drawingml/2006/main" xmlns:r="http://schemas.openxmlformats.org/officeDocument/2006/relationships" xmlns:p1510="http://schemas.microsoft.com/office/powerpoint/2015/10/main">
   <p1510:revLst>
-    <p1510:client id="{5C08E619-A88B-45AE-BF27-19E8E7714D10}" v="335" dt="2022-07-26T07:20:46.584"/>
+    <p1510:client id="{5C08E619-A88B-45AE-BF27-19E8E7714D10}" v="405" dt="2022-07-26T08:36:19.861"/>
   </p1510:revLst>
 </p1510:revInfo>
 </file>
@@ -162,16 +187,24 @@
   <pc:docChgLst>
     <pc:chgData name="Falchetta Giacomo" userId="68ba084c-44c1-477d-9572-656657341ed8" providerId="ADAL" clId="{5C08E619-A88B-45AE-BF27-19E8E7714D10}"/>
     <pc:docChg chg="undo custSel addSld delSld modSld sldOrd">
-      <pc:chgData name="Falchetta Giacomo" userId="68ba084c-44c1-477d-9572-656657341ed8" providerId="ADAL" clId="{5C08E619-A88B-45AE-BF27-19E8E7714D10}" dt="2022-07-26T07:21:10.143" v="1306" actId="12"/>
+      <pc:chgData name="Falchetta Giacomo" userId="68ba084c-44c1-477d-9572-656657341ed8" providerId="ADAL" clId="{5C08E619-A88B-45AE-BF27-19E8E7714D10}" dt="2022-07-26T08:38:50.271" v="3898" actId="20577"/>
       <pc:docMkLst>
         <pc:docMk/>
       </pc:docMkLst>
       <pc:sldChg chg="modSp add mod">
-        <pc:chgData name="Falchetta Giacomo" userId="68ba084c-44c1-477d-9572-656657341ed8" providerId="ADAL" clId="{5C08E619-A88B-45AE-BF27-19E8E7714D10}" dt="2022-07-26T07:16:17.785" v="1133" actId="207"/>
+        <pc:chgData name="Falchetta Giacomo" userId="68ba084c-44c1-477d-9572-656657341ed8" providerId="ADAL" clId="{5C08E619-A88B-45AE-BF27-19E8E7714D10}" dt="2022-07-26T08:38:50.271" v="3898" actId="20577"/>
         <pc:sldMkLst>
           <pc:docMk/>
           <pc:sldMk cId="454072129" sldId="256"/>
         </pc:sldMkLst>
+        <pc:spChg chg="mod">
+          <ac:chgData name="Falchetta Giacomo" userId="68ba084c-44c1-477d-9572-656657341ed8" providerId="ADAL" clId="{5C08E619-A88B-45AE-BF27-19E8E7714D10}" dt="2022-07-26T08:38:50.271" v="3898" actId="20577"/>
+          <ac:spMkLst>
+            <pc:docMk/>
+            <pc:sldMk cId="454072129" sldId="256"/>
+            <ac:spMk id="3" creationId="{FBE6075A-4F1E-412D-8530-A622D0799CD7}"/>
+          </ac:spMkLst>
+        </pc:spChg>
         <pc:spChg chg="mod">
           <ac:chgData name="Falchetta Giacomo" userId="68ba084c-44c1-477d-9572-656657341ed8" providerId="ADAL" clId="{5C08E619-A88B-45AE-BF27-19E8E7714D10}" dt="2022-07-26T07:16:17.785" v="1133" actId="207"/>
           <ac:spMkLst>
@@ -389,8 +422,8 @@
           </ac:spMkLst>
         </pc:spChg>
       </pc:sldChg>
-      <pc:sldChg chg="modSp add">
-        <pc:chgData name="Falchetta Giacomo" userId="68ba084c-44c1-477d-9572-656657341ed8" providerId="ADAL" clId="{5C08E619-A88B-45AE-BF27-19E8E7714D10}" dt="2022-07-21T15:56:30.492" v="181" actId="1076"/>
+      <pc:sldChg chg="modSp add mod">
+        <pc:chgData name="Falchetta Giacomo" userId="68ba084c-44c1-477d-9572-656657341ed8" providerId="ADAL" clId="{5C08E619-A88B-45AE-BF27-19E8E7714D10}" dt="2022-07-26T08:03:07.801" v="3686" actId="115"/>
         <pc:sldMkLst>
           <pc:docMk/>
           <pc:sldMk cId="4248671283" sldId="267"/>
@@ -404,7 +437,7 @@
           </ac:spMkLst>
         </pc:spChg>
         <pc:spChg chg="mod">
-          <ac:chgData name="Falchetta Giacomo" userId="68ba084c-44c1-477d-9572-656657341ed8" providerId="ADAL" clId="{5C08E619-A88B-45AE-BF27-19E8E7714D10}" dt="2022-07-21T15:56:30.492" v="181" actId="1076"/>
+          <ac:chgData name="Falchetta Giacomo" userId="68ba084c-44c1-477d-9572-656657341ed8" providerId="ADAL" clId="{5C08E619-A88B-45AE-BF27-19E8E7714D10}" dt="2022-07-26T08:03:07.801" v="3686" actId="115"/>
           <ac:spMkLst>
             <pc:docMk/>
             <pc:sldMk cId="4248671283" sldId="267"/>
@@ -649,13 +682,13 @@
         </pc:cxnChg>
       </pc:sldChg>
       <pc:sldChg chg="modSp add mod">
-        <pc:chgData name="Falchetta Giacomo" userId="68ba084c-44c1-477d-9572-656657341ed8" providerId="ADAL" clId="{5C08E619-A88B-45AE-BF27-19E8E7714D10}" dt="2022-07-21T15:53:27.698" v="111"/>
+        <pc:chgData name="Falchetta Giacomo" userId="68ba084c-44c1-477d-9572-656657341ed8" providerId="ADAL" clId="{5C08E619-A88B-45AE-BF27-19E8E7714D10}" dt="2022-07-26T08:33:16.975" v="3773" actId="1076"/>
         <pc:sldMkLst>
           <pc:docMk/>
           <pc:sldMk cId="684854585" sldId="631"/>
         </pc:sldMkLst>
         <pc:spChg chg="mod">
-          <ac:chgData name="Falchetta Giacomo" userId="68ba084c-44c1-477d-9572-656657341ed8" providerId="ADAL" clId="{5C08E619-A88B-45AE-BF27-19E8E7714D10}" dt="2022-07-21T15:53:27.698" v="111"/>
+          <ac:chgData name="Falchetta Giacomo" userId="68ba084c-44c1-477d-9572-656657341ed8" providerId="ADAL" clId="{5C08E619-A88B-45AE-BF27-19E8E7714D10}" dt="2022-07-26T08:33:16.975" v="3773" actId="1076"/>
           <ac:spMkLst>
             <pc:docMk/>
             <pc:sldMk cId="684854585" sldId="631"/>
@@ -748,11 +781,19 @@
         </pc:graphicFrameChg>
       </pc:sldChg>
       <pc:sldChg chg="addSp delSp modSp add mod">
-        <pc:chgData name="Falchetta Giacomo" userId="68ba084c-44c1-477d-9572-656657341ed8" providerId="ADAL" clId="{5C08E619-A88B-45AE-BF27-19E8E7714D10}" dt="2022-07-26T07:21:10.143" v="1306" actId="12"/>
+        <pc:chgData name="Falchetta Giacomo" userId="68ba084c-44c1-477d-9572-656657341ed8" providerId="ADAL" clId="{5C08E619-A88B-45AE-BF27-19E8E7714D10}" dt="2022-07-26T07:37:59.547" v="2516" actId="20577"/>
         <pc:sldMkLst>
           <pc:docMk/>
           <pc:sldMk cId="1497582503" sldId="635"/>
         </pc:sldMkLst>
+        <pc:spChg chg="add mod">
+          <ac:chgData name="Falchetta Giacomo" userId="68ba084c-44c1-477d-9572-656657341ed8" providerId="ADAL" clId="{5C08E619-A88B-45AE-BF27-19E8E7714D10}" dt="2022-07-26T07:37:32.138" v="2484" actId="113"/>
+          <ac:spMkLst>
+            <pc:docMk/>
+            <pc:sldMk cId="1497582503" sldId="635"/>
+            <ac:spMk id="2" creationId="{48FA7FA9-4392-4323-AE86-3750C7B0EB25}"/>
+          </ac:spMkLst>
+        </pc:spChg>
         <pc:spChg chg="del">
           <ac:chgData name="Falchetta Giacomo" userId="68ba084c-44c1-477d-9572-656657341ed8" providerId="ADAL" clId="{5C08E619-A88B-45AE-BF27-19E8E7714D10}" dt="2022-07-26T07:17:51.397" v="1164" actId="1032"/>
           <ac:spMkLst>
@@ -762,15 +803,15 @@
           </ac:spMkLst>
         </pc:spChg>
         <pc:spChg chg="mod">
-          <ac:chgData name="Falchetta Giacomo" userId="68ba084c-44c1-477d-9572-656657341ed8" providerId="ADAL" clId="{5C08E619-A88B-45AE-BF27-19E8E7714D10}" dt="2022-07-26T07:17:41.038" v="1163" actId="20577"/>
+          <ac:chgData name="Falchetta Giacomo" userId="68ba084c-44c1-477d-9572-656657341ed8" providerId="ADAL" clId="{5C08E619-A88B-45AE-BF27-19E8E7714D10}" dt="2022-07-26T07:37:59.547" v="2516" actId="20577"/>
           <ac:spMkLst>
             <pc:docMk/>
             <pc:sldMk cId="1497582503" sldId="635"/>
             <ac:spMk id="3" creationId="{A5055686-2292-40F4-BA41-0E2F5C414480}"/>
           </ac:spMkLst>
         </pc:spChg>
-        <pc:spChg chg="add mod">
-          <ac:chgData name="Falchetta Giacomo" userId="68ba084c-44c1-477d-9572-656657341ed8" providerId="ADAL" clId="{5C08E619-A88B-45AE-BF27-19E8E7714D10}" dt="2022-07-26T07:21:10.143" v="1306" actId="12"/>
+        <pc:spChg chg="add del mod">
+          <ac:chgData name="Falchetta Giacomo" userId="68ba084c-44c1-477d-9572-656657341ed8" providerId="ADAL" clId="{5C08E619-A88B-45AE-BF27-19E8E7714D10}" dt="2022-07-26T07:33:52.331" v="1783" actId="478"/>
           <ac:spMkLst>
             <pc:docMk/>
             <pc:sldMk cId="1497582503" sldId="635"/>
@@ -778,7 +819,7 @@
           </ac:spMkLst>
         </pc:spChg>
         <pc:graphicFrameChg chg="add mod modGraphic">
-          <ac:chgData name="Falchetta Giacomo" userId="68ba084c-44c1-477d-9572-656657341ed8" providerId="ADAL" clId="{5C08E619-A88B-45AE-BF27-19E8E7714D10}" dt="2022-07-26T07:19:43.302" v="1273" actId="478"/>
+          <ac:chgData name="Falchetta Giacomo" userId="68ba084c-44c1-477d-9572-656657341ed8" providerId="ADAL" clId="{5C08E619-A88B-45AE-BF27-19E8E7714D10}" dt="2022-07-26T07:37:18.819" v="2479" actId="14100"/>
           <ac:graphicFrameMkLst>
             <pc:docMk/>
             <pc:sldMk cId="1497582503" sldId="635"/>
@@ -1047,12 +1088,28 @@
           </ac:spMkLst>
         </pc:spChg>
       </pc:sldChg>
-      <pc:sldChg chg="add">
-        <pc:chgData name="Falchetta Giacomo" userId="68ba084c-44c1-477d-9572-656657341ed8" providerId="ADAL" clId="{5C08E619-A88B-45AE-BF27-19E8E7714D10}" dt="2022-07-21T15:57:57.201" v="334"/>
+      <pc:sldChg chg="modSp add mod">
+        <pc:chgData name="Falchetta Giacomo" userId="68ba084c-44c1-477d-9572-656657341ed8" providerId="ADAL" clId="{5C08E619-A88B-45AE-BF27-19E8E7714D10}" dt="2022-07-26T07:55:30.366" v="2994" actId="27636"/>
         <pc:sldMkLst>
           <pc:docMk/>
           <pc:sldMk cId="1697383470" sldId="646"/>
         </pc:sldMkLst>
+        <pc:spChg chg="mod">
+          <ac:chgData name="Falchetta Giacomo" userId="68ba084c-44c1-477d-9572-656657341ed8" providerId="ADAL" clId="{5C08E619-A88B-45AE-BF27-19E8E7714D10}" dt="2022-07-26T07:55:17.840" v="2990" actId="20577"/>
+          <ac:spMkLst>
+            <pc:docMk/>
+            <pc:sldMk cId="1697383470" sldId="646"/>
+            <ac:spMk id="2" creationId="{CB2F9C2C-AA45-400F-88E8-CD1B3077AB3B}"/>
+          </ac:spMkLst>
+        </pc:spChg>
+        <pc:spChg chg="mod">
+          <ac:chgData name="Falchetta Giacomo" userId="68ba084c-44c1-477d-9572-656657341ed8" providerId="ADAL" clId="{5C08E619-A88B-45AE-BF27-19E8E7714D10}" dt="2022-07-26T07:55:30.366" v="2994" actId="27636"/>
+          <ac:spMkLst>
+            <pc:docMk/>
+            <pc:sldMk cId="1697383470" sldId="646"/>
+            <ac:spMk id="3" creationId="{A5055686-2292-40F4-BA41-0E2F5C414480}"/>
+          </ac:spMkLst>
+        </pc:spChg>
       </pc:sldChg>
       <pc:sldChg chg="modSp add mod">
         <pc:chgData name="Falchetta Giacomo" userId="68ba084c-44c1-477d-9572-656657341ed8" providerId="ADAL" clId="{5C08E619-A88B-45AE-BF27-19E8E7714D10}" dt="2022-07-21T15:58:19.050" v="370" actId="20577"/>
@@ -1069,12 +1126,20 @@
           </ac:spMkLst>
         </pc:spChg>
       </pc:sldChg>
-      <pc:sldChg chg="add">
-        <pc:chgData name="Falchetta Giacomo" userId="68ba084c-44c1-477d-9572-656657341ed8" providerId="ADAL" clId="{5C08E619-A88B-45AE-BF27-19E8E7714D10}" dt="2022-07-21T15:58:15.429" v="354"/>
+      <pc:sldChg chg="modSp add mod">
+        <pc:chgData name="Falchetta Giacomo" userId="68ba084c-44c1-477d-9572-656657341ed8" providerId="ADAL" clId="{5C08E619-A88B-45AE-BF27-19E8E7714D10}" dt="2022-07-26T07:55:50.068" v="3039" actId="20577"/>
         <pc:sldMkLst>
           <pc:docMk/>
           <pc:sldMk cId="3807801866" sldId="648"/>
         </pc:sldMkLst>
+        <pc:spChg chg="mod">
+          <ac:chgData name="Falchetta Giacomo" userId="68ba084c-44c1-477d-9572-656657341ed8" providerId="ADAL" clId="{5C08E619-A88B-45AE-BF27-19E8E7714D10}" dt="2022-07-26T07:55:50.068" v="3039" actId="20577"/>
+          <ac:spMkLst>
+            <pc:docMk/>
+            <pc:sldMk cId="3807801866" sldId="648"/>
+            <ac:spMk id="2" creationId="{CB2F9C2C-AA45-400F-88E8-CD1B3077AB3B}"/>
+          </ac:spMkLst>
+        </pc:spChg>
       </pc:sldChg>
       <pc:sldChg chg="modSp add mod">
         <pc:chgData name="Falchetta Giacomo" userId="68ba084c-44c1-477d-9572-656657341ed8" providerId="ADAL" clId="{5C08E619-A88B-45AE-BF27-19E8E7714D10}" dt="2022-07-21T15:58:48.722" v="439" actId="20577"/>
@@ -1127,12 +1192,28 @@
           </ac:spMkLst>
         </pc:spChg>
       </pc:sldChg>
-      <pc:sldChg chg="add">
-        <pc:chgData name="Falchetta Giacomo" userId="68ba084c-44c1-477d-9572-656657341ed8" providerId="ADAL" clId="{5C08E619-A88B-45AE-BF27-19E8E7714D10}" dt="2022-07-21T15:59:07.136" v="454"/>
+      <pc:sldChg chg="modSp add mod">
+        <pc:chgData name="Falchetta Giacomo" userId="68ba084c-44c1-477d-9572-656657341ed8" providerId="ADAL" clId="{5C08E619-A88B-45AE-BF27-19E8E7714D10}" dt="2022-07-26T07:56:47.991" v="3242" actId="113"/>
         <pc:sldMkLst>
           <pc:docMk/>
           <pc:sldMk cId="3048271790" sldId="652"/>
         </pc:sldMkLst>
+        <pc:spChg chg="mod">
+          <ac:chgData name="Falchetta Giacomo" userId="68ba084c-44c1-477d-9572-656657341ed8" providerId="ADAL" clId="{5C08E619-A88B-45AE-BF27-19E8E7714D10}" dt="2022-07-26T07:56:47.991" v="3242" actId="113"/>
+          <ac:spMkLst>
+            <pc:docMk/>
+            <pc:sldMk cId="3048271790" sldId="652"/>
+            <ac:spMk id="2" creationId="{CB2F9C2C-AA45-400F-88E8-CD1B3077AB3B}"/>
+          </ac:spMkLst>
+        </pc:spChg>
+        <pc:spChg chg="mod">
+          <ac:chgData name="Falchetta Giacomo" userId="68ba084c-44c1-477d-9572-656657341ed8" providerId="ADAL" clId="{5C08E619-A88B-45AE-BF27-19E8E7714D10}" dt="2022-07-26T07:56:03.877" v="3080" actId="20577"/>
+          <ac:spMkLst>
+            <pc:docMk/>
+            <pc:sldMk cId="3048271790" sldId="652"/>
+            <ac:spMk id="3" creationId="{A5055686-2292-40F4-BA41-0E2F5C414480}"/>
+          </ac:spMkLst>
+        </pc:spChg>
       </pc:sldChg>
       <pc:sldChg chg="modSp add mod">
         <pc:chgData name="Falchetta Giacomo" userId="68ba084c-44c1-477d-9572-656657341ed8" providerId="ADAL" clId="{5C08E619-A88B-45AE-BF27-19E8E7714D10}" dt="2022-07-26T07:14:59.351" v="1096" actId="20577"/>
@@ -1148,6 +1229,698 @@
             <ac:graphicFrameMk id="5" creationId="{E6FFC361-A030-436D-B991-B9E5A060551B}"/>
           </ac:graphicFrameMkLst>
         </pc:graphicFrameChg>
+      </pc:sldChg>
+      <pc:sldChg chg="addSp delSp modSp add mod ord">
+        <pc:chgData name="Falchetta Giacomo" userId="68ba084c-44c1-477d-9572-656657341ed8" providerId="ADAL" clId="{5C08E619-A88B-45AE-BF27-19E8E7714D10}" dt="2022-07-26T07:33:43.929" v="1767" actId="113"/>
+        <pc:sldMkLst>
+          <pc:docMk/>
+          <pc:sldMk cId="2361786678" sldId="654"/>
+        </pc:sldMkLst>
+        <pc:spChg chg="mod">
+          <ac:chgData name="Falchetta Giacomo" userId="68ba084c-44c1-477d-9572-656657341ed8" providerId="ADAL" clId="{5C08E619-A88B-45AE-BF27-19E8E7714D10}" dt="2022-07-26T07:30:40.304" v="1576"/>
+          <ac:spMkLst>
+            <pc:docMk/>
+            <pc:sldMk cId="2361786678" sldId="654"/>
+            <ac:spMk id="3" creationId="{A5055686-2292-40F4-BA41-0E2F5C414480}"/>
+          </ac:spMkLst>
+        </pc:spChg>
+        <pc:spChg chg="mod">
+          <ac:chgData name="Falchetta Giacomo" userId="68ba084c-44c1-477d-9572-656657341ed8" providerId="ADAL" clId="{5C08E619-A88B-45AE-BF27-19E8E7714D10}" dt="2022-07-26T07:33:43.929" v="1767" actId="113"/>
+          <ac:spMkLst>
+            <pc:docMk/>
+            <pc:sldMk cId="2361786678" sldId="654"/>
+            <ac:spMk id="5" creationId="{EC5552E8-1D49-40B2-9E20-7150D4CBF604}"/>
+          </ac:spMkLst>
+        </pc:spChg>
+        <pc:spChg chg="add del mod">
+          <ac:chgData name="Falchetta Giacomo" userId="68ba084c-44c1-477d-9572-656657341ed8" providerId="ADAL" clId="{5C08E619-A88B-45AE-BF27-19E8E7714D10}" dt="2022-07-26T07:30:37.351" v="1575" actId="478"/>
+          <ac:spMkLst>
+            <pc:docMk/>
+            <pc:sldMk cId="2361786678" sldId="654"/>
+            <ac:spMk id="6" creationId="{BAE22B37-0C1F-41A2-B17B-2C452CB09686}"/>
+          </ac:spMkLst>
+        </pc:spChg>
+        <pc:graphicFrameChg chg="del">
+          <ac:chgData name="Falchetta Giacomo" userId="68ba084c-44c1-477d-9572-656657341ed8" providerId="ADAL" clId="{5C08E619-A88B-45AE-BF27-19E8E7714D10}" dt="2022-07-26T07:30:29.047" v="1574" actId="478"/>
+          <ac:graphicFrameMkLst>
+            <pc:docMk/>
+            <pc:sldMk cId="2361786678" sldId="654"/>
+            <ac:graphicFrameMk id="4" creationId="{3C6CB966-76B0-4BB3-A14E-B446EA11E067}"/>
+          </ac:graphicFrameMkLst>
+        </pc:graphicFrameChg>
+      </pc:sldChg>
+      <pc:sldChg chg="modSp add del mod">
+        <pc:chgData name="Falchetta Giacomo" userId="68ba084c-44c1-477d-9572-656657341ed8" providerId="ADAL" clId="{5C08E619-A88B-45AE-BF27-19E8E7714D10}" dt="2022-07-26T07:33:46.405" v="1768" actId="47"/>
+        <pc:sldMkLst>
+          <pc:docMk/>
+          <pc:sldMk cId="2780166804" sldId="655"/>
+        </pc:sldMkLst>
+        <pc:spChg chg="mod">
+          <ac:chgData name="Falchetta Giacomo" userId="68ba084c-44c1-477d-9572-656657341ed8" providerId="ADAL" clId="{5C08E619-A88B-45AE-BF27-19E8E7714D10}" dt="2022-07-26T07:33:25.546" v="1759" actId="1076"/>
+          <ac:spMkLst>
+            <pc:docMk/>
+            <pc:sldMk cId="2780166804" sldId="655"/>
+            <ac:spMk id="5" creationId="{EC5552E8-1D49-40B2-9E20-7150D4CBF604}"/>
+          </ac:spMkLst>
+        </pc:spChg>
+      </pc:sldChg>
+      <pc:sldChg chg="addSp delSp modSp add mod">
+        <pc:chgData name="Falchetta Giacomo" userId="68ba084c-44c1-477d-9572-656657341ed8" providerId="ADAL" clId="{5C08E619-A88B-45AE-BF27-19E8E7714D10}" dt="2022-07-26T07:38:03.939" v="2519"/>
+        <pc:sldMkLst>
+          <pc:docMk/>
+          <pc:sldMk cId="3514266116" sldId="655"/>
+        </pc:sldMkLst>
+        <pc:spChg chg="del">
+          <ac:chgData name="Falchetta Giacomo" userId="68ba084c-44c1-477d-9572-656657341ed8" providerId="ADAL" clId="{5C08E619-A88B-45AE-BF27-19E8E7714D10}" dt="2022-07-26T07:37:46.217" v="2505" actId="478"/>
+          <ac:spMkLst>
+            <pc:docMk/>
+            <pc:sldMk cId="3514266116" sldId="655"/>
+            <ac:spMk id="2" creationId="{48FA7FA9-4392-4323-AE86-3750C7B0EB25}"/>
+          </ac:spMkLst>
+        </pc:spChg>
+        <pc:spChg chg="mod">
+          <ac:chgData name="Falchetta Giacomo" userId="68ba084c-44c1-477d-9572-656657341ed8" providerId="ADAL" clId="{5C08E619-A88B-45AE-BF27-19E8E7714D10}" dt="2022-07-26T07:38:03.939" v="2519"/>
+          <ac:spMkLst>
+            <pc:docMk/>
+            <pc:sldMk cId="3514266116" sldId="655"/>
+            <ac:spMk id="3" creationId="{A5055686-2292-40F4-BA41-0E2F5C414480}"/>
+          </ac:spMkLst>
+        </pc:spChg>
+        <pc:spChg chg="add mod">
+          <ac:chgData name="Falchetta Giacomo" userId="68ba084c-44c1-477d-9572-656657341ed8" providerId="ADAL" clId="{5C08E619-A88B-45AE-BF27-19E8E7714D10}" dt="2022-07-26T07:37:49.749" v="2506" actId="478"/>
+          <ac:spMkLst>
+            <pc:docMk/>
+            <pc:sldMk cId="3514266116" sldId="655"/>
+            <ac:spMk id="6" creationId="{15BB7098-01A5-4FE3-8F2B-79330CFBD1C0}"/>
+          </ac:spMkLst>
+        </pc:spChg>
+        <pc:graphicFrameChg chg="del">
+          <ac:chgData name="Falchetta Giacomo" userId="68ba084c-44c1-477d-9572-656657341ed8" providerId="ADAL" clId="{5C08E619-A88B-45AE-BF27-19E8E7714D10}" dt="2022-07-26T07:37:49.749" v="2506" actId="478"/>
+          <ac:graphicFrameMkLst>
+            <pc:docMk/>
+            <pc:sldMk cId="3514266116" sldId="655"/>
+            <ac:graphicFrameMk id="4" creationId="{3C6CB966-76B0-4BB3-A14E-B446EA11E067}"/>
+          </ac:graphicFrameMkLst>
+        </pc:graphicFrameChg>
+      </pc:sldChg>
+      <pc:sldChg chg="modSp add mod">
+        <pc:chgData name="Falchetta Giacomo" userId="68ba084c-44c1-477d-9572-656657341ed8" providerId="ADAL" clId="{5C08E619-A88B-45AE-BF27-19E8E7714D10}" dt="2022-07-26T07:38:11.480" v="2523"/>
+        <pc:sldMkLst>
+          <pc:docMk/>
+          <pc:sldMk cId="3407402665" sldId="656"/>
+        </pc:sldMkLst>
+        <pc:spChg chg="mod">
+          <ac:chgData name="Falchetta Giacomo" userId="68ba084c-44c1-477d-9572-656657341ed8" providerId="ADAL" clId="{5C08E619-A88B-45AE-BF27-19E8E7714D10}" dt="2022-07-26T07:38:11.480" v="2523"/>
+          <ac:spMkLst>
+            <pc:docMk/>
+            <pc:sldMk cId="3407402665" sldId="656"/>
+            <ac:spMk id="3" creationId="{A5055686-2292-40F4-BA41-0E2F5C414480}"/>
+          </ac:spMkLst>
+        </pc:spChg>
+      </pc:sldChg>
+      <pc:sldChg chg="modSp add mod">
+        <pc:chgData name="Falchetta Giacomo" userId="68ba084c-44c1-477d-9572-656657341ed8" providerId="ADAL" clId="{5C08E619-A88B-45AE-BF27-19E8E7714D10}" dt="2022-07-26T07:38:21.159" v="2524"/>
+        <pc:sldMkLst>
+          <pc:docMk/>
+          <pc:sldMk cId="2244173081" sldId="657"/>
+        </pc:sldMkLst>
+        <pc:spChg chg="mod">
+          <ac:chgData name="Falchetta Giacomo" userId="68ba084c-44c1-477d-9572-656657341ed8" providerId="ADAL" clId="{5C08E619-A88B-45AE-BF27-19E8E7714D10}" dt="2022-07-26T07:38:21.159" v="2524"/>
+          <ac:spMkLst>
+            <pc:docMk/>
+            <pc:sldMk cId="2244173081" sldId="657"/>
+            <ac:spMk id="3" creationId="{A5055686-2292-40F4-BA41-0E2F5C414480}"/>
+          </ac:spMkLst>
+        </pc:spChg>
+      </pc:sldChg>
+      <pc:sldChg chg="modSp add mod">
+        <pc:chgData name="Falchetta Giacomo" userId="68ba084c-44c1-477d-9572-656657341ed8" providerId="ADAL" clId="{5C08E619-A88B-45AE-BF27-19E8E7714D10}" dt="2022-07-26T07:38:31.647" v="2525"/>
+        <pc:sldMkLst>
+          <pc:docMk/>
+          <pc:sldMk cId="2328512592" sldId="658"/>
+        </pc:sldMkLst>
+        <pc:spChg chg="mod">
+          <ac:chgData name="Falchetta Giacomo" userId="68ba084c-44c1-477d-9572-656657341ed8" providerId="ADAL" clId="{5C08E619-A88B-45AE-BF27-19E8E7714D10}" dt="2022-07-26T07:38:31.647" v="2525"/>
+          <ac:spMkLst>
+            <pc:docMk/>
+            <pc:sldMk cId="2328512592" sldId="658"/>
+            <ac:spMk id="3" creationId="{A5055686-2292-40F4-BA41-0E2F5C414480}"/>
+          </ac:spMkLst>
+        </pc:spChg>
+      </pc:sldChg>
+      <pc:sldChg chg="modSp add mod">
+        <pc:chgData name="Falchetta Giacomo" userId="68ba084c-44c1-477d-9572-656657341ed8" providerId="ADAL" clId="{5C08E619-A88B-45AE-BF27-19E8E7714D10}" dt="2022-07-26T07:38:41.492" v="2529" actId="20577"/>
+        <pc:sldMkLst>
+          <pc:docMk/>
+          <pc:sldMk cId="1178916276" sldId="659"/>
+        </pc:sldMkLst>
+        <pc:spChg chg="mod">
+          <ac:chgData name="Falchetta Giacomo" userId="68ba084c-44c1-477d-9572-656657341ed8" providerId="ADAL" clId="{5C08E619-A88B-45AE-BF27-19E8E7714D10}" dt="2022-07-26T07:38:41.492" v="2529" actId="20577"/>
+          <ac:spMkLst>
+            <pc:docMk/>
+            <pc:sldMk cId="1178916276" sldId="659"/>
+            <ac:spMk id="3" creationId="{A5055686-2292-40F4-BA41-0E2F5C414480}"/>
+          </ac:spMkLst>
+        </pc:spChg>
+      </pc:sldChg>
+      <pc:sldChg chg="modSp add mod">
+        <pc:chgData name="Falchetta Giacomo" userId="68ba084c-44c1-477d-9572-656657341ed8" providerId="ADAL" clId="{5C08E619-A88B-45AE-BF27-19E8E7714D10}" dt="2022-07-26T07:39:06.977" v="2548"/>
+        <pc:sldMkLst>
+          <pc:docMk/>
+          <pc:sldMk cId="325096614" sldId="660"/>
+        </pc:sldMkLst>
+        <pc:spChg chg="mod">
+          <ac:chgData name="Falchetta Giacomo" userId="68ba084c-44c1-477d-9572-656657341ed8" providerId="ADAL" clId="{5C08E619-A88B-45AE-BF27-19E8E7714D10}" dt="2022-07-26T07:39:06.977" v="2548"/>
+          <ac:spMkLst>
+            <pc:docMk/>
+            <pc:sldMk cId="325096614" sldId="660"/>
+            <ac:spMk id="3" creationId="{A5055686-2292-40F4-BA41-0E2F5C414480}"/>
+          </ac:spMkLst>
+        </pc:spChg>
+      </pc:sldChg>
+      <pc:sldChg chg="modSp add mod">
+        <pc:chgData name="Falchetta Giacomo" userId="68ba084c-44c1-477d-9572-656657341ed8" providerId="ADAL" clId="{5C08E619-A88B-45AE-BF27-19E8E7714D10}" dt="2022-07-26T07:39:19.428" v="2559" actId="404"/>
+        <pc:sldMkLst>
+          <pc:docMk/>
+          <pc:sldMk cId="303423452" sldId="661"/>
+        </pc:sldMkLst>
+        <pc:spChg chg="mod">
+          <ac:chgData name="Falchetta Giacomo" userId="68ba084c-44c1-477d-9572-656657341ed8" providerId="ADAL" clId="{5C08E619-A88B-45AE-BF27-19E8E7714D10}" dt="2022-07-26T07:39:19.428" v="2559" actId="404"/>
+          <ac:spMkLst>
+            <pc:docMk/>
+            <pc:sldMk cId="303423452" sldId="661"/>
+            <ac:spMk id="3" creationId="{A5055686-2292-40F4-BA41-0E2F5C414480}"/>
+          </ac:spMkLst>
+        </pc:spChg>
+      </pc:sldChg>
+      <pc:sldChg chg="modSp add mod ord">
+        <pc:chgData name="Falchetta Giacomo" userId="68ba084c-44c1-477d-9572-656657341ed8" providerId="ADAL" clId="{5C08E619-A88B-45AE-BF27-19E8E7714D10}" dt="2022-07-26T07:39:45.125" v="2563"/>
+        <pc:sldMkLst>
+          <pc:docMk/>
+          <pc:sldMk cId="279702798" sldId="662"/>
+        </pc:sldMkLst>
+        <pc:spChg chg="mod">
+          <ac:chgData name="Falchetta Giacomo" userId="68ba084c-44c1-477d-9572-656657341ed8" providerId="ADAL" clId="{5C08E619-A88B-45AE-BF27-19E8E7714D10}" dt="2022-07-26T07:39:45.125" v="2563"/>
+          <ac:spMkLst>
+            <pc:docMk/>
+            <pc:sldMk cId="279702798" sldId="662"/>
+            <ac:spMk id="3" creationId="{A5055686-2292-40F4-BA41-0E2F5C414480}"/>
+          </ac:spMkLst>
+        </pc:spChg>
+      </pc:sldChg>
+      <pc:sldChg chg="modSp add mod">
+        <pc:chgData name="Falchetta Giacomo" userId="68ba084c-44c1-477d-9572-656657341ed8" providerId="ADAL" clId="{5C08E619-A88B-45AE-BF27-19E8E7714D10}" dt="2022-07-26T07:39:51.070" v="2565"/>
+        <pc:sldMkLst>
+          <pc:docMk/>
+          <pc:sldMk cId="3426730092" sldId="663"/>
+        </pc:sldMkLst>
+        <pc:spChg chg="mod">
+          <ac:chgData name="Falchetta Giacomo" userId="68ba084c-44c1-477d-9572-656657341ed8" providerId="ADAL" clId="{5C08E619-A88B-45AE-BF27-19E8E7714D10}" dt="2022-07-26T07:39:51.070" v="2565"/>
+          <ac:spMkLst>
+            <pc:docMk/>
+            <pc:sldMk cId="3426730092" sldId="663"/>
+            <ac:spMk id="3" creationId="{A5055686-2292-40F4-BA41-0E2F5C414480}"/>
+          </ac:spMkLst>
+        </pc:spChg>
+      </pc:sldChg>
+      <pc:sldChg chg="modSp add mod">
+        <pc:chgData name="Falchetta Giacomo" userId="68ba084c-44c1-477d-9572-656657341ed8" providerId="ADAL" clId="{5C08E619-A88B-45AE-BF27-19E8E7714D10}" dt="2022-07-26T07:40:00.638" v="2573" actId="404"/>
+        <pc:sldMkLst>
+          <pc:docMk/>
+          <pc:sldMk cId="2036977310" sldId="664"/>
+        </pc:sldMkLst>
+        <pc:spChg chg="mod">
+          <ac:chgData name="Falchetta Giacomo" userId="68ba084c-44c1-477d-9572-656657341ed8" providerId="ADAL" clId="{5C08E619-A88B-45AE-BF27-19E8E7714D10}" dt="2022-07-26T07:40:00.638" v="2573" actId="404"/>
+          <ac:spMkLst>
+            <pc:docMk/>
+            <pc:sldMk cId="2036977310" sldId="664"/>
+            <ac:spMk id="3" creationId="{A5055686-2292-40F4-BA41-0E2F5C414480}"/>
+          </ac:spMkLst>
+        </pc:spChg>
+      </pc:sldChg>
+      <pc:sldChg chg="modSp add mod">
+        <pc:chgData name="Falchetta Giacomo" userId="68ba084c-44c1-477d-9572-656657341ed8" providerId="ADAL" clId="{5C08E619-A88B-45AE-BF27-19E8E7714D10}" dt="2022-07-26T07:40:15.178" v="2577"/>
+        <pc:sldMkLst>
+          <pc:docMk/>
+          <pc:sldMk cId="2192357902" sldId="665"/>
+        </pc:sldMkLst>
+        <pc:spChg chg="mod">
+          <ac:chgData name="Falchetta Giacomo" userId="68ba084c-44c1-477d-9572-656657341ed8" providerId="ADAL" clId="{5C08E619-A88B-45AE-BF27-19E8E7714D10}" dt="2022-07-26T07:40:15.178" v="2577"/>
+          <ac:spMkLst>
+            <pc:docMk/>
+            <pc:sldMk cId="2192357902" sldId="665"/>
+            <ac:spMk id="3" creationId="{A5055686-2292-40F4-BA41-0E2F5C414480}"/>
+          </ac:spMkLst>
+        </pc:spChg>
+      </pc:sldChg>
+      <pc:sldChg chg="addSp delSp add mod">
+        <pc:chgData name="Falchetta Giacomo" userId="68ba084c-44c1-477d-9572-656657341ed8" providerId="ADAL" clId="{5C08E619-A88B-45AE-BF27-19E8E7714D10}" dt="2022-07-26T07:40:30.192" v="2579" actId="22"/>
+        <pc:sldMkLst>
+          <pc:docMk/>
+          <pc:sldMk cId="64034273" sldId="666"/>
+        </pc:sldMkLst>
+        <pc:spChg chg="add del">
+          <ac:chgData name="Falchetta Giacomo" userId="68ba084c-44c1-477d-9572-656657341ed8" providerId="ADAL" clId="{5C08E619-A88B-45AE-BF27-19E8E7714D10}" dt="2022-07-26T07:40:30.192" v="2579" actId="22"/>
+          <ac:spMkLst>
+            <pc:docMk/>
+            <pc:sldMk cId="64034273" sldId="666"/>
+            <ac:spMk id="5" creationId="{9BCAC497-4D99-4786-970F-06D1CCAEE846}"/>
+          </ac:spMkLst>
+        </pc:spChg>
+      </pc:sldChg>
+      <pc:sldChg chg="modSp add mod">
+        <pc:chgData name="Falchetta Giacomo" userId="68ba084c-44c1-477d-9572-656657341ed8" providerId="ADAL" clId="{5C08E619-A88B-45AE-BF27-19E8E7714D10}" dt="2022-07-26T07:40:52.474" v="2613"/>
+        <pc:sldMkLst>
+          <pc:docMk/>
+          <pc:sldMk cId="390480868" sldId="667"/>
+        </pc:sldMkLst>
+        <pc:spChg chg="mod">
+          <ac:chgData name="Falchetta Giacomo" userId="68ba084c-44c1-477d-9572-656657341ed8" providerId="ADAL" clId="{5C08E619-A88B-45AE-BF27-19E8E7714D10}" dt="2022-07-26T07:40:52.474" v="2613"/>
+          <ac:spMkLst>
+            <pc:docMk/>
+            <pc:sldMk cId="390480868" sldId="667"/>
+            <ac:spMk id="3" creationId="{A5055686-2292-40F4-BA41-0E2F5C414480}"/>
+          </ac:spMkLst>
+        </pc:spChg>
+      </pc:sldChg>
+      <pc:sldChg chg="add del">
+        <pc:chgData name="Falchetta Giacomo" userId="68ba084c-44c1-477d-9572-656657341ed8" providerId="ADAL" clId="{5C08E619-A88B-45AE-BF27-19E8E7714D10}" dt="2022-07-26T07:40:39.621" v="2606"/>
+        <pc:sldMkLst>
+          <pc:docMk/>
+          <pc:sldMk cId="134168021" sldId="668"/>
+        </pc:sldMkLst>
+      </pc:sldChg>
+      <pc:sldChg chg="modSp add mod">
+        <pc:chgData name="Falchetta Giacomo" userId="68ba084c-44c1-477d-9572-656657341ed8" providerId="ADAL" clId="{5C08E619-A88B-45AE-BF27-19E8E7714D10}" dt="2022-07-26T07:41:18.943" v="2633" actId="20577"/>
+        <pc:sldMkLst>
+          <pc:docMk/>
+          <pc:sldMk cId="584073175" sldId="668"/>
+        </pc:sldMkLst>
+        <pc:spChg chg="mod">
+          <ac:chgData name="Falchetta Giacomo" userId="68ba084c-44c1-477d-9572-656657341ed8" providerId="ADAL" clId="{5C08E619-A88B-45AE-BF27-19E8E7714D10}" dt="2022-07-26T07:41:18.943" v="2633" actId="20577"/>
+          <ac:spMkLst>
+            <pc:docMk/>
+            <pc:sldMk cId="584073175" sldId="668"/>
+            <ac:spMk id="3" creationId="{77C75709-7FD6-409B-BB0F-34D94C848D58}"/>
+          </ac:spMkLst>
+        </pc:spChg>
+      </pc:sldChg>
+      <pc:sldChg chg="add del">
+        <pc:chgData name="Falchetta Giacomo" userId="68ba084c-44c1-477d-9572-656657341ed8" providerId="ADAL" clId="{5C08E619-A88B-45AE-BF27-19E8E7714D10}" dt="2022-07-26T07:40:45.252" v="2609"/>
+        <pc:sldMkLst>
+          <pc:docMk/>
+          <pc:sldMk cId="1804942166" sldId="668"/>
+        </pc:sldMkLst>
+      </pc:sldChg>
+      <pc:sldChg chg="addSp delSp modSp add del mod ord">
+        <pc:chgData name="Falchetta Giacomo" userId="68ba084c-44c1-477d-9572-656657341ed8" providerId="ADAL" clId="{5C08E619-A88B-45AE-BF27-19E8E7714D10}" dt="2022-07-26T07:44:49.072" v="2863" actId="113"/>
+        <pc:sldMkLst>
+          <pc:docMk/>
+          <pc:sldMk cId="792279811" sldId="669"/>
+        </pc:sldMkLst>
+        <pc:spChg chg="del">
+          <ac:chgData name="Falchetta Giacomo" userId="68ba084c-44c1-477d-9572-656657341ed8" providerId="ADAL" clId="{5C08E619-A88B-45AE-BF27-19E8E7714D10}" dt="2022-07-26T07:41:35.922" v="2634" actId="478"/>
+          <ac:spMkLst>
+            <pc:docMk/>
+            <pc:sldMk cId="792279811" sldId="669"/>
+            <ac:spMk id="2" creationId="{CB2F9C2C-AA45-400F-88E8-CD1B3077AB3B}"/>
+          </ac:spMkLst>
+        </pc:spChg>
+        <pc:spChg chg="mod">
+          <ac:chgData name="Falchetta Giacomo" userId="68ba084c-44c1-477d-9572-656657341ed8" providerId="ADAL" clId="{5C08E619-A88B-45AE-BF27-19E8E7714D10}" dt="2022-07-26T07:44:14.300" v="2828" actId="20577"/>
+          <ac:spMkLst>
+            <pc:docMk/>
+            <pc:sldMk cId="792279811" sldId="669"/>
+            <ac:spMk id="3" creationId="{A5055686-2292-40F4-BA41-0E2F5C414480}"/>
+          </ac:spMkLst>
+        </pc:spChg>
+        <pc:spChg chg="add mod">
+          <ac:chgData name="Falchetta Giacomo" userId="68ba084c-44c1-477d-9572-656657341ed8" providerId="ADAL" clId="{5C08E619-A88B-45AE-BF27-19E8E7714D10}" dt="2022-07-26T07:44:49.072" v="2863" actId="113"/>
+          <ac:spMkLst>
+            <pc:docMk/>
+            <pc:sldMk cId="792279811" sldId="669"/>
+            <ac:spMk id="4" creationId="{72399AE1-380F-49FC-AAF2-FD58DE90974D}"/>
+          </ac:spMkLst>
+        </pc:spChg>
+      </pc:sldChg>
+      <pc:sldChg chg="addSp delSp modSp add mod modAnim">
+        <pc:chgData name="Falchetta Giacomo" userId="68ba084c-44c1-477d-9572-656657341ed8" providerId="ADAL" clId="{5C08E619-A88B-45AE-BF27-19E8E7714D10}" dt="2022-07-26T07:43:53.136" v="2795"/>
+        <pc:sldMkLst>
+          <pc:docMk/>
+          <pc:sldMk cId="1897189060" sldId="670"/>
+        </pc:sldMkLst>
+        <pc:spChg chg="add mod">
+          <ac:chgData name="Falchetta Giacomo" userId="68ba084c-44c1-477d-9572-656657341ed8" providerId="ADAL" clId="{5C08E619-A88B-45AE-BF27-19E8E7714D10}" dt="2022-07-26T07:42:19.778" v="2650" actId="1076"/>
+          <ac:spMkLst>
+            <pc:docMk/>
+            <pc:sldMk cId="1897189060" sldId="670"/>
+            <ac:spMk id="2" creationId="{ABB79266-55E3-4938-9B66-8BCD3346AC9F}"/>
+          </ac:spMkLst>
+        </pc:spChg>
+        <pc:spChg chg="add mod">
+          <ac:chgData name="Falchetta Giacomo" userId="68ba084c-44c1-477d-9572-656657341ed8" providerId="ADAL" clId="{5C08E619-A88B-45AE-BF27-19E8E7714D10}" dt="2022-07-26T07:42:33.684" v="2670" actId="1076"/>
+          <ac:spMkLst>
+            <pc:docMk/>
+            <pc:sldMk cId="1897189060" sldId="670"/>
+            <ac:spMk id="3" creationId="{BC046C3E-5180-4F76-BAF1-C59EEDEA69D6}"/>
+          </ac:spMkLst>
+        </pc:spChg>
+        <pc:spChg chg="add del mod">
+          <ac:chgData name="Falchetta Giacomo" userId="68ba084c-44c1-477d-9572-656657341ed8" providerId="ADAL" clId="{5C08E619-A88B-45AE-BF27-19E8E7714D10}" dt="2022-07-26T07:42:40.787" v="2674"/>
+          <ac:spMkLst>
+            <pc:docMk/>
+            <pc:sldMk cId="1897189060" sldId="670"/>
+            <ac:spMk id="6" creationId="{43F65305-C2A3-49F3-A23E-B954C2CB5D04}"/>
+          </ac:spMkLst>
+        </pc:spChg>
+        <pc:spChg chg="add del mod">
+          <ac:chgData name="Falchetta Giacomo" userId="68ba084c-44c1-477d-9572-656657341ed8" providerId="ADAL" clId="{5C08E619-A88B-45AE-BF27-19E8E7714D10}" dt="2022-07-26T07:42:40.787" v="2674"/>
+          <ac:spMkLst>
+            <pc:docMk/>
+            <pc:sldMk cId="1897189060" sldId="670"/>
+            <ac:spMk id="7" creationId="{30195C4D-8966-4E98-ABCC-0C7F7410EF4A}"/>
+          </ac:spMkLst>
+        </pc:spChg>
+        <pc:spChg chg="add del mod">
+          <ac:chgData name="Falchetta Giacomo" userId="68ba084c-44c1-477d-9572-656657341ed8" providerId="ADAL" clId="{5C08E619-A88B-45AE-BF27-19E8E7714D10}" dt="2022-07-26T07:42:43.915" v="2678"/>
+          <ac:spMkLst>
+            <pc:docMk/>
+            <pc:sldMk cId="1897189060" sldId="670"/>
+            <ac:spMk id="9" creationId="{9D3AB0C2-7C92-4F7C-8488-59A4DA183849}"/>
+          </ac:spMkLst>
+        </pc:spChg>
+        <pc:spChg chg="add del mod">
+          <ac:chgData name="Falchetta Giacomo" userId="68ba084c-44c1-477d-9572-656657341ed8" providerId="ADAL" clId="{5C08E619-A88B-45AE-BF27-19E8E7714D10}" dt="2022-07-26T07:42:43.915" v="2678"/>
+          <ac:spMkLst>
+            <pc:docMk/>
+            <pc:sldMk cId="1897189060" sldId="670"/>
+            <ac:spMk id="10" creationId="{D0017210-702A-471F-8DA2-CAEFF212D01C}"/>
+          </ac:spMkLst>
+        </pc:spChg>
+        <pc:spChg chg="add mod">
+          <ac:chgData name="Falchetta Giacomo" userId="68ba084c-44c1-477d-9572-656657341ed8" providerId="ADAL" clId="{5C08E619-A88B-45AE-BF27-19E8E7714D10}" dt="2022-07-26T07:43:23.899" v="2782" actId="208"/>
+          <ac:spMkLst>
+            <pc:docMk/>
+            <pc:sldMk cId="1897189060" sldId="670"/>
+            <ac:spMk id="11" creationId="{5B30B395-ABFE-4F70-B662-606AE3E9D310}"/>
+          </ac:spMkLst>
+        </pc:spChg>
+        <pc:spChg chg="add mod">
+          <ac:chgData name="Falchetta Giacomo" userId="68ba084c-44c1-477d-9572-656657341ed8" providerId="ADAL" clId="{5C08E619-A88B-45AE-BF27-19E8E7714D10}" dt="2022-07-26T07:43:13.475" v="2781" actId="1076"/>
+          <ac:spMkLst>
+            <pc:docMk/>
+            <pc:sldMk cId="1897189060" sldId="670"/>
+            <ac:spMk id="12" creationId="{F57A1528-EDED-4323-87D1-F587486FF8A9}"/>
+          </ac:spMkLst>
+        </pc:spChg>
+        <pc:spChg chg="add del mod">
+          <ac:chgData name="Falchetta Giacomo" userId="68ba084c-44c1-477d-9572-656657341ed8" providerId="ADAL" clId="{5C08E619-A88B-45AE-BF27-19E8E7714D10}" dt="2022-07-26T07:43:27.966" v="2786"/>
+          <ac:spMkLst>
+            <pc:docMk/>
+            <pc:sldMk cId="1897189060" sldId="670"/>
+            <ac:spMk id="13" creationId="{C4BD57A4-E17A-4B6A-9E58-D032529FC9D6}"/>
+          </ac:spMkLst>
+        </pc:spChg>
+        <pc:spChg chg="add del mod">
+          <ac:chgData name="Falchetta Giacomo" userId="68ba084c-44c1-477d-9572-656657341ed8" providerId="ADAL" clId="{5C08E619-A88B-45AE-BF27-19E8E7714D10}" dt="2022-07-26T07:43:31.313" v="2790"/>
+          <ac:spMkLst>
+            <pc:docMk/>
+            <pc:sldMk cId="1897189060" sldId="670"/>
+            <ac:spMk id="14" creationId="{FFCDBB29-06CA-4C71-967B-E3C98F7BAD6B}"/>
+          </ac:spMkLst>
+        </pc:spChg>
+        <pc:spChg chg="add mod">
+          <ac:chgData name="Falchetta Giacomo" userId="68ba084c-44c1-477d-9572-656657341ed8" providerId="ADAL" clId="{5C08E619-A88B-45AE-BF27-19E8E7714D10}" dt="2022-07-26T07:43:43.266" v="2793" actId="688"/>
+          <ac:spMkLst>
+            <pc:docMk/>
+            <pc:sldMk cId="1897189060" sldId="670"/>
+            <ac:spMk id="15" creationId="{00AB17E4-1D82-4104-B268-F11E883F24D4}"/>
+          </ac:spMkLst>
+        </pc:spChg>
+        <pc:picChg chg="mod">
+          <ac:chgData name="Falchetta Giacomo" userId="68ba084c-44c1-477d-9572-656657341ed8" providerId="ADAL" clId="{5C08E619-A88B-45AE-BF27-19E8E7714D10}" dt="2022-07-26T07:43:30.642" v="2789" actId="1076"/>
+          <ac:picMkLst>
+            <pc:docMk/>
+            <pc:sldMk cId="1897189060" sldId="670"/>
+            <ac:picMk id="1026" creationId="{CDAA4E68-3E2A-4F18-B0C0-D9F5A514BA07}"/>
+          </ac:picMkLst>
+        </pc:picChg>
+      </pc:sldChg>
+      <pc:sldChg chg="addSp modSp add mod">
+        <pc:chgData name="Falchetta Giacomo" userId="68ba084c-44c1-477d-9572-656657341ed8" providerId="ADAL" clId="{5C08E619-A88B-45AE-BF27-19E8E7714D10}" dt="2022-07-26T07:45:08.546" v="2885" actId="113"/>
+        <pc:sldMkLst>
+          <pc:docMk/>
+          <pc:sldMk cId="2933277562" sldId="671"/>
+        </pc:sldMkLst>
+        <pc:spChg chg="mod">
+          <ac:chgData name="Falchetta Giacomo" userId="68ba084c-44c1-477d-9572-656657341ed8" providerId="ADAL" clId="{5C08E619-A88B-45AE-BF27-19E8E7714D10}" dt="2022-07-26T07:44:21.090" v="2835" actId="20577"/>
+          <ac:spMkLst>
+            <pc:docMk/>
+            <pc:sldMk cId="2933277562" sldId="671"/>
+            <ac:spMk id="3" creationId="{A5055686-2292-40F4-BA41-0E2F5C414480}"/>
+          </ac:spMkLst>
+        </pc:spChg>
+        <pc:spChg chg="add mod">
+          <ac:chgData name="Falchetta Giacomo" userId="68ba084c-44c1-477d-9572-656657341ed8" providerId="ADAL" clId="{5C08E619-A88B-45AE-BF27-19E8E7714D10}" dt="2022-07-26T07:45:08.546" v="2885" actId="113"/>
+          <ac:spMkLst>
+            <pc:docMk/>
+            <pc:sldMk cId="2933277562" sldId="671"/>
+            <ac:spMk id="4" creationId="{0BC2E3B1-0201-4490-9FC7-AE25B67497DE}"/>
+          </ac:spMkLst>
+        </pc:spChg>
+      </pc:sldChg>
+      <pc:sldChg chg="modSp add mod">
+        <pc:chgData name="Falchetta Giacomo" userId="68ba084c-44c1-477d-9572-656657341ed8" providerId="ADAL" clId="{5C08E619-A88B-45AE-BF27-19E8E7714D10}" dt="2022-07-26T07:58:19.350" v="3418" actId="11"/>
+        <pc:sldMkLst>
+          <pc:docMk/>
+          <pc:sldMk cId="252098974" sldId="672"/>
+        </pc:sldMkLst>
+        <pc:spChg chg="mod">
+          <ac:chgData name="Falchetta Giacomo" userId="68ba084c-44c1-477d-9572-656657341ed8" providerId="ADAL" clId="{5C08E619-A88B-45AE-BF27-19E8E7714D10}" dt="2022-07-26T07:58:19.350" v="3418" actId="11"/>
+          <ac:spMkLst>
+            <pc:docMk/>
+            <pc:sldMk cId="252098974" sldId="672"/>
+            <ac:spMk id="2" creationId="{CB2F9C2C-AA45-400F-88E8-CD1B3077AB3B}"/>
+          </ac:spMkLst>
+        </pc:spChg>
+      </pc:sldChg>
+      <pc:sldChg chg="modSp add mod ord">
+        <pc:chgData name="Falchetta Giacomo" userId="68ba084c-44c1-477d-9572-656657341ed8" providerId="ADAL" clId="{5C08E619-A88B-45AE-BF27-19E8E7714D10}" dt="2022-07-26T07:58:26.437" v="3419" actId="11"/>
+        <pc:sldMkLst>
+          <pc:docMk/>
+          <pc:sldMk cId="2037052627" sldId="673"/>
+        </pc:sldMkLst>
+        <pc:spChg chg="mod">
+          <ac:chgData name="Falchetta Giacomo" userId="68ba084c-44c1-477d-9572-656657341ed8" providerId="ADAL" clId="{5C08E619-A88B-45AE-BF27-19E8E7714D10}" dt="2022-07-26T07:58:26.437" v="3419" actId="11"/>
+          <ac:spMkLst>
+            <pc:docMk/>
+            <pc:sldMk cId="2037052627" sldId="673"/>
+            <ac:spMk id="2" creationId="{CB2F9C2C-AA45-400F-88E8-CD1B3077AB3B}"/>
+          </ac:spMkLst>
+        </pc:spChg>
+      </pc:sldChg>
+      <pc:sldChg chg="modSp add mod">
+        <pc:chgData name="Falchetta Giacomo" userId="68ba084c-44c1-477d-9572-656657341ed8" providerId="ADAL" clId="{5C08E619-A88B-45AE-BF27-19E8E7714D10}" dt="2022-07-26T08:00:46.640" v="3624" actId="20577"/>
+        <pc:sldMkLst>
+          <pc:docMk/>
+          <pc:sldMk cId="2123208474" sldId="674"/>
+        </pc:sldMkLst>
+        <pc:spChg chg="mod">
+          <ac:chgData name="Falchetta Giacomo" userId="68ba084c-44c1-477d-9572-656657341ed8" providerId="ADAL" clId="{5C08E619-A88B-45AE-BF27-19E8E7714D10}" dt="2022-07-26T08:00:46.640" v="3624" actId="20577"/>
+          <ac:spMkLst>
+            <pc:docMk/>
+            <pc:sldMk cId="2123208474" sldId="674"/>
+            <ac:spMk id="2" creationId="{CB2F9C2C-AA45-400F-88E8-CD1B3077AB3B}"/>
+          </ac:spMkLst>
+        </pc:spChg>
+      </pc:sldChg>
+      <pc:sldChg chg="modSp add mod">
+        <pc:chgData name="Falchetta Giacomo" userId="68ba084c-44c1-477d-9572-656657341ed8" providerId="ADAL" clId="{5C08E619-A88B-45AE-BF27-19E8E7714D10}" dt="2022-07-26T08:01:06.002" v="3642" actId="20577"/>
+        <pc:sldMkLst>
+          <pc:docMk/>
+          <pc:sldMk cId="3544621992" sldId="675"/>
+        </pc:sldMkLst>
+        <pc:spChg chg="mod">
+          <ac:chgData name="Falchetta Giacomo" userId="68ba084c-44c1-477d-9572-656657341ed8" providerId="ADAL" clId="{5C08E619-A88B-45AE-BF27-19E8E7714D10}" dt="2022-07-26T08:01:06.002" v="3642" actId="20577"/>
+          <ac:spMkLst>
+            <pc:docMk/>
+            <pc:sldMk cId="3544621992" sldId="675"/>
+            <ac:spMk id="3" creationId="{77C75709-7FD6-409B-BB0F-34D94C848D58}"/>
+          </ac:spMkLst>
+        </pc:spChg>
+      </pc:sldChg>
+      <pc:sldChg chg="addSp modSp add mod ord">
+        <pc:chgData name="Falchetta Giacomo" userId="68ba084c-44c1-477d-9572-656657341ed8" providerId="ADAL" clId="{5C08E619-A88B-45AE-BF27-19E8E7714D10}" dt="2022-07-26T08:04:19.541" v="3712" actId="1076"/>
+        <pc:sldMkLst>
+          <pc:docMk/>
+          <pc:sldMk cId="3382597415" sldId="676"/>
+        </pc:sldMkLst>
+        <pc:spChg chg="mod">
+          <ac:chgData name="Falchetta Giacomo" userId="68ba084c-44c1-477d-9572-656657341ed8" providerId="ADAL" clId="{5C08E619-A88B-45AE-BF27-19E8E7714D10}" dt="2022-07-26T08:03:56.193" v="3705" actId="20577"/>
+          <ac:spMkLst>
+            <pc:docMk/>
+            <pc:sldMk cId="3382597415" sldId="676"/>
+            <ac:spMk id="2" creationId="{CB2F9C2C-AA45-400F-88E8-CD1B3077AB3B}"/>
+          </ac:spMkLst>
+        </pc:spChg>
+        <pc:spChg chg="mod">
+          <ac:chgData name="Falchetta Giacomo" userId="68ba084c-44c1-477d-9572-656657341ed8" providerId="ADAL" clId="{5C08E619-A88B-45AE-BF27-19E8E7714D10}" dt="2022-07-26T08:01:12.582" v="3653" actId="20577"/>
+          <ac:spMkLst>
+            <pc:docMk/>
+            <pc:sldMk cId="3382597415" sldId="676"/>
+            <ac:spMk id="3" creationId="{A5055686-2292-40F4-BA41-0E2F5C414480}"/>
+          </ac:spMkLst>
+        </pc:spChg>
+        <pc:spChg chg="add mod">
+          <ac:chgData name="Falchetta Giacomo" userId="68ba084c-44c1-477d-9572-656657341ed8" providerId="ADAL" clId="{5C08E619-A88B-45AE-BF27-19E8E7714D10}" dt="2022-07-26T08:03:16.947" v="3691" actId="113"/>
+          <ac:spMkLst>
+            <pc:docMk/>
+            <pc:sldMk cId="3382597415" sldId="676"/>
+            <ac:spMk id="6" creationId="{D431DFFA-BAE3-42BC-A717-58C5F6805CCA}"/>
+          </ac:spMkLst>
+        </pc:spChg>
+        <pc:spChg chg="add mod">
+          <ac:chgData name="Falchetta Giacomo" userId="68ba084c-44c1-477d-9572-656657341ed8" providerId="ADAL" clId="{5C08E619-A88B-45AE-BF27-19E8E7714D10}" dt="2022-07-26T08:04:19.541" v="3712" actId="1076"/>
+          <ac:spMkLst>
+            <pc:docMk/>
+            <pc:sldMk cId="3382597415" sldId="676"/>
+            <ac:spMk id="9" creationId="{104C3F9E-D38D-4DF0-9D18-A20741A5BE14}"/>
+          </ac:spMkLst>
+        </pc:spChg>
+        <pc:spChg chg="add mod">
+          <ac:chgData name="Falchetta Giacomo" userId="68ba084c-44c1-477d-9572-656657341ed8" providerId="ADAL" clId="{5C08E619-A88B-45AE-BF27-19E8E7714D10}" dt="2022-07-26T08:04:16.119" v="3711"/>
+          <ac:spMkLst>
+            <pc:docMk/>
+            <pc:sldMk cId="3382597415" sldId="676"/>
+            <ac:spMk id="10" creationId="{88FEC3D7-3E29-4DB8-B046-262AD89AEACD}"/>
+          </ac:spMkLst>
+        </pc:spChg>
+        <pc:picChg chg="add mod">
+          <ac:chgData name="Falchetta Giacomo" userId="68ba084c-44c1-477d-9572-656657341ed8" providerId="ADAL" clId="{5C08E619-A88B-45AE-BF27-19E8E7714D10}" dt="2022-07-26T08:02:36.888" v="3676"/>
+          <ac:picMkLst>
+            <pc:docMk/>
+            <pc:sldMk cId="3382597415" sldId="676"/>
+            <ac:picMk id="4" creationId="{FC499E64-BF6B-49D2-8204-36D69F9EF067}"/>
+          </ac:picMkLst>
+        </pc:picChg>
+        <pc:picChg chg="add mod">
+          <ac:chgData name="Falchetta Giacomo" userId="68ba084c-44c1-477d-9572-656657341ed8" providerId="ADAL" clId="{5C08E619-A88B-45AE-BF27-19E8E7714D10}" dt="2022-07-26T08:03:59.963" v="3706" actId="1076"/>
+          <ac:picMkLst>
+            <pc:docMk/>
+            <pc:sldMk cId="3382597415" sldId="676"/>
+            <ac:picMk id="8" creationId="{6A7773DF-F94D-4C66-98C6-C911954C7857}"/>
+          </ac:picMkLst>
+        </pc:picChg>
+      </pc:sldChg>
+      <pc:sldChg chg="addSp delSp modSp add mod">
+        <pc:chgData name="Falchetta Giacomo" userId="68ba084c-44c1-477d-9572-656657341ed8" providerId="ADAL" clId="{5C08E619-A88B-45AE-BF27-19E8E7714D10}" dt="2022-07-26T08:05:52.747" v="3743" actId="1076"/>
+        <pc:sldMkLst>
+          <pc:docMk/>
+          <pc:sldMk cId="270551752" sldId="677"/>
+        </pc:sldMkLst>
+        <pc:spChg chg="mod">
+          <ac:chgData name="Falchetta Giacomo" userId="68ba084c-44c1-477d-9572-656657341ed8" providerId="ADAL" clId="{5C08E619-A88B-45AE-BF27-19E8E7714D10}" dt="2022-07-26T08:05:04.306" v="3724" actId="20577"/>
+          <ac:spMkLst>
+            <pc:docMk/>
+            <pc:sldMk cId="270551752" sldId="677"/>
+            <ac:spMk id="2" creationId="{CB2F9C2C-AA45-400F-88E8-CD1B3077AB3B}"/>
+          </ac:spMkLst>
+        </pc:spChg>
+        <pc:spChg chg="mod">
+          <ac:chgData name="Falchetta Giacomo" userId="68ba084c-44c1-477d-9572-656657341ed8" providerId="ADAL" clId="{5C08E619-A88B-45AE-BF27-19E8E7714D10}" dt="2022-07-26T08:05:41.315" v="3739" actId="1076"/>
+          <ac:spMkLst>
+            <pc:docMk/>
+            <pc:sldMk cId="270551752" sldId="677"/>
+            <ac:spMk id="6" creationId="{D431DFFA-BAE3-42BC-A717-58C5F6805CCA}"/>
+          </ac:spMkLst>
+        </pc:spChg>
+        <pc:spChg chg="del">
+          <ac:chgData name="Falchetta Giacomo" userId="68ba084c-44c1-477d-9572-656657341ed8" providerId="ADAL" clId="{5C08E619-A88B-45AE-BF27-19E8E7714D10}" dt="2022-07-26T08:04:28.714" v="3716" actId="478"/>
+          <ac:spMkLst>
+            <pc:docMk/>
+            <pc:sldMk cId="270551752" sldId="677"/>
+            <ac:spMk id="9" creationId="{104C3F9E-D38D-4DF0-9D18-A20741A5BE14}"/>
+          </ac:spMkLst>
+        </pc:spChg>
+        <pc:spChg chg="del">
+          <ac:chgData name="Falchetta Giacomo" userId="68ba084c-44c1-477d-9572-656657341ed8" providerId="ADAL" clId="{5C08E619-A88B-45AE-BF27-19E8E7714D10}" dt="2022-07-26T08:04:26.964" v="3715" actId="478"/>
+          <ac:spMkLst>
+            <pc:docMk/>
+            <pc:sldMk cId="270551752" sldId="677"/>
+            <ac:spMk id="10" creationId="{88FEC3D7-3E29-4DB8-B046-262AD89AEACD}"/>
+          </ac:spMkLst>
+        </pc:spChg>
+        <pc:spChg chg="add mod">
+          <ac:chgData name="Falchetta Giacomo" userId="68ba084c-44c1-477d-9572-656657341ed8" providerId="ADAL" clId="{5C08E619-A88B-45AE-BF27-19E8E7714D10}" dt="2022-07-26T08:05:45.402" v="3740" actId="1076"/>
+          <ac:spMkLst>
+            <pc:docMk/>
+            <pc:sldMk cId="270551752" sldId="677"/>
+            <ac:spMk id="11" creationId="{391555F9-5897-47BB-B902-AB31EE72ECE6}"/>
+          </ac:spMkLst>
+        </pc:spChg>
+        <pc:spChg chg="add mod">
+          <ac:chgData name="Falchetta Giacomo" userId="68ba084c-44c1-477d-9572-656657341ed8" providerId="ADAL" clId="{5C08E619-A88B-45AE-BF27-19E8E7714D10}" dt="2022-07-26T08:05:45.402" v="3740" actId="1076"/>
+          <ac:spMkLst>
+            <pc:docMk/>
+            <pc:sldMk cId="270551752" sldId="677"/>
+            <ac:spMk id="12" creationId="{9E0A61E6-A0D1-4797-9B3D-080189FECB64}"/>
+          </ac:spMkLst>
+        </pc:spChg>
+        <pc:spChg chg="add mod">
+          <ac:chgData name="Falchetta Giacomo" userId="68ba084c-44c1-477d-9572-656657341ed8" providerId="ADAL" clId="{5C08E619-A88B-45AE-BF27-19E8E7714D10}" dt="2022-07-26T08:05:52.747" v="3743" actId="1076"/>
+          <ac:spMkLst>
+            <pc:docMk/>
+            <pc:sldMk cId="270551752" sldId="677"/>
+            <ac:spMk id="13" creationId="{D84C82D0-F681-4D97-8DA8-E9B7C7992E56}"/>
+          </ac:spMkLst>
+        </pc:spChg>
+        <pc:picChg chg="add mod">
+          <ac:chgData name="Falchetta Giacomo" userId="68ba084c-44c1-477d-9572-656657341ed8" providerId="ADAL" clId="{5C08E619-A88B-45AE-BF27-19E8E7714D10}" dt="2022-07-26T08:05:50.524" v="3742" actId="1076"/>
+          <ac:picMkLst>
+            <pc:docMk/>
+            <pc:sldMk cId="270551752" sldId="677"/>
+            <ac:picMk id="7" creationId="{A02CBFC6-65C9-45AD-A4E8-960158899006}"/>
+          </ac:picMkLst>
+        </pc:picChg>
+        <pc:picChg chg="del">
+          <ac:chgData name="Falchetta Giacomo" userId="68ba084c-44c1-477d-9572-656657341ed8" providerId="ADAL" clId="{5C08E619-A88B-45AE-BF27-19E8E7714D10}" dt="2022-07-26T08:04:25.491" v="3714" actId="478"/>
+          <ac:picMkLst>
+            <pc:docMk/>
+            <pc:sldMk cId="270551752" sldId="677"/>
+            <ac:picMk id="8" creationId="{6A7773DF-F94D-4C66-98C6-C911954C7857}"/>
+          </ac:picMkLst>
+        </pc:picChg>
+      </pc:sldChg>
+      <pc:sldChg chg="addSp delSp modSp add mod">
+        <pc:chgData name="Falchetta Giacomo" userId="68ba084c-44c1-477d-9572-656657341ed8" providerId="ADAL" clId="{5C08E619-A88B-45AE-BF27-19E8E7714D10}" dt="2022-07-26T08:37:11.090" v="3888" actId="113"/>
+        <pc:sldMkLst>
+          <pc:docMk/>
+          <pc:sldMk cId="2330002224" sldId="678"/>
+        </pc:sldMkLst>
+        <pc:spChg chg="add mod">
+          <ac:chgData name="Falchetta Giacomo" userId="68ba084c-44c1-477d-9572-656657341ed8" providerId="ADAL" clId="{5C08E619-A88B-45AE-BF27-19E8E7714D10}" dt="2022-07-26T08:37:11.090" v="3888" actId="113"/>
+          <ac:spMkLst>
+            <pc:docMk/>
+            <pc:sldMk cId="2330002224" sldId="678"/>
+            <ac:spMk id="2" creationId="{C7DCCBF2-3A5D-4584-8239-B78EB9333CB9}"/>
+          </ac:spMkLst>
+        </pc:spChg>
+        <pc:spChg chg="mod">
+          <ac:chgData name="Falchetta Giacomo" userId="68ba084c-44c1-477d-9572-656657341ed8" providerId="ADAL" clId="{5C08E619-A88B-45AE-BF27-19E8E7714D10}" dt="2022-07-26T08:36:11.127" v="3806" actId="20577"/>
+          <ac:spMkLst>
+            <pc:docMk/>
+            <pc:sldMk cId="2330002224" sldId="678"/>
+            <ac:spMk id="8" creationId="{213AF172-0C11-4648-AEBF-F9D4F8C100B5}"/>
+          </ac:spMkLst>
+        </pc:spChg>
+        <pc:picChg chg="del">
+          <ac:chgData name="Falchetta Giacomo" userId="68ba084c-44c1-477d-9572-656657341ed8" providerId="ADAL" clId="{5C08E619-A88B-45AE-BF27-19E8E7714D10}" dt="2022-07-26T08:35:58.741" v="3775" actId="478"/>
+          <ac:picMkLst>
+            <pc:docMk/>
+            <pc:sldMk cId="2330002224" sldId="678"/>
+            <ac:picMk id="1026" creationId="{CDAA4E68-3E2A-4F18-B0C0-D9F5A514BA07}"/>
+          </ac:picMkLst>
+        </pc:picChg>
       </pc:sldChg>
       <pc:sldMasterChg chg="addSldLayout delSldLayout">
         <pc:chgData name="Falchetta Giacomo" userId="68ba084c-44c1-477d-9572-656657341ed8" providerId="ADAL" clId="{5C08E619-A88B-45AE-BF27-19E8E7714D10}" dt="2022-07-21T15:56:11.649" v="177" actId="47"/>
@@ -6295,8 +7068,8 @@
       </dsp:nvSpPr>
       <dsp:spPr>
         <a:xfrm rot="5400000">
-          <a:off x="3503504" y="106444"/>
-          <a:ext cx="1611796" cy="1402263"/>
+          <a:off x="3586346" y="109853"/>
+          <a:ext cx="1674690" cy="1456980"/>
         </a:xfrm>
         <a:prstGeom prst="hexagon">
           <a:avLst>
@@ -6361,8 +7134,8 @@
         </a:p>
       </dsp:txBody>
       <dsp:txXfrm rot="-5400000">
-        <a:off x="3826789" y="252850"/>
-        <a:ext cx="965225" cy="1109452"/>
+        <a:off x="3922247" y="261972"/>
+        <a:ext cx="1002888" cy="1152745"/>
       </dsp:txXfrm>
     </dsp:sp>
     <dsp:sp modelId="{A215750D-1383-48AB-9927-03483639E523}">
@@ -6372,8 +7145,8 @@
       </dsp:nvSpPr>
       <dsp:spPr>
         <a:xfrm>
-          <a:off x="5053085" y="324036"/>
-          <a:ext cx="1798765" cy="967077"/>
+          <a:off x="5196393" y="335936"/>
+          <a:ext cx="1868954" cy="1004814"/>
         </a:xfrm>
         <a:prstGeom prst="rect">
           <a:avLst/>
@@ -6404,8 +7177,8 @@
       </dsp:nvSpPr>
       <dsp:spPr>
         <a:xfrm rot="5400000">
-          <a:off x="1989059" y="106444"/>
-          <a:ext cx="1611796" cy="1402263"/>
+          <a:off x="2012806" y="109853"/>
+          <a:ext cx="1674690" cy="1456980"/>
         </a:xfrm>
         <a:prstGeom prst="hexagon">
           <a:avLst>
@@ -6470,8 +7243,8 @@
         </a:p>
       </dsp:txBody>
       <dsp:txXfrm rot="-5400000">
-        <a:off x="2312344" y="252850"/>
-        <a:ext cx="965225" cy="1109452"/>
+        <a:off x="2348707" y="261972"/>
+        <a:ext cx="1002888" cy="1152745"/>
       </dsp:txXfrm>
     </dsp:sp>
     <dsp:sp modelId="{6D3E5944-7629-4CDA-86B2-08C7C98E9275}">
@@ -6481,8 +7254,8 @@
       </dsp:nvSpPr>
       <dsp:spPr>
         <a:xfrm rot="5400000">
-          <a:off x="2743380" y="1474537"/>
-          <a:ext cx="1611796" cy="1402263"/>
+          <a:off x="2796562" y="1531331"/>
+          <a:ext cx="1674690" cy="1456980"/>
         </a:xfrm>
         <a:prstGeom prst="hexagon">
           <a:avLst>
@@ -6547,8 +7320,8 @@
         </a:p>
       </dsp:txBody>
       <dsp:txXfrm rot="-5400000">
-        <a:off x="3066665" y="1620943"/>
-        <a:ext cx="965225" cy="1109452"/>
+        <a:off x="3132463" y="1683450"/>
+        <a:ext cx="1002888" cy="1152745"/>
       </dsp:txXfrm>
     </dsp:sp>
     <dsp:sp modelId="{B32235F3-9558-4BD6-B7E7-6325F4CA2C25}">
@@ -6558,8 +7331,8 @@
       </dsp:nvSpPr>
       <dsp:spPr>
         <a:xfrm>
-          <a:off x="1049382" y="1692130"/>
-          <a:ext cx="1740740" cy="967077"/>
+          <a:off x="1036462" y="1757414"/>
+          <a:ext cx="1808666" cy="1004814"/>
         </a:xfrm>
         <a:prstGeom prst="rect">
           <a:avLst/>
@@ -6590,8 +7363,8 @@
       </dsp:nvSpPr>
       <dsp:spPr>
         <a:xfrm rot="5400000">
-          <a:off x="4257824" y="1474537"/>
-          <a:ext cx="1611796" cy="1402263"/>
+          <a:off x="4370101" y="1531331"/>
+          <a:ext cx="1674690" cy="1456980"/>
         </a:xfrm>
         <a:prstGeom prst="hexagon">
           <a:avLst>
@@ -6636,7 +7409,7 @@
         </a:bodyPr>
         <a:lstStyle/>
         <a:p>
-          <a:pPr marL="0" lvl="0" indent="0" algn="ctr" defTabSz="755650">
+          <a:pPr marL="0" lvl="0" indent="0" algn="ctr" defTabSz="800100">
             <a:lnSpc>
               <a:spcPct val="90000"/>
             </a:lnSpc>
@@ -6649,15 +7422,15 @@
             <a:buNone/>
           </a:pPr>
           <a:r>
-            <a:rPr lang="it-IT" sz="1700" kern="1200" dirty="0"/>
+            <a:rPr lang="it-IT" sz="1800" kern="1200" dirty="0"/>
             <a:t>Crop processing</a:t>
           </a:r>
-          <a:endParaRPr lang="en-GB" sz="1700" kern="1200" dirty="0"/>
+          <a:endParaRPr lang="en-GB" sz="1800" kern="1200" dirty="0"/>
         </a:p>
       </dsp:txBody>
       <dsp:txXfrm rot="-5400000">
-        <a:off x="4581109" y="1620943"/>
-        <a:ext cx="965225" cy="1109452"/>
+        <a:off x="4706002" y="1683450"/>
+        <a:ext cx="1002888" cy="1152745"/>
       </dsp:txXfrm>
     </dsp:sp>
     <dsp:sp modelId="{3ECD73C8-C0A1-4363-BD7D-2A0CAC26F0E7}">
@@ -6667,8 +7440,8 @@
       </dsp:nvSpPr>
       <dsp:spPr>
         <a:xfrm rot="5400000">
-          <a:off x="3503504" y="2842630"/>
-          <a:ext cx="1611796" cy="1402263"/>
+          <a:off x="3586346" y="2952808"/>
+          <a:ext cx="1674690" cy="1456980"/>
         </a:xfrm>
         <a:prstGeom prst="hexagon">
           <a:avLst>
@@ -6733,8 +7506,8 @@
         </a:p>
       </dsp:txBody>
       <dsp:txXfrm rot="-5400000">
-        <a:off x="3826789" y="2989036"/>
-        <a:ext cx="965225" cy="1109452"/>
+        <a:off x="3922247" y="3104927"/>
+        <a:ext cx="1002888" cy="1152745"/>
       </dsp:txXfrm>
     </dsp:sp>
     <dsp:sp modelId="{E11B40AA-4E76-44B4-A64F-133E099752BF}">
@@ -6744,8 +7517,8 @@
       </dsp:nvSpPr>
       <dsp:spPr>
         <a:xfrm>
-          <a:off x="5053085" y="3060223"/>
-          <a:ext cx="1798765" cy="967077"/>
+          <a:off x="5196393" y="3178891"/>
+          <a:ext cx="1868954" cy="1004814"/>
         </a:xfrm>
         <a:prstGeom prst="rect">
           <a:avLst/>
@@ -6776,8 +7549,8 @@
       </dsp:nvSpPr>
       <dsp:spPr>
         <a:xfrm rot="5400000">
-          <a:off x="1989059" y="2842630"/>
-          <a:ext cx="1611796" cy="1402263"/>
+          <a:off x="2012806" y="2952808"/>
+          <a:ext cx="1674690" cy="1456980"/>
         </a:xfrm>
         <a:prstGeom prst="hexagon">
           <a:avLst>
@@ -6842,8 +7615,8 @@
         </a:p>
       </dsp:txBody>
       <dsp:txXfrm rot="-5400000">
-        <a:off x="2312344" y="2989036"/>
-        <a:ext cx="965225" cy="1109452"/>
+        <a:off x="2348707" y="3104927"/>
+        <a:ext cx="1002888" cy="1152745"/>
       </dsp:txXfrm>
     </dsp:sp>
   </dsp:spTree>
@@ -15123,6 +15896,16 @@
                 <a:ea typeface="Verdana"/>
                 <a:cs typeface="Arial"/>
               </a:rPr>
+              <a:t>Speaker</a:t>
+            </a:r>
+          </a:p>
+          <a:p>
+            <a:r>
+              <a:rPr lang="fr-FR" sz="2000" dirty="0">
+                <a:latin typeface="Verdana"/>
+                <a:ea typeface="Verdana"/>
+                <a:cs typeface="Arial"/>
+              </a:rPr>
               <a:t>Place - institution</a:t>
             </a:r>
           </a:p>
@@ -15291,6 +16074,630 @@
 </file>
 
 <file path=ppt/slides/slide10.xml><?xml version="1.0" encoding="utf-8"?>
+<p:sld xmlns:a="http://schemas.openxmlformats.org/drawingml/2006/main" xmlns:r="http://schemas.openxmlformats.org/officeDocument/2006/relationships" xmlns:p="http://schemas.openxmlformats.org/presentationml/2006/main">
+  <p:cSld>
+    <p:spTree>
+      <p:nvGrpSpPr>
+        <p:cNvPr id="1" name=""/>
+        <p:cNvGrpSpPr/>
+        <p:nvPr/>
+      </p:nvGrpSpPr>
+      <p:grpSpPr>
+        <a:xfrm>
+          <a:off x="0" y="0"/>
+          <a:ext cx="0" cy="0"/>
+          <a:chOff x="0" y="0"/>
+          <a:chExt cx="0" cy="0"/>
+        </a:xfrm>
+      </p:grpSpPr>
+      <p:sp>
+        <p:nvSpPr>
+          <p:cNvPr id="3" name="Content Placeholder 2">
+            <a:extLst>
+              <a:ext uri="{FF2B5EF4-FFF2-40B4-BE49-F238E27FC236}">
+                <a16:creationId xmlns:a16="http://schemas.microsoft.com/office/drawing/2014/main" id="{103830EF-2D98-42B7-8CFA-356651A07531}"/>
+              </a:ext>
+            </a:extLst>
+          </p:cNvPr>
+          <p:cNvSpPr>
+            <a:spLocks noGrp="1"/>
+          </p:cNvSpPr>
+          <p:nvPr>
+            <p:ph idx="1"/>
+          </p:nvPr>
+        </p:nvSpPr>
+        <p:spPr>
+          <a:xfrm>
+            <a:off x="996967" y="1417320"/>
+            <a:ext cx="9720073" cy="4023360"/>
+          </a:xfrm>
+        </p:spPr>
+        <p:txBody>
+          <a:bodyPr>
+            <a:noAutofit/>
+          </a:bodyPr>
+          <a:lstStyle/>
+          <a:p>
+            <a:r>
+              <a:rPr lang="en-US" sz="2800" dirty="0"/>
+              <a:t>M-LED </a:t>
+            </a:r>
+            <a:r>
+              <a:rPr lang="en-US" sz="2800" b="1" dirty="0"/>
+              <a:t>methods</a:t>
+            </a:r>
+            <a:r>
+              <a:rPr lang="en-US" sz="2800" dirty="0"/>
+              <a:t>:</a:t>
+            </a:r>
+          </a:p>
+          <a:p>
+            <a:pPr lvl="1"/>
+            <a:r>
+              <a:rPr lang="en-US" sz="2400" dirty="0"/>
+              <a:t>Geospatial data processing algorithms</a:t>
+            </a:r>
+          </a:p>
+          <a:p>
+            <a:pPr lvl="1"/>
+            <a:r>
+              <a:rPr lang="en-US" sz="2400" dirty="0"/>
+              <a:t>Appliance-based and needs-driven modelling </a:t>
+            </a:r>
+          </a:p>
+          <a:p>
+            <a:pPr lvl="1"/>
+            <a:r>
+              <a:rPr lang="en-US" sz="2400" dirty="0"/>
+              <a:t>Stochastic variations in electricity demand</a:t>
+            </a:r>
+          </a:p>
+          <a:p>
+            <a:pPr lvl="1"/>
+            <a:r>
+              <a:rPr lang="en-US" sz="2400" dirty="0"/>
+              <a:t>Scenario logic -&gt; economic, demographic and climate pathways impact on future latent demand</a:t>
+            </a:r>
+          </a:p>
+          <a:p>
+            <a:pPr lvl="1"/>
+            <a:endParaRPr lang="en-US" sz="2400" dirty="0"/>
+          </a:p>
+          <a:p>
+            <a:r>
+              <a:rPr lang="en-US" sz="2800" dirty="0"/>
+              <a:t>M-LED </a:t>
+            </a:r>
+            <a:r>
+              <a:rPr lang="en-US" sz="2800" b="1" dirty="0"/>
+              <a:t>assumptions</a:t>
+            </a:r>
+            <a:r>
+              <a:rPr lang="en-US" sz="2800" dirty="0"/>
+              <a:t>:</a:t>
+            </a:r>
+          </a:p>
+          <a:p>
+            <a:pPr lvl="1"/>
+            <a:r>
+              <a:rPr lang="en-US" sz="2400" dirty="0"/>
+              <a:t>Discussed with a broad array of stakeholder from different countries of SSA</a:t>
+            </a:r>
+          </a:p>
+          <a:p>
+            <a:pPr lvl="1"/>
+            <a:r>
+              <a:rPr lang="en-US" sz="2400" dirty="0"/>
+              <a:t>Field visits to assess current pattern of appliance ownership and use</a:t>
+            </a:r>
+          </a:p>
+          <a:p>
+            <a:pPr lvl="1"/>
+            <a:r>
+              <a:rPr lang="en-US" sz="2400" dirty="0"/>
+              <a:t>Literature and needs-driven objectives</a:t>
+            </a:r>
+          </a:p>
+        </p:txBody>
+      </p:sp>
+      <p:sp>
+        <p:nvSpPr>
+          <p:cNvPr id="2" name="Title 1">
+            <a:extLst>
+              <a:ext uri="{FF2B5EF4-FFF2-40B4-BE49-F238E27FC236}">
+                <a16:creationId xmlns:a16="http://schemas.microsoft.com/office/drawing/2014/main" id="{09864BC5-D0A7-4B8A-AFDF-168B644F4993}"/>
+              </a:ext>
+            </a:extLst>
+          </p:cNvPr>
+          <p:cNvSpPr>
+            <a:spLocks noGrp="1"/>
+          </p:cNvSpPr>
+          <p:nvPr>
+            <p:ph type="title"/>
+          </p:nvPr>
+        </p:nvSpPr>
+        <p:spPr/>
+        <p:txBody>
+          <a:bodyPr/>
+          <a:lstStyle/>
+          <a:p>
+            <a:r>
+              <a:rPr lang="en-US" dirty="0"/>
+              <a:t>Technical Overview</a:t>
+            </a:r>
+          </a:p>
+        </p:txBody>
+      </p:sp>
+    </p:spTree>
+    <p:extLst>
+      <p:ext uri="{BB962C8B-B14F-4D97-AF65-F5344CB8AC3E}">
+        <p14:creationId xmlns:p14="http://schemas.microsoft.com/office/powerpoint/2010/main" val="2415306912"/>
+      </p:ext>
+    </p:extLst>
+  </p:cSld>
+  <p:clrMapOvr>
+    <a:masterClrMapping/>
+  </p:clrMapOvr>
+  <p:timing>
+    <p:tnLst>
+      <p:par>
+        <p:cTn id="1" dur="indefinite" restart="never" nodeType="tmRoot">
+          <p:childTnLst>
+            <p:seq concurrent="1" nextAc="seek">
+              <p:cTn id="2" dur="indefinite" nodeType="mainSeq">
+                <p:childTnLst>
+                  <p:par>
+                    <p:cTn id="3" fill="hold">
+                      <p:stCondLst>
+                        <p:cond delay="indefinite"/>
+                      </p:stCondLst>
+                      <p:childTnLst>
+                        <p:par>
+                          <p:cTn id="4" fill="hold">
+                            <p:stCondLst>
+                              <p:cond delay="0"/>
+                            </p:stCondLst>
+                            <p:childTnLst>
+                              <p:par>
+                                <p:cTn id="5" presetID="10" presetClass="entr" presetSubtype="0" fill="hold" grpId="0" nodeType="clickEffect">
+                                  <p:stCondLst>
+                                    <p:cond delay="0"/>
+                                  </p:stCondLst>
+                                  <p:childTnLst>
+                                    <p:set>
+                                      <p:cBhvr>
+                                        <p:cTn id="6" dur="1" fill="hold">
+                                          <p:stCondLst>
+                                            <p:cond delay="0"/>
+                                          </p:stCondLst>
+                                        </p:cTn>
+                                        <p:tgtEl>
+                                          <p:spTgt spid="3">
+                                            <p:txEl>
+                                              <p:pRg st="0" end="0"/>
+                                            </p:txEl>
+                                          </p:spTgt>
+                                        </p:tgtEl>
+                                        <p:attrNameLst>
+                                          <p:attrName>style.visibility</p:attrName>
+                                        </p:attrNameLst>
+                                      </p:cBhvr>
+                                      <p:to>
+                                        <p:strVal val="visible"/>
+                                      </p:to>
+                                    </p:set>
+                                    <p:animEffect transition="in" filter="fade">
+                                      <p:cBhvr>
+                                        <p:cTn id="7" dur="500"/>
+                                        <p:tgtEl>
+                                          <p:spTgt spid="3">
+                                            <p:txEl>
+                                              <p:pRg st="0" end="0"/>
+                                            </p:txEl>
+                                          </p:spTgt>
+                                        </p:tgtEl>
+                                      </p:cBhvr>
+                                    </p:animEffect>
+                                  </p:childTnLst>
+                                </p:cTn>
+                              </p:par>
+                              <p:par>
+                                <p:cTn id="8" presetID="10" presetClass="entr" presetSubtype="0" fill="hold" grpId="0" nodeType="withEffect">
+                                  <p:stCondLst>
+                                    <p:cond delay="0"/>
+                                  </p:stCondLst>
+                                  <p:childTnLst>
+                                    <p:set>
+                                      <p:cBhvr>
+                                        <p:cTn id="9" dur="1" fill="hold">
+                                          <p:stCondLst>
+                                            <p:cond delay="0"/>
+                                          </p:stCondLst>
+                                        </p:cTn>
+                                        <p:tgtEl>
+                                          <p:spTgt spid="3">
+                                            <p:txEl>
+                                              <p:pRg st="1" end="1"/>
+                                            </p:txEl>
+                                          </p:spTgt>
+                                        </p:tgtEl>
+                                        <p:attrNameLst>
+                                          <p:attrName>style.visibility</p:attrName>
+                                        </p:attrNameLst>
+                                      </p:cBhvr>
+                                      <p:to>
+                                        <p:strVal val="visible"/>
+                                      </p:to>
+                                    </p:set>
+                                    <p:animEffect transition="in" filter="fade">
+                                      <p:cBhvr>
+                                        <p:cTn id="10" dur="500"/>
+                                        <p:tgtEl>
+                                          <p:spTgt spid="3">
+                                            <p:txEl>
+                                              <p:pRg st="1" end="1"/>
+                                            </p:txEl>
+                                          </p:spTgt>
+                                        </p:tgtEl>
+                                      </p:cBhvr>
+                                    </p:animEffect>
+                                  </p:childTnLst>
+                                </p:cTn>
+                              </p:par>
+                              <p:par>
+                                <p:cTn id="11" presetID="10" presetClass="entr" presetSubtype="0" fill="hold" grpId="0" nodeType="withEffect">
+                                  <p:stCondLst>
+                                    <p:cond delay="0"/>
+                                  </p:stCondLst>
+                                  <p:childTnLst>
+                                    <p:set>
+                                      <p:cBhvr>
+                                        <p:cTn id="12" dur="1" fill="hold">
+                                          <p:stCondLst>
+                                            <p:cond delay="0"/>
+                                          </p:stCondLst>
+                                        </p:cTn>
+                                        <p:tgtEl>
+                                          <p:spTgt spid="3">
+                                            <p:txEl>
+                                              <p:pRg st="2" end="2"/>
+                                            </p:txEl>
+                                          </p:spTgt>
+                                        </p:tgtEl>
+                                        <p:attrNameLst>
+                                          <p:attrName>style.visibility</p:attrName>
+                                        </p:attrNameLst>
+                                      </p:cBhvr>
+                                      <p:to>
+                                        <p:strVal val="visible"/>
+                                      </p:to>
+                                    </p:set>
+                                    <p:animEffect transition="in" filter="fade">
+                                      <p:cBhvr>
+                                        <p:cTn id="13" dur="500"/>
+                                        <p:tgtEl>
+                                          <p:spTgt spid="3">
+                                            <p:txEl>
+                                              <p:pRg st="2" end="2"/>
+                                            </p:txEl>
+                                          </p:spTgt>
+                                        </p:tgtEl>
+                                      </p:cBhvr>
+                                    </p:animEffect>
+                                  </p:childTnLst>
+                                </p:cTn>
+                              </p:par>
+                              <p:par>
+                                <p:cTn id="14" presetID="10" presetClass="entr" presetSubtype="0" fill="hold" grpId="0" nodeType="withEffect">
+                                  <p:stCondLst>
+                                    <p:cond delay="0"/>
+                                  </p:stCondLst>
+                                  <p:childTnLst>
+                                    <p:set>
+                                      <p:cBhvr>
+                                        <p:cTn id="15" dur="1" fill="hold">
+                                          <p:stCondLst>
+                                            <p:cond delay="0"/>
+                                          </p:stCondLst>
+                                        </p:cTn>
+                                        <p:tgtEl>
+                                          <p:spTgt spid="3">
+                                            <p:txEl>
+                                              <p:pRg st="3" end="3"/>
+                                            </p:txEl>
+                                          </p:spTgt>
+                                        </p:tgtEl>
+                                        <p:attrNameLst>
+                                          <p:attrName>style.visibility</p:attrName>
+                                        </p:attrNameLst>
+                                      </p:cBhvr>
+                                      <p:to>
+                                        <p:strVal val="visible"/>
+                                      </p:to>
+                                    </p:set>
+                                    <p:animEffect transition="in" filter="fade">
+                                      <p:cBhvr>
+                                        <p:cTn id="16" dur="500"/>
+                                        <p:tgtEl>
+                                          <p:spTgt spid="3">
+                                            <p:txEl>
+                                              <p:pRg st="3" end="3"/>
+                                            </p:txEl>
+                                          </p:spTgt>
+                                        </p:tgtEl>
+                                      </p:cBhvr>
+                                    </p:animEffect>
+                                  </p:childTnLst>
+                                </p:cTn>
+                              </p:par>
+                              <p:par>
+                                <p:cTn id="17" presetID="10" presetClass="entr" presetSubtype="0" fill="hold" grpId="0" nodeType="withEffect">
+                                  <p:stCondLst>
+                                    <p:cond delay="0"/>
+                                  </p:stCondLst>
+                                  <p:childTnLst>
+                                    <p:set>
+                                      <p:cBhvr>
+                                        <p:cTn id="18" dur="1" fill="hold">
+                                          <p:stCondLst>
+                                            <p:cond delay="0"/>
+                                          </p:stCondLst>
+                                        </p:cTn>
+                                        <p:tgtEl>
+                                          <p:spTgt spid="3">
+                                            <p:txEl>
+                                              <p:pRg st="4" end="4"/>
+                                            </p:txEl>
+                                          </p:spTgt>
+                                        </p:tgtEl>
+                                        <p:attrNameLst>
+                                          <p:attrName>style.visibility</p:attrName>
+                                        </p:attrNameLst>
+                                      </p:cBhvr>
+                                      <p:to>
+                                        <p:strVal val="visible"/>
+                                      </p:to>
+                                    </p:set>
+                                    <p:animEffect transition="in" filter="fade">
+                                      <p:cBhvr>
+                                        <p:cTn id="19" dur="500"/>
+                                        <p:tgtEl>
+                                          <p:spTgt spid="3">
+                                            <p:txEl>
+                                              <p:pRg st="4" end="4"/>
+                                            </p:txEl>
+                                          </p:spTgt>
+                                        </p:tgtEl>
+                                      </p:cBhvr>
+                                    </p:animEffect>
+                                  </p:childTnLst>
+                                </p:cTn>
+                              </p:par>
+                            </p:childTnLst>
+                          </p:cTn>
+                        </p:par>
+                      </p:childTnLst>
+                    </p:cTn>
+                  </p:par>
+                  <p:par>
+                    <p:cTn id="20" fill="hold">
+                      <p:stCondLst>
+                        <p:cond delay="indefinite"/>
+                      </p:stCondLst>
+                      <p:childTnLst>
+                        <p:par>
+                          <p:cTn id="21" fill="hold">
+                            <p:stCondLst>
+                              <p:cond delay="0"/>
+                            </p:stCondLst>
+                            <p:childTnLst>
+                              <p:par>
+                                <p:cTn id="22" presetID="10" presetClass="entr" presetSubtype="0" fill="hold" grpId="0" nodeType="clickEffect">
+                                  <p:stCondLst>
+                                    <p:cond delay="0"/>
+                                  </p:stCondLst>
+                                  <p:childTnLst>
+                                    <p:set>
+                                      <p:cBhvr>
+                                        <p:cTn id="23" dur="1" fill="hold">
+                                          <p:stCondLst>
+                                            <p:cond delay="0"/>
+                                          </p:stCondLst>
+                                        </p:cTn>
+                                        <p:tgtEl>
+                                          <p:spTgt spid="3">
+                                            <p:txEl>
+                                              <p:pRg st="6" end="6"/>
+                                            </p:txEl>
+                                          </p:spTgt>
+                                        </p:tgtEl>
+                                        <p:attrNameLst>
+                                          <p:attrName>style.visibility</p:attrName>
+                                        </p:attrNameLst>
+                                      </p:cBhvr>
+                                      <p:to>
+                                        <p:strVal val="visible"/>
+                                      </p:to>
+                                    </p:set>
+                                    <p:animEffect transition="in" filter="fade">
+                                      <p:cBhvr>
+                                        <p:cTn id="24" dur="500"/>
+                                        <p:tgtEl>
+                                          <p:spTgt spid="3">
+                                            <p:txEl>
+                                              <p:pRg st="6" end="6"/>
+                                            </p:txEl>
+                                          </p:spTgt>
+                                        </p:tgtEl>
+                                      </p:cBhvr>
+                                    </p:animEffect>
+                                  </p:childTnLst>
+                                </p:cTn>
+                              </p:par>
+                              <p:par>
+                                <p:cTn id="25" presetID="10" presetClass="entr" presetSubtype="0" fill="hold" grpId="0" nodeType="withEffect">
+                                  <p:stCondLst>
+                                    <p:cond delay="0"/>
+                                  </p:stCondLst>
+                                  <p:childTnLst>
+                                    <p:set>
+                                      <p:cBhvr>
+                                        <p:cTn id="26" dur="1" fill="hold">
+                                          <p:stCondLst>
+                                            <p:cond delay="0"/>
+                                          </p:stCondLst>
+                                        </p:cTn>
+                                        <p:tgtEl>
+                                          <p:spTgt spid="3">
+                                            <p:txEl>
+                                              <p:pRg st="7" end="7"/>
+                                            </p:txEl>
+                                          </p:spTgt>
+                                        </p:tgtEl>
+                                        <p:attrNameLst>
+                                          <p:attrName>style.visibility</p:attrName>
+                                        </p:attrNameLst>
+                                      </p:cBhvr>
+                                      <p:to>
+                                        <p:strVal val="visible"/>
+                                      </p:to>
+                                    </p:set>
+                                    <p:animEffect transition="in" filter="fade">
+                                      <p:cBhvr>
+                                        <p:cTn id="27" dur="500"/>
+                                        <p:tgtEl>
+                                          <p:spTgt spid="3">
+                                            <p:txEl>
+                                              <p:pRg st="7" end="7"/>
+                                            </p:txEl>
+                                          </p:spTgt>
+                                        </p:tgtEl>
+                                      </p:cBhvr>
+                                    </p:animEffect>
+                                  </p:childTnLst>
+                                </p:cTn>
+                              </p:par>
+                              <p:par>
+                                <p:cTn id="28" presetID="10" presetClass="entr" presetSubtype="0" fill="hold" grpId="0" nodeType="withEffect">
+                                  <p:stCondLst>
+                                    <p:cond delay="0"/>
+                                  </p:stCondLst>
+                                  <p:childTnLst>
+                                    <p:set>
+                                      <p:cBhvr>
+                                        <p:cTn id="29" dur="1" fill="hold">
+                                          <p:stCondLst>
+                                            <p:cond delay="0"/>
+                                          </p:stCondLst>
+                                        </p:cTn>
+                                        <p:tgtEl>
+                                          <p:spTgt spid="3">
+                                            <p:txEl>
+                                              <p:pRg st="8" end="8"/>
+                                            </p:txEl>
+                                          </p:spTgt>
+                                        </p:tgtEl>
+                                        <p:attrNameLst>
+                                          <p:attrName>style.visibility</p:attrName>
+                                        </p:attrNameLst>
+                                      </p:cBhvr>
+                                      <p:to>
+                                        <p:strVal val="visible"/>
+                                      </p:to>
+                                    </p:set>
+                                    <p:animEffect transition="in" filter="fade">
+                                      <p:cBhvr>
+                                        <p:cTn id="30" dur="500"/>
+                                        <p:tgtEl>
+                                          <p:spTgt spid="3">
+                                            <p:txEl>
+                                              <p:pRg st="8" end="8"/>
+                                            </p:txEl>
+                                          </p:spTgt>
+                                        </p:tgtEl>
+                                      </p:cBhvr>
+                                    </p:animEffect>
+                                  </p:childTnLst>
+                                </p:cTn>
+                              </p:par>
+                              <p:par>
+                                <p:cTn id="31" presetID="10" presetClass="entr" presetSubtype="0" fill="hold" grpId="0" nodeType="withEffect">
+                                  <p:stCondLst>
+                                    <p:cond delay="0"/>
+                                  </p:stCondLst>
+                                  <p:childTnLst>
+                                    <p:set>
+                                      <p:cBhvr>
+                                        <p:cTn id="32" dur="1" fill="hold">
+                                          <p:stCondLst>
+                                            <p:cond delay="0"/>
+                                          </p:stCondLst>
+                                        </p:cTn>
+                                        <p:tgtEl>
+                                          <p:spTgt spid="3">
+                                            <p:txEl>
+                                              <p:pRg st="9" end="9"/>
+                                            </p:txEl>
+                                          </p:spTgt>
+                                        </p:tgtEl>
+                                        <p:attrNameLst>
+                                          <p:attrName>style.visibility</p:attrName>
+                                        </p:attrNameLst>
+                                      </p:cBhvr>
+                                      <p:to>
+                                        <p:strVal val="visible"/>
+                                      </p:to>
+                                    </p:set>
+                                    <p:animEffect transition="in" filter="fade">
+                                      <p:cBhvr>
+                                        <p:cTn id="33" dur="500"/>
+                                        <p:tgtEl>
+                                          <p:spTgt spid="3">
+                                            <p:txEl>
+                                              <p:pRg st="9" end="9"/>
+                                            </p:txEl>
+                                          </p:spTgt>
+                                        </p:tgtEl>
+                                      </p:cBhvr>
+                                    </p:animEffect>
+                                  </p:childTnLst>
+                                </p:cTn>
+                              </p:par>
+                            </p:childTnLst>
+                          </p:cTn>
+                        </p:par>
+                      </p:childTnLst>
+                    </p:cTn>
+                  </p:par>
+                </p:childTnLst>
+              </p:cTn>
+              <p:prevCondLst>
+                <p:cond evt="onPrev" delay="0">
+                  <p:tgtEl>
+                    <p:sldTgt/>
+                  </p:tgtEl>
+                </p:cond>
+              </p:prevCondLst>
+              <p:nextCondLst>
+                <p:cond evt="onNext" delay="0">
+                  <p:tgtEl>
+                    <p:sldTgt/>
+                  </p:tgtEl>
+                </p:cond>
+              </p:nextCondLst>
+            </p:seq>
+          </p:childTnLst>
+        </p:cTn>
+      </p:par>
+    </p:tnLst>
+    <p:bldLst>
+      <p:bldP spid="3" grpId="0" build="p"/>
+    </p:bldLst>
+  </p:timing>
+</p:sld>
+</file>
+
+<file path=ppt/slides/slide11.xml><?xml version="1.0" encoding="utf-8"?>
 <p:sld xmlns:a="http://schemas.openxmlformats.org/drawingml/2006/main" xmlns:r="http://schemas.openxmlformats.org/officeDocument/2006/relationships" xmlns:p="http://schemas.openxmlformats.org/presentationml/2006/main">
   <p:cSld>
     <p:spTree>
@@ -16248,7 +17655,7 @@
 </p:sld>
 </file>
 
-<file path=ppt/slides/slide11.xml><?xml version="1.0" encoding="utf-8"?>
+<file path=ppt/slides/slide12.xml><?xml version="1.0" encoding="utf-8"?>
 <p:sld xmlns:a="http://schemas.openxmlformats.org/drawingml/2006/main" xmlns:r="http://schemas.openxmlformats.org/officeDocument/2006/relationships" xmlns:p="http://schemas.openxmlformats.org/presentationml/2006/main">
   <p:cSld>
     <p:spTree>
@@ -16536,7 +17943,7 @@
 </p:sld>
 </file>
 
-<file path=ppt/slides/slide12.xml><?xml version="1.0" encoding="utf-8"?>
+<file path=ppt/slides/slide13.xml><?xml version="1.0" encoding="utf-8"?>
 <p:sld xmlns:a="http://schemas.openxmlformats.org/drawingml/2006/main" xmlns:r="http://schemas.openxmlformats.org/officeDocument/2006/relationships" xmlns:p="http://schemas.openxmlformats.org/presentationml/2006/main">
   <p:cSld>
     <p:spTree>
@@ -17245,7 +18652,7 @@
 </p:sld>
 </file>
 
-<file path=ppt/slides/slide13.xml><?xml version="1.0" encoding="utf-8"?>
+<file path=ppt/slides/slide14.xml><?xml version="1.0" encoding="utf-8"?>
 <p:sld xmlns:a="http://schemas.openxmlformats.org/drawingml/2006/main" xmlns:r="http://schemas.openxmlformats.org/officeDocument/2006/relationships" xmlns:p="http://schemas.openxmlformats.org/presentationml/2006/main">
   <p:cSld>
     <p:spTree>
@@ -17612,7 +19019,7 @@
 </p:sld>
 </file>
 
-<file path=ppt/slides/slide14.xml><?xml version="1.0" encoding="utf-8"?>
+<file path=ppt/slides/slide15.xml><?xml version="1.0" encoding="utf-8"?>
 <p:sld xmlns:a="http://schemas.openxmlformats.org/drawingml/2006/main" xmlns:r="http://schemas.openxmlformats.org/officeDocument/2006/relationships" xmlns:p="http://schemas.openxmlformats.org/presentationml/2006/main">
   <p:cSld>
     <p:spTree>
@@ -17965,7 +19372,7 @@
 </p:sld>
 </file>
 
-<file path=ppt/slides/slide15.xml><?xml version="1.0" encoding="utf-8"?>
+<file path=ppt/slides/slide16.xml><?xml version="1.0" encoding="utf-8"?>
 <p:sld xmlns:a="http://schemas.openxmlformats.org/drawingml/2006/main" xmlns:r="http://schemas.openxmlformats.org/officeDocument/2006/relationships" xmlns:p="http://schemas.openxmlformats.org/presentationml/2006/main">
   <p:cSld>
     <p:spTree>
@@ -18384,7 +19791,7 @@
 </p:sld>
 </file>
 
-<file path=ppt/slides/slide16.xml><?xml version="1.0" encoding="utf-8"?>
+<file path=ppt/slides/slide17.xml><?xml version="1.0" encoding="utf-8"?>
 <p:sld xmlns:a="http://schemas.openxmlformats.org/drawingml/2006/main" xmlns:r="http://schemas.openxmlformats.org/officeDocument/2006/relationships" xmlns:p="http://schemas.openxmlformats.org/presentationml/2006/main">
   <p:cSld>
     <p:spTree>
@@ -18441,9 +19848,10 @@
               <a:t> -&gt; source code </a:t>
             </a:r>
             <a:r>
-              <a:rPr lang="en-US" sz="2800" u="sng" dirty="0"/>
-              <a:t>https://github.com/giacfalk/M-LED</a:t>
-            </a:r>
+              <a:rPr lang="en-US" sz="2400" u="sng" dirty="0"/>
+              <a:t>https://github.com/giacfalk/RE4AFAGRI_platform</a:t>
+            </a:r>
+            <a:endParaRPr lang="en-US" sz="2800" u="sng" dirty="0"/>
           </a:p>
           <a:p>
             <a:endParaRPr lang="en-US" dirty="0"/>
@@ -18607,7 +20015,7 @@
 </p:sld>
 </file>
 
-<file path=ppt/slides/slide17.xml><?xml version="1.0" encoding="utf-8"?>
+<file path=ppt/slides/slide18.xml><?xml version="1.0" encoding="utf-8"?>
 <p:sld xmlns:a="http://schemas.openxmlformats.org/drawingml/2006/main" xmlns:r="http://schemas.openxmlformats.org/officeDocument/2006/relationships" xmlns:p="http://schemas.openxmlformats.org/presentationml/2006/main">
   <p:cSld>
     <p:spTree>
@@ -19030,7 +20438,7 @@
 </p:sld>
 </file>
 
-<file path=ppt/slides/slide18.xml><?xml version="1.0" encoding="utf-8"?>
+<file path=ppt/slides/slide19.xml><?xml version="1.0" encoding="utf-8"?>
 <p:sld xmlns:a="http://schemas.openxmlformats.org/drawingml/2006/main" xmlns:r="http://schemas.openxmlformats.org/officeDocument/2006/relationships" xmlns:p="http://schemas.openxmlformats.org/presentationml/2006/main">
   <p:cSld>
     <p:spTree>
@@ -19692,7 +21100,79 @@
 </p:sld>
 </file>
 
-<file path=ppt/slides/slide19.xml><?xml version="1.0" encoding="utf-8"?>
+<file path=ppt/slides/slide2.xml><?xml version="1.0" encoding="utf-8"?>
+<p:sld xmlns:a="http://schemas.openxmlformats.org/drawingml/2006/main" xmlns:r="http://schemas.openxmlformats.org/officeDocument/2006/relationships" xmlns:p="http://schemas.openxmlformats.org/presentationml/2006/main">
+  <p:cSld>
+    <p:spTree>
+      <p:nvGrpSpPr>
+        <p:cNvPr id="1" name=""/>
+        <p:cNvGrpSpPr/>
+        <p:nvPr/>
+      </p:nvGrpSpPr>
+      <p:grpSpPr>
+        <a:xfrm>
+          <a:off x="0" y="0"/>
+          <a:ext cx="0" cy="0"/>
+          <a:chOff x="0" y="0"/>
+          <a:chExt cx="0" cy="0"/>
+        </a:xfrm>
+      </p:grpSpPr>
+      <p:sp>
+        <p:nvSpPr>
+          <p:cNvPr id="3" name="Subtitle 2">
+            <a:extLst>
+              <a:ext uri="{FF2B5EF4-FFF2-40B4-BE49-F238E27FC236}">
+                <a16:creationId xmlns:a16="http://schemas.microsoft.com/office/drawing/2014/main" id="{77C75709-7FD6-409B-BB0F-34D94C848D58}"/>
+              </a:ext>
+            </a:extLst>
+          </p:cNvPr>
+          <p:cNvSpPr>
+            <a:spLocks noGrp="1"/>
+          </p:cNvSpPr>
+          <p:nvPr>
+            <p:ph type="subTitle" idx="1"/>
+          </p:nvPr>
+        </p:nvSpPr>
+        <p:spPr>
+          <a:xfrm>
+            <a:off x="1315556" y="2934189"/>
+            <a:ext cx="4170843" cy="2224290"/>
+          </a:xfrm>
+        </p:spPr>
+        <p:txBody>
+          <a:bodyPr>
+            <a:normAutofit/>
+          </a:bodyPr>
+          <a:lstStyle/>
+          <a:p>
+            <a:r>
+              <a:rPr lang="it-IT" sz="3600" b="1" dirty="0"/>
+              <a:t>Background:</a:t>
+            </a:r>
+          </a:p>
+          <a:p>
+            <a:r>
+              <a:rPr lang="it-IT" sz="3600" b="1" dirty="0"/>
+              <a:t>the RE4AFAGRI modelling platform</a:t>
+            </a:r>
+            <a:endParaRPr lang="en-GB" sz="3600" b="1" dirty="0"/>
+          </a:p>
+        </p:txBody>
+      </p:sp>
+    </p:spTree>
+    <p:extLst>
+      <p:ext uri="{BB962C8B-B14F-4D97-AF65-F5344CB8AC3E}">
+        <p14:creationId xmlns:p14="http://schemas.microsoft.com/office/powerpoint/2010/main" val="684854585"/>
+      </p:ext>
+    </p:extLst>
+  </p:cSld>
+  <p:clrMapOvr>
+    <a:masterClrMapping/>
+  </p:clrMapOvr>
+</p:sld>
+</file>
+
+<file path=ppt/slides/slide20.xml><?xml version="1.0" encoding="utf-8"?>
 <p:sld xmlns:a="http://schemas.openxmlformats.org/drawingml/2006/main" xmlns:r="http://schemas.openxmlformats.org/officeDocument/2006/relationships" xmlns:p="http://schemas.openxmlformats.org/presentationml/2006/main">
   <p:cSld>
     <p:spTree>
@@ -19767,7 +21247,7 @@
 </p:sld>
 </file>
 
-<file path=ppt/slides/slide2.xml><?xml version="1.0" encoding="utf-8"?>
+<file path=ppt/slides/slide21.xml><?xml version="1.0" encoding="utf-8"?>
 <p:sld xmlns:a="http://schemas.openxmlformats.org/drawingml/2006/main" xmlns:r="http://schemas.openxmlformats.org/officeDocument/2006/relationships" xmlns:p="http://schemas.openxmlformats.org/presentationml/2006/main">
   <p:cSld>
     <p:spTree>
@@ -19786,10 +21266,10 @@
       </p:grpSpPr>
       <p:sp>
         <p:nvSpPr>
-          <p:cNvPr id="3" name="Subtitle 2">
+          <p:cNvPr id="3" name="Title 2">
             <a:extLst>
               <a:ext uri="{FF2B5EF4-FFF2-40B4-BE49-F238E27FC236}">
-                <a16:creationId xmlns:a16="http://schemas.microsoft.com/office/drawing/2014/main" id="{77C75709-7FD6-409B-BB0F-34D94C848D58}"/>
+                <a16:creationId xmlns:a16="http://schemas.microsoft.com/office/drawing/2014/main" id="{A5055686-2292-40F4-BA41-0E2F5C414480}"/>
               </a:ext>
             </a:extLst>
           </p:cNvPr>
@@ -19797,33 +21277,158 @@
             <a:spLocks noGrp="1"/>
           </p:cNvSpPr>
           <p:nvPr>
-            <p:ph type="subTitle" idx="1"/>
+            <p:ph type="title"/>
           </p:nvPr>
+        </p:nvSpPr>
+        <p:spPr/>
+        <p:txBody>
+          <a:bodyPr/>
+          <a:lstStyle/>
+          <a:p>
+            <a:r>
+              <a:rPr lang="it-IT" sz="2800" b="1" dirty="0"/>
+              <a:t>Structure of M-LED</a:t>
+            </a:r>
+          </a:p>
+        </p:txBody>
+      </p:sp>
+      <p:sp>
+        <p:nvSpPr>
+          <p:cNvPr id="5" name="TextBox 4">
+            <a:extLst>
+              <a:ext uri="{FF2B5EF4-FFF2-40B4-BE49-F238E27FC236}">
+                <a16:creationId xmlns:a16="http://schemas.microsoft.com/office/drawing/2014/main" id="{EC5552E8-1D49-40B2-9E20-7150D4CBF604}"/>
+              </a:ext>
+            </a:extLst>
+          </p:cNvPr>
+          <p:cNvSpPr txBox="1"/>
+          <p:nvPr/>
         </p:nvSpPr>
         <p:spPr>
           <a:xfrm>
-            <a:off x="1377193" y="2928290"/>
-            <a:ext cx="3274706" cy="2224290"/>
+            <a:off x="838199" y="1415845"/>
+            <a:ext cx="10529858" cy="5170646"/>
           </a:xfrm>
+          <a:prstGeom prst="rect">
+            <a:avLst/>
+          </a:prstGeom>
+          <a:noFill/>
         </p:spPr>
         <p:txBody>
-          <a:bodyPr>
-            <a:normAutofit/>
+          <a:bodyPr wrap="square" rtlCol="0">
+            <a:spAutoFit/>
           </a:bodyPr>
           <a:lstStyle/>
           <a:p>
             <a:r>
-              <a:rPr lang="it-IT" sz="3600" b="1" dirty="0"/>
-              <a:t>The RE4AFAGRI modelling platform</a:t>
-            </a:r>
-            <a:endParaRPr lang="en-GB" sz="3600" b="1" dirty="0"/>
+              <a:rPr lang="it-IT" sz="2200" b="1" dirty="0"/>
+              <a:t>Preparation modules</a:t>
+            </a:r>
+          </a:p>
+          <a:p>
+            <a:pPr marL="514350" indent="-514350">
+              <a:buFont typeface="+mj-lt"/>
+              <a:buAutoNum type="arabicPeriod"/>
+            </a:pPr>
+            <a:endParaRPr lang="it-IT" sz="2200" dirty="0"/>
+          </a:p>
+          <a:p>
+            <a:pPr marL="514350" indent="-514350">
+              <a:buFont typeface="+mj-lt"/>
+              <a:buAutoNum type="arabicPeriod"/>
+            </a:pPr>
+            <a:r>
+              <a:rPr lang="it-IT" sz="2200" dirty="0"/>
+              <a:t>MLED.R -&gt; «homepage» of the model</a:t>
+            </a:r>
+          </a:p>
+          <a:p>
+            <a:pPr marL="514350" indent="-514350">
+              <a:buFont typeface="+mj-lt"/>
+              <a:buAutoNum type="arabicPeriod"/>
+            </a:pPr>
+            <a:endParaRPr lang="it-IT" sz="2200" dirty="0"/>
+          </a:p>
+          <a:p>
+            <a:pPr marL="514350" indent="-514350">
+              <a:buFont typeface="+mj-lt"/>
+              <a:buAutoNum type="arabicPeriod"/>
+            </a:pPr>
+            <a:r>
+              <a:rPr lang="it-IT" sz="2200" dirty="0"/>
+              <a:t>backend.R -&gt; pre-requirements (software packages, configuration, database donwload) of the model</a:t>
+            </a:r>
+          </a:p>
+          <a:p>
+            <a:pPr marL="514350" indent="-514350">
+              <a:buFont typeface="+mj-lt"/>
+              <a:buAutoNum type="arabicPeriod"/>
+            </a:pPr>
+            <a:endParaRPr lang="it-IT" sz="2200" dirty="0"/>
+          </a:p>
+          <a:p>
+            <a:pPr marL="514350" indent="-514350">
+              <a:buFont typeface="+mj-lt"/>
+              <a:buAutoNum type="arabicPeriod"/>
+            </a:pPr>
+            <a:r>
+              <a:rPr lang="it-IT" sz="2200" dirty="0"/>
+              <a:t>scenario_xxx.R -&gt; data and parameters specific to the selected run (country, scenario)</a:t>
+            </a:r>
+          </a:p>
+          <a:p>
+            <a:pPr marL="514350" indent="-514350">
+              <a:buFont typeface="+mj-lt"/>
+              <a:buAutoNum type="arabicPeriod"/>
+            </a:pPr>
+            <a:endParaRPr lang="it-IT" sz="2200" dirty="0"/>
+          </a:p>
+          <a:p>
+            <a:pPr marL="514350" indent="-514350">
+              <a:buFont typeface="+mj-lt"/>
+              <a:buAutoNum type="arabicPeriod" startAt="4"/>
+            </a:pPr>
+            <a:r>
+              <a:rPr lang="it-IT" sz="2200" dirty="0"/>
+              <a:t>electricity_access.R -&gt; </a:t>
+            </a:r>
+          </a:p>
+          <a:p>
+            <a:pPr marL="514350" indent="-514350">
+              <a:buFont typeface="+mj-lt"/>
+              <a:buAutoNum type="arabicPeriod" startAt="4"/>
+            </a:pPr>
+            <a:endParaRPr lang="it-IT" sz="2200" dirty="0"/>
+          </a:p>
+          <a:p>
+            <a:pPr marL="514350" indent="-514350">
+              <a:buFont typeface="+mj-lt"/>
+              <a:buAutoNum type="arabicPeriod" startAt="4"/>
+            </a:pPr>
+            <a:r>
+              <a:rPr lang="it-IT" sz="2200" dirty="0"/>
+              <a:t>create_clusters_voronoi.R -&gt;</a:t>
+            </a:r>
+          </a:p>
+          <a:p>
+            <a:pPr marL="514350" indent="-514350">
+              <a:buFont typeface="+mj-lt"/>
+              <a:buAutoNum type="arabicPeriod"/>
+            </a:pPr>
+            <a:endParaRPr lang="it-IT" sz="2200" dirty="0"/>
+          </a:p>
+          <a:p>
+            <a:endParaRPr lang="it-IT" sz="2200" b="1" dirty="0"/>
+          </a:p>
+          <a:p>
+            <a:endParaRPr lang="en-GB" sz="2200" b="1" dirty="0"/>
           </a:p>
         </p:txBody>
       </p:sp>
     </p:spTree>
     <p:extLst>
       <p:ext uri="{BB962C8B-B14F-4D97-AF65-F5344CB8AC3E}">
-        <p14:creationId xmlns:p14="http://schemas.microsoft.com/office/powerpoint/2010/main" val="684854585"/>
+        <p14:creationId xmlns:p14="http://schemas.microsoft.com/office/powerpoint/2010/main" val="2361786678"/>
       </p:ext>
     </p:extLst>
   </p:cSld>
@@ -19833,7 +21438,7 @@
 </p:sld>
 </file>
 
-<file path=ppt/slides/slide20.xml><?xml version="1.0" encoding="utf-8"?>
+<file path=ppt/slides/slide22.xml><?xml version="1.0" encoding="utf-8"?>
 <p:sld xmlns:a="http://schemas.openxmlformats.org/drawingml/2006/main" xmlns:r="http://schemas.openxmlformats.org/officeDocument/2006/relationships" xmlns:p="http://schemas.openxmlformats.org/presentationml/2006/main">
   <p:cSld>
     <p:spTree>
@@ -19866,14 +21471,14 @@
             <p:ph idx="1"/>
             <p:extLst>
               <p:ext uri="{D42A27DB-BD31-4B8C-83A1-F6EECF244321}">
-                <p14:modId xmlns:p14="http://schemas.microsoft.com/office/powerpoint/2010/main" val="2151208909"/>
+                <p14:modId xmlns:p14="http://schemas.microsoft.com/office/powerpoint/2010/main" val="4029686667"/>
               </p:ext>
             </p:extLst>
           </p:nvPr>
         </p:nvGraphicFramePr>
         <p:xfrm>
-          <a:off x="-1087478" y="1562592"/>
-          <a:ext cx="7901233" cy="4351338"/>
+          <a:off x="-1087478" y="1562591"/>
+          <a:ext cx="8101811" cy="4519643"/>
         </p:xfrm>
         <a:graphic>
           <a:graphicData uri="http://schemas.openxmlformats.org/drawingml/2006/diagram">
@@ -19904,7 +21509,7 @@
           <a:p>
             <a:r>
               <a:rPr lang="it-IT" dirty="0"/>
-              <a:t>Modules overview</a:t>
+              <a:t>Demand modules: overview</a:t>
             </a:r>
             <a:endParaRPr lang="en-GB" dirty="0"/>
           </a:p>
@@ -19912,10 +21517,10 @@
       </p:sp>
       <p:sp>
         <p:nvSpPr>
-          <p:cNvPr id="5" name="TextBox 4">
+          <p:cNvPr id="2" name="TextBox 1">
             <a:extLst>
               <a:ext uri="{FF2B5EF4-FFF2-40B4-BE49-F238E27FC236}">
-                <a16:creationId xmlns:a16="http://schemas.microsoft.com/office/drawing/2014/main" id="{EC5552E8-1D49-40B2-9E20-7150D4CBF604}"/>
+                <a16:creationId xmlns:a16="http://schemas.microsoft.com/office/drawing/2014/main" id="{48FA7FA9-4392-4323-AE86-3750C7B0EB25}"/>
               </a:ext>
             </a:extLst>
           </p:cNvPr>
@@ -19924,8 +21529,8 @@
         </p:nvSpPr>
         <p:spPr>
           <a:xfrm>
-            <a:off x="5863959" y="1451241"/>
-            <a:ext cx="4418616" cy="1292662"/>
+            <a:off x="5550794" y="1179134"/>
+            <a:ext cx="5445604" cy="5909310"/>
           </a:xfrm>
           <a:prstGeom prst="rect">
             <a:avLst/>
@@ -19939,22 +21544,145 @@
           <a:lstStyle/>
           <a:p>
             <a:r>
-              <a:rPr lang="it-IT" sz="2000" b="1" dirty="0"/>
-              <a:t>Structure of M-LED</a:t>
-            </a:r>
-          </a:p>
-          <a:p>
-            <a:endParaRPr lang="it-IT" sz="2000" b="1" dirty="0"/>
-          </a:p>
-          <a:p>
-            <a:pPr marL="342900" indent="-342900">
+              <a:rPr lang="it-IT" b="1" u="sng" dirty="0"/>
+              <a:t>Six sectors are currently represented in M-LED</a:t>
+            </a:r>
+          </a:p>
+          <a:p>
+            <a:endParaRPr lang="it-IT" dirty="0"/>
+          </a:p>
+          <a:p>
+            <a:pPr marL="285750" indent="-285750">
               <a:buFont typeface="Arial" panose="020B0604020202020204" pitchFamily="34" charset="0"/>
               <a:buChar char="•"/>
             </a:pPr>
-            <a:endParaRPr lang="it-IT" sz="2000" b="1" dirty="0"/>
-          </a:p>
-          <a:p>
-            <a:endParaRPr lang="en-GB" b="1" dirty="0"/>
+            <a:r>
+              <a:rPr lang="it-IT" b="1" dirty="0"/>
+              <a:t>Residential</a:t>
+            </a:r>
+            <a:r>
+              <a:rPr lang="it-IT" dirty="0"/>
+              <a:t> -&gt; household demand of both household who already benefit from electricity access and of households gaining access to electricity in the future</a:t>
+            </a:r>
+          </a:p>
+          <a:p>
+            <a:pPr marL="285750" indent="-285750">
+              <a:buFont typeface="Arial" panose="020B0604020202020204" pitchFamily="34" charset="0"/>
+              <a:buChar char="•"/>
+            </a:pPr>
+            <a:endParaRPr lang="it-IT" dirty="0"/>
+          </a:p>
+          <a:p>
+            <a:pPr marL="285750" indent="-285750">
+              <a:buFont typeface="Arial" panose="020B0604020202020204" pitchFamily="34" charset="0"/>
+              <a:buChar char="•"/>
+            </a:pPr>
+            <a:r>
+              <a:rPr lang="it-IT" b="1" dirty="0"/>
+              <a:t>Non-farm SMEs </a:t>
+            </a:r>
+            <a:r>
+              <a:rPr lang="it-IT" dirty="0"/>
+              <a:t>-&gt; commercial activities and small-scale handcraft</a:t>
+            </a:r>
+          </a:p>
+          <a:p>
+            <a:pPr marL="285750" indent="-285750">
+              <a:buFont typeface="Arial" panose="020B0604020202020204" pitchFamily="34" charset="0"/>
+              <a:buChar char="•"/>
+            </a:pPr>
+            <a:endParaRPr lang="it-IT" dirty="0"/>
+          </a:p>
+          <a:p>
+            <a:pPr marL="285750" indent="-285750">
+              <a:buFont typeface="Arial" panose="020B0604020202020204" pitchFamily="34" charset="0"/>
+              <a:buChar char="•"/>
+            </a:pPr>
+            <a:r>
+              <a:rPr lang="it-IT" b="1" dirty="0"/>
+              <a:t>Mining</a:t>
+            </a:r>
+            <a:r>
+              <a:rPr lang="it-IT" dirty="0"/>
+              <a:t> -&gt; heavy industry sector</a:t>
+            </a:r>
+          </a:p>
+          <a:p>
+            <a:pPr marL="285750" indent="-285750">
+              <a:buFont typeface="Arial" panose="020B0604020202020204" pitchFamily="34" charset="0"/>
+              <a:buChar char="•"/>
+            </a:pPr>
+            <a:endParaRPr lang="it-IT" dirty="0"/>
+          </a:p>
+          <a:p>
+            <a:pPr marL="285750" indent="-285750">
+              <a:buFont typeface="Arial" panose="020B0604020202020204" pitchFamily="34" charset="0"/>
+              <a:buChar char="•"/>
+            </a:pPr>
+            <a:r>
+              <a:rPr lang="it-IT" b="1" dirty="0"/>
+              <a:t>Crop processing </a:t>
+            </a:r>
+            <a:r>
+              <a:rPr lang="it-IT" dirty="0"/>
+              <a:t>-&gt; agricultural load, post-harvest (e.g. Milling) and cold storage of vegetables</a:t>
+            </a:r>
+          </a:p>
+          <a:p>
+            <a:pPr marL="285750" indent="-285750">
+              <a:buFont typeface="Arial" panose="020B0604020202020204" pitchFamily="34" charset="0"/>
+              <a:buChar char="•"/>
+            </a:pPr>
+            <a:endParaRPr lang="it-IT" dirty="0"/>
+          </a:p>
+          <a:p>
+            <a:pPr marL="285750" indent="-285750">
+              <a:buFont typeface="Arial" panose="020B0604020202020204" pitchFamily="34" charset="0"/>
+              <a:buChar char="•"/>
+            </a:pPr>
+            <a:r>
+              <a:rPr lang="it-IT" b="1" dirty="0"/>
+              <a:t>Irrigation</a:t>
+            </a:r>
+            <a:r>
+              <a:rPr lang="it-IT" dirty="0"/>
+              <a:t> -&gt; ground and surface water pumping for crop watering</a:t>
+            </a:r>
+          </a:p>
+          <a:p>
+            <a:pPr marL="285750" indent="-285750">
+              <a:buFont typeface="Arial" panose="020B0604020202020204" pitchFamily="34" charset="0"/>
+              <a:buChar char="•"/>
+            </a:pPr>
+            <a:endParaRPr lang="it-IT" dirty="0"/>
+          </a:p>
+          <a:p>
+            <a:pPr marL="285750" indent="-285750">
+              <a:buFont typeface="Arial" panose="020B0604020202020204" pitchFamily="34" charset="0"/>
+              <a:buChar char="•"/>
+            </a:pPr>
+            <a:r>
+              <a:rPr lang="it-IT" b="1" dirty="0"/>
+              <a:t>Schools and education </a:t>
+            </a:r>
+            <a:r>
+              <a:rPr lang="it-IT" dirty="0"/>
+              <a:t>-&gt; social infrastructure demand</a:t>
+            </a:r>
+          </a:p>
+          <a:p>
+            <a:pPr marL="285750" indent="-285750">
+              <a:buFont typeface="Arial" panose="020B0604020202020204" pitchFamily="34" charset="0"/>
+              <a:buChar char="•"/>
+            </a:pPr>
+            <a:endParaRPr lang="it-IT" dirty="0"/>
+          </a:p>
+          <a:p>
+            <a:pPr marL="285750" indent="-285750">
+              <a:buFont typeface="Arial" panose="020B0604020202020204" pitchFamily="34" charset="0"/>
+              <a:buChar char="•"/>
+            </a:pPr>
+            <a:endParaRPr lang="en-GB" dirty="0"/>
           </a:p>
         </p:txBody>
       </p:sp>
@@ -19962,161 +21690,6 @@
     <p:extLst>
       <p:ext uri="{BB962C8B-B14F-4D97-AF65-F5344CB8AC3E}">
         <p14:creationId xmlns:p14="http://schemas.microsoft.com/office/powerpoint/2010/main" val="1497582503"/>
-      </p:ext>
-    </p:extLst>
-  </p:cSld>
-  <p:clrMapOvr>
-    <a:masterClrMapping/>
-  </p:clrMapOvr>
-</p:sld>
-</file>
-
-<file path=ppt/slides/slide21.xml><?xml version="1.0" encoding="utf-8"?>
-<p:sld xmlns:a="http://schemas.openxmlformats.org/drawingml/2006/main" xmlns:r="http://schemas.openxmlformats.org/officeDocument/2006/relationships" xmlns:p="http://schemas.openxmlformats.org/presentationml/2006/main">
-  <p:cSld>
-    <p:spTree>
-      <p:nvGrpSpPr>
-        <p:cNvPr id="1" name=""/>
-        <p:cNvGrpSpPr/>
-        <p:nvPr/>
-      </p:nvGrpSpPr>
-      <p:grpSpPr>
-        <a:xfrm>
-          <a:off x="0" y="0"/>
-          <a:ext cx="0" cy="0"/>
-          <a:chOff x="0" y="0"/>
-          <a:chExt cx="0" cy="0"/>
-        </a:xfrm>
-      </p:grpSpPr>
-      <p:sp>
-        <p:nvSpPr>
-          <p:cNvPr id="3" name="Subtitle 2">
-            <a:extLst>
-              <a:ext uri="{FF2B5EF4-FFF2-40B4-BE49-F238E27FC236}">
-                <a16:creationId xmlns:a16="http://schemas.microsoft.com/office/drawing/2014/main" id="{77C75709-7FD6-409B-BB0F-34D94C848D58}"/>
-              </a:ext>
-            </a:extLst>
-          </p:cNvPr>
-          <p:cNvSpPr>
-            <a:spLocks noGrp="1"/>
-          </p:cNvSpPr>
-          <p:nvPr>
-            <p:ph type="subTitle" idx="1"/>
-          </p:nvPr>
-        </p:nvSpPr>
-        <p:spPr>
-          <a:xfrm>
-            <a:off x="1377192" y="2928290"/>
-            <a:ext cx="3937191" cy="2224290"/>
-          </a:xfrm>
-        </p:spPr>
-        <p:txBody>
-          <a:bodyPr>
-            <a:normAutofit fontScale="85000" lnSpcReduction="10000"/>
-          </a:bodyPr>
-          <a:lstStyle/>
-          <a:p>
-            <a:r>
-              <a:rPr lang="it-IT" sz="3600" b="1" dirty="0"/>
-              <a:t>M-LED</a:t>
-            </a:r>
-          </a:p>
-          <a:p>
-            <a:endParaRPr lang="it-IT" sz="3600" b="1" dirty="0"/>
-          </a:p>
-          <a:p>
-            <a:r>
-              <a:rPr lang="it-IT" sz="3200" b="1" dirty="0"/>
-              <a:t>Software, hardware, and data requirements</a:t>
-            </a:r>
-            <a:endParaRPr lang="en-GB" sz="3200" b="1" dirty="0"/>
-          </a:p>
-        </p:txBody>
-      </p:sp>
-    </p:spTree>
-    <p:extLst>
-      <p:ext uri="{BB962C8B-B14F-4D97-AF65-F5344CB8AC3E}">
-        <p14:creationId xmlns:p14="http://schemas.microsoft.com/office/powerpoint/2010/main" val="1552485995"/>
-      </p:ext>
-    </p:extLst>
-  </p:cSld>
-  <p:clrMapOvr>
-    <a:masterClrMapping/>
-  </p:clrMapOvr>
-</p:sld>
-</file>
-
-<file path=ppt/slides/slide22.xml><?xml version="1.0" encoding="utf-8"?>
-<p:sld xmlns:a="http://schemas.openxmlformats.org/drawingml/2006/main" xmlns:r="http://schemas.openxmlformats.org/officeDocument/2006/relationships" xmlns:p="http://schemas.openxmlformats.org/presentationml/2006/main">
-  <p:cSld>
-    <p:spTree>
-      <p:nvGrpSpPr>
-        <p:cNvPr id="1" name=""/>
-        <p:cNvGrpSpPr/>
-        <p:nvPr/>
-      </p:nvGrpSpPr>
-      <p:grpSpPr>
-        <a:xfrm>
-          <a:off x="0" y="0"/>
-          <a:ext cx="0" cy="0"/>
-          <a:chOff x="0" y="0"/>
-          <a:chExt cx="0" cy="0"/>
-        </a:xfrm>
-      </p:grpSpPr>
-      <p:sp>
-        <p:nvSpPr>
-          <p:cNvPr id="2" name="Content Placeholder 1">
-            <a:extLst>
-              <a:ext uri="{FF2B5EF4-FFF2-40B4-BE49-F238E27FC236}">
-                <a16:creationId xmlns:a16="http://schemas.microsoft.com/office/drawing/2014/main" id="{CB2F9C2C-AA45-400F-88E8-CD1B3077AB3B}"/>
-              </a:ext>
-            </a:extLst>
-          </p:cNvPr>
-          <p:cNvSpPr>
-            <a:spLocks noGrp="1"/>
-          </p:cNvSpPr>
-          <p:nvPr>
-            <p:ph idx="1"/>
-          </p:nvPr>
-        </p:nvSpPr>
-        <p:spPr/>
-        <p:txBody>
-          <a:bodyPr/>
-          <a:lstStyle/>
-          <a:p>
-            <a:endParaRPr lang="en-GB"/>
-          </a:p>
-        </p:txBody>
-      </p:sp>
-      <p:sp>
-        <p:nvSpPr>
-          <p:cNvPr id="3" name="Title 2">
-            <a:extLst>
-              <a:ext uri="{FF2B5EF4-FFF2-40B4-BE49-F238E27FC236}">
-                <a16:creationId xmlns:a16="http://schemas.microsoft.com/office/drawing/2014/main" id="{A5055686-2292-40F4-BA41-0E2F5C414480}"/>
-              </a:ext>
-            </a:extLst>
-          </p:cNvPr>
-          <p:cNvSpPr>
-            <a:spLocks noGrp="1"/>
-          </p:cNvSpPr>
-          <p:nvPr>
-            <p:ph type="title"/>
-          </p:nvPr>
-        </p:nvSpPr>
-        <p:spPr/>
-        <p:txBody>
-          <a:bodyPr/>
-          <a:lstStyle/>
-          <a:p>
-            <a:endParaRPr lang="en-GB"/>
-          </a:p>
-        </p:txBody>
-      </p:sp>
-    </p:spTree>
-    <p:extLst>
-      <p:ext uri="{BB962C8B-B14F-4D97-AF65-F5344CB8AC3E}">
-        <p14:creationId xmlns:p14="http://schemas.microsoft.com/office/powerpoint/2010/main" val="4054388442"/>
       </p:ext>
     </p:extLst>
   </p:cSld>
@@ -20145,10 +21718,10 @@
       </p:grpSpPr>
       <p:sp>
         <p:nvSpPr>
-          <p:cNvPr id="3" name="Subtitle 2">
+          <p:cNvPr id="3" name="Title 2">
             <a:extLst>
               <a:ext uri="{FF2B5EF4-FFF2-40B4-BE49-F238E27FC236}">
-                <a16:creationId xmlns:a16="http://schemas.microsoft.com/office/drawing/2014/main" id="{77C75709-7FD6-409B-BB0F-34D94C848D58}"/>
+                <a16:creationId xmlns:a16="http://schemas.microsoft.com/office/drawing/2014/main" id="{A5055686-2292-40F4-BA41-0E2F5C414480}"/>
               </a:ext>
             </a:extLst>
           </p:cNvPr>
@@ -20156,48 +21729,55 @@
             <a:spLocks noGrp="1"/>
           </p:cNvSpPr>
           <p:nvPr>
-            <p:ph type="subTitle" idx="1"/>
+            <p:ph type="title"/>
           </p:nvPr>
         </p:nvSpPr>
-        <p:spPr>
-          <a:xfrm>
-            <a:off x="1377192" y="2928290"/>
-            <a:ext cx="3937191" cy="2224290"/>
-          </a:xfrm>
-        </p:spPr>
+        <p:spPr/>
         <p:txBody>
-          <a:bodyPr>
-            <a:normAutofit lnSpcReduction="10000"/>
-          </a:bodyPr>
+          <a:bodyPr/>
           <a:lstStyle/>
           <a:p>
             <a:r>
-              <a:rPr lang="it-IT" sz="3600" b="1" dirty="0"/>
-              <a:t>M-LED</a:t>
-            </a:r>
-          </a:p>
-          <a:p>
-            <a:endParaRPr lang="it-IT" sz="3600" b="1" dirty="0"/>
-          </a:p>
-          <a:p>
-            <a:r>
-              <a:rPr lang="it-IT" sz="3200" b="1" dirty="0"/>
-              <a:t>Running </a:t>
-            </a:r>
-          </a:p>
-          <a:p>
-            <a:r>
-              <a:rPr lang="it-IT" sz="3200" b="1" dirty="0"/>
-              <a:t>M-LED</a:t>
-            </a:r>
-            <a:endParaRPr lang="en-GB" sz="3200" b="1" dirty="0"/>
+              <a:rPr lang="it-IT" dirty="0"/>
+              <a:t>Preparation modules: </a:t>
+            </a:r>
+            <a:r>
+              <a:rPr lang="it-IT" sz="2800" dirty="0"/>
+              <a:t>MLED.R </a:t>
+            </a:r>
+            <a:endParaRPr lang="en-GB" dirty="0"/>
+          </a:p>
+        </p:txBody>
+      </p:sp>
+      <p:sp>
+        <p:nvSpPr>
+          <p:cNvPr id="6" name="Content Placeholder 5">
+            <a:extLst>
+              <a:ext uri="{FF2B5EF4-FFF2-40B4-BE49-F238E27FC236}">
+                <a16:creationId xmlns:a16="http://schemas.microsoft.com/office/drawing/2014/main" id="{15BB7098-01A5-4FE3-8F2B-79330CFBD1C0}"/>
+              </a:ext>
+            </a:extLst>
+          </p:cNvPr>
+          <p:cNvSpPr>
+            <a:spLocks noGrp="1"/>
+          </p:cNvSpPr>
+          <p:nvPr>
+            <p:ph idx="1"/>
+          </p:nvPr>
+        </p:nvSpPr>
+        <p:spPr/>
+        <p:txBody>
+          <a:bodyPr/>
+          <a:lstStyle/>
+          <a:p>
+            <a:endParaRPr lang="en-GB"/>
           </a:p>
         </p:txBody>
       </p:sp>
     </p:spTree>
     <p:extLst>
       <p:ext uri="{BB962C8B-B14F-4D97-AF65-F5344CB8AC3E}">
-        <p14:creationId xmlns:p14="http://schemas.microsoft.com/office/powerpoint/2010/main" val="1946981135"/>
+        <p14:creationId xmlns:p14="http://schemas.microsoft.com/office/powerpoint/2010/main" val="3514266116"/>
       </p:ext>
     </p:extLst>
   </p:cSld>
@@ -20226,31 +21806,6 @@
       </p:grpSpPr>
       <p:sp>
         <p:nvSpPr>
-          <p:cNvPr id="2" name="Content Placeholder 1">
-            <a:extLst>
-              <a:ext uri="{FF2B5EF4-FFF2-40B4-BE49-F238E27FC236}">
-                <a16:creationId xmlns:a16="http://schemas.microsoft.com/office/drawing/2014/main" id="{CB2F9C2C-AA45-400F-88E8-CD1B3077AB3B}"/>
-              </a:ext>
-            </a:extLst>
-          </p:cNvPr>
-          <p:cNvSpPr>
-            <a:spLocks noGrp="1"/>
-          </p:cNvSpPr>
-          <p:nvPr>
-            <p:ph idx="1"/>
-          </p:nvPr>
-        </p:nvSpPr>
-        <p:spPr/>
-        <p:txBody>
-          <a:bodyPr/>
-          <a:lstStyle/>
-          <a:p>
-            <a:endParaRPr lang="en-GB"/>
-          </a:p>
-        </p:txBody>
-      </p:sp>
-      <p:sp>
-        <p:nvSpPr>
           <p:cNvPr id="3" name="Title 2">
             <a:extLst>
               <a:ext uri="{FF2B5EF4-FFF2-40B4-BE49-F238E27FC236}">
@@ -20270,6 +21825,39 @@
           <a:bodyPr/>
           <a:lstStyle/>
           <a:p>
+            <a:r>
+              <a:rPr lang="it-IT" dirty="0"/>
+              <a:t>Preparation modules: </a:t>
+            </a:r>
+            <a:r>
+              <a:rPr lang="it-IT" sz="2800" dirty="0"/>
+              <a:t>backend.R</a:t>
+            </a:r>
+            <a:endParaRPr lang="en-GB" dirty="0"/>
+          </a:p>
+        </p:txBody>
+      </p:sp>
+      <p:sp>
+        <p:nvSpPr>
+          <p:cNvPr id="6" name="Content Placeholder 5">
+            <a:extLst>
+              <a:ext uri="{FF2B5EF4-FFF2-40B4-BE49-F238E27FC236}">
+                <a16:creationId xmlns:a16="http://schemas.microsoft.com/office/drawing/2014/main" id="{15BB7098-01A5-4FE3-8F2B-79330CFBD1C0}"/>
+              </a:ext>
+            </a:extLst>
+          </p:cNvPr>
+          <p:cNvSpPr>
+            <a:spLocks noGrp="1"/>
+          </p:cNvSpPr>
+          <p:nvPr>
+            <p:ph idx="1"/>
+          </p:nvPr>
+        </p:nvSpPr>
+        <p:spPr/>
+        <p:txBody>
+          <a:bodyPr/>
+          <a:lstStyle/>
+          <a:p>
             <a:endParaRPr lang="en-GB"/>
           </a:p>
         </p:txBody>
@@ -20277,7 +21865,7 @@
     </p:spTree>
     <p:extLst>
       <p:ext uri="{BB962C8B-B14F-4D97-AF65-F5344CB8AC3E}">
-        <p14:creationId xmlns:p14="http://schemas.microsoft.com/office/powerpoint/2010/main" val="5800816"/>
+        <p14:creationId xmlns:p14="http://schemas.microsoft.com/office/powerpoint/2010/main" val="3407402665"/>
       </p:ext>
     </p:extLst>
   </p:cSld>
@@ -20306,10 +21894,10 @@
       </p:grpSpPr>
       <p:sp>
         <p:nvSpPr>
-          <p:cNvPr id="3" name="Subtitle 2">
+          <p:cNvPr id="3" name="Title 2">
             <a:extLst>
               <a:ext uri="{FF2B5EF4-FFF2-40B4-BE49-F238E27FC236}">
-                <a16:creationId xmlns:a16="http://schemas.microsoft.com/office/drawing/2014/main" id="{77C75709-7FD6-409B-BB0F-34D94C848D58}"/>
+                <a16:creationId xmlns:a16="http://schemas.microsoft.com/office/drawing/2014/main" id="{A5055686-2292-40F4-BA41-0E2F5C414480}"/>
               </a:ext>
             </a:extLst>
           </p:cNvPr>
@@ -20317,42 +21905,55 @@
             <a:spLocks noGrp="1"/>
           </p:cNvSpPr>
           <p:nvPr>
-            <p:ph type="subTitle" idx="1"/>
+            <p:ph type="title"/>
           </p:nvPr>
         </p:nvSpPr>
-        <p:spPr>
-          <a:xfrm>
-            <a:off x="1377192" y="2928290"/>
-            <a:ext cx="3937191" cy="2224290"/>
-          </a:xfrm>
-        </p:spPr>
+        <p:spPr/>
         <p:txBody>
-          <a:bodyPr>
-            <a:normAutofit fontScale="85000" lnSpcReduction="20000"/>
-          </a:bodyPr>
+          <a:bodyPr/>
           <a:lstStyle/>
           <a:p>
             <a:r>
-              <a:rPr lang="it-IT" sz="3600" b="1" dirty="0"/>
-              <a:t>M-LED</a:t>
-            </a:r>
-          </a:p>
-          <a:p>
-            <a:endParaRPr lang="it-IT" sz="3600" b="1" dirty="0"/>
-          </a:p>
-          <a:p>
-            <a:r>
-              <a:rPr lang="it-IT" sz="3200" b="1" dirty="0"/>
-              <a:t>Outputs and results visualisation and interpretation</a:t>
-            </a:r>
-            <a:endParaRPr lang="en-GB" sz="3200" b="1" dirty="0"/>
+              <a:rPr lang="it-IT" dirty="0"/>
+              <a:t>Preparation modules: </a:t>
+            </a:r>
+            <a:r>
+              <a:rPr lang="it-IT" sz="2800" dirty="0"/>
+              <a:t>scenario_xxx.R </a:t>
+            </a:r>
+            <a:endParaRPr lang="en-GB" dirty="0"/>
+          </a:p>
+        </p:txBody>
+      </p:sp>
+      <p:sp>
+        <p:nvSpPr>
+          <p:cNvPr id="6" name="Content Placeholder 5">
+            <a:extLst>
+              <a:ext uri="{FF2B5EF4-FFF2-40B4-BE49-F238E27FC236}">
+                <a16:creationId xmlns:a16="http://schemas.microsoft.com/office/drawing/2014/main" id="{15BB7098-01A5-4FE3-8F2B-79330CFBD1C0}"/>
+              </a:ext>
+            </a:extLst>
+          </p:cNvPr>
+          <p:cNvSpPr>
+            <a:spLocks noGrp="1"/>
+          </p:cNvSpPr>
+          <p:nvPr>
+            <p:ph idx="1"/>
+          </p:nvPr>
+        </p:nvSpPr>
+        <p:spPr/>
+        <p:txBody>
+          <a:bodyPr/>
+          <a:lstStyle/>
+          <a:p>
+            <a:endParaRPr lang="en-GB"/>
           </a:p>
         </p:txBody>
       </p:sp>
     </p:spTree>
     <p:extLst>
       <p:ext uri="{BB962C8B-B14F-4D97-AF65-F5344CB8AC3E}">
-        <p14:creationId xmlns:p14="http://schemas.microsoft.com/office/powerpoint/2010/main" val="3850233382"/>
+        <p14:creationId xmlns:p14="http://schemas.microsoft.com/office/powerpoint/2010/main" val="2244173081"/>
       </p:ext>
     </p:extLst>
   </p:cSld>
@@ -20381,31 +21982,6 @@
       </p:grpSpPr>
       <p:sp>
         <p:nvSpPr>
-          <p:cNvPr id="2" name="Content Placeholder 1">
-            <a:extLst>
-              <a:ext uri="{FF2B5EF4-FFF2-40B4-BE49-F238E27FC236}">
-                <a16:creationId xmlns:a16="http://schemas.microsoft.com/office/drawing/2014/main" id="{CB2F9C2C-AA45-400F-88E8-CD1B3077AB3B}"/>
-              </a:ext>
-            </a:extLst>
-          </p:cNvPr>
-          <p:cNvSpPr>
-            <a:spLocks noGrp="1"/>
-          </p:cNvSpPr>
-          <p:nvPr>
-            <p:ph idx="1"/>
-          </p:nvPr>
-        </p:nvSpPr>
-        <p:spPr/>
-        <p:txBody>
-          <a:bodyPr/>
-          <a:lstStyle/>
-          <a:p>
-            <a:endParaRPr lang="en-GB"/>
-          </a:p>
-        </p:txBody>
-      </p:sp>
-      <p:sp>
-        <p:nvSpPr>
           <p:cNvPr id="3" name="Title 2">
             <a:extLst>
               <a:ext uri="{FF2B5EF4-FFF2-40B4-BE49-F238E27FC236}">
@@ -20425,6 +22001,39 @@
           <a:bodyPr/>
           <a:lstStyle/>
           <a:p>
+            <a:r>
+              <a:rPr lang="it-IT" dirty="0"/>
+              <a:t>Preparation modules: </a:t>
+            </a:r>
+            <a:r>
+              <a:rPr lang="it-IT" sz="2800" dirty="0"/>
+              <a:t>electricity_access.R </a:t>
+            </a:r>
+            <a:endParaRPr lang="en-GB" dirty="0"/>
+          </a:p>
+        </p:txBody>
+      </p:sp>
+      <p:sp>
+        <p:nvSpPr>
+          <p:cNvPr id="6" name="Content Placeholder 5">
+            <a:extLst>
+              <a:ext uri="{FF2B5EF4-FFF2-40B4-BE49-F238E27FC236}">
+                <a16:creationId xmlns:a16="http://schemas.microsoft.com/office/drawing/2014/main" id="{15BB7098-01A5-4FE3-8F2B-79330CFBD1C0}"/>
+              </a:ext>
+            </a:extLst>
+          </p:cNvPr>
+          <p:cNvSpPr>
+            <a:spLocks noGrp="1"/>
+          </p:cNvSpPr>
+          <p:nvPr>
+            <p:ph idx="1"/>
+          </p:nvPr>
+        </p:nvSpPr>
+        <p:spPr/>
+        <p:txBody>
+          <a:bodyPr/>
+          <a:lstStyle/>
+          <a:p>
             <a:endParaRPr lang="en-GB"/>
           </a:p>
         </p:txBody>
@@ -20432,7 +22041,7 @@
     </p:spTree>
     <p:extLst>
       <p:ext uri="{BB962C8B-B14F-4D97-AF65-F5344CB8AC3E}">
-        <p14:creationId xmlns:p14="http://schemas.microsoft.com/office/powerpoint/2010/main" val="1055863009"/>
+        <p14:creationId xmlns:p14="http://schemas.microsoft.com/office/powerpoint/2010/main" val="2328512592"/>
       </p:ext>
     </p:extLst>
   </p:cSld>
@@ -20461,10 +22070,10 @@
       </p:grpSpPr>
       <p:sp>
         <p:nvSpPr>
-          <p:cNvPr id="3" name="Subtitle 2">
+          <p:cNvPr id="3" name="Title 2">
             <a:extLst>
               <a:ext uri="{FF2B5EF4-FFF2-40B4-BE49-F238E27FC236}">
-                <a16:creationId xmlns:a16="http://schemas.microsoft.com/office/drawing/2014/main" id="{77C75709-7FD6-409B-BB0F-34D94C848D58}"/>
+                <a16:creationId xmlns:a16="http://schemas.microsoft.com/office/drawing/2014/main" id="{A5055686-2292-40F4-BA41-0E2F5C414480}"/>
               </a:ext>
             </a:extLst>
           </p:cNvPr>
@@ -20472,42 +22081,57 @@
             <a:spLocks noGrp="1"/>
           </p:cNvSpPr>
           <p:nvPr>
-            <p:ph type="subTitle" idx="1"/>
+            <p:ph type="title"/>
           </p:nvPr>
         </p:nvSpPr>
-        <p:spPr>
-          <a:xfrm>
-            <a:off x="1377192" y="2928290"/>
-            <a:ext cx="3937191" cy="2224290"/>
-          </a:xfrm>
-        </p:spPr>
+        <p:spPr/>
         <p:txBody>
           <a:bodyPr>
-            <a:normAutofit fontScale="92500" lnSpcReduction="20000"/>
+            <a:normAutofit fontScale="90000"/>
           </a:bodyPr>
           <a:lstStyle/>
           <a:p>
             <a:r>
-              <a:rPr lang="it-IT" sz="3600" b="1" dirty="0"/>
-              <a:t>M-LED</a:t>
-            </a:r>
-          </a:p>
-          <a:p>
-            <a:endParaRPr lang="it-IT" sz="3600" b="1" dirty="0"/>
-          </a:p>
-          <a:p>
-            <a:r>
-              <a:rPr lang="it-IT" sz="3200" b="1" dirty="0"/>
-              <a:t>Scenarios and assumptions customisation</a:t>
-            </a:r>
-            <a:endParaRPr lang="en-GB" sz="3200" b="1" dirty="0"/>
+              <a:rPr lang="it-IT" dirty="0"/>
+              <a:t>Preparation modules: </a:t>
+            </a:r>
+            <a:r>
+              <a:rPr lang="it-IT" sz="2800" dirty="0"/>
+              <a:t>create_clusters_voronoi.R</a:t>
+            </a:r>
+            <a:endParaRPr lang="en-GB" dirty="0"/>
+          </a:p>
+        </p:txBody>
+      </p:sp>
+      <p:sp>
+        <p:nvSpPr>
+          <p:cNvPr id="6" name="Content Placeholder 5">
+            <a:extLst>
+              <a:ext uri="{FF2B5EF4-FFF2-40B4-BE49-F238E27FC236}">
+                <a16:creationId xmlns:a16="http://schemas.microsoft.com/office/drawing/2014/main" id="{15BB7098-01A5-4FE3-8F2B-79330CFBD1C0}"/>
+              </a:ext>
+            </a:extLst>
+          </p:cNvPr>
+          <p:cNvSpPr>
+            <a:spLocks noGrp="1"/>
+          </p:cNvSpPr>
+          <p:nvPr>
+            <p:ph idx="1"/>
+          </p:nvPr>
+        </p:nvSpPr>
+        <p:spPr/>
+        <p:txBody>
+          <a:bodyPr/>
+          <a:lstStyle/>
+          <a:p>
+            <a:endParaRPr lang="en-GB"/>
           </a:p>
         </p:txBody>
       </p:sp>
     </p:spTree>
     <p:extLst>
       <p:ext uri="{BB962C8B-B14F-4D97-AF65-F5344CB8AC3E}">
-        <p14:creationId xmlns:p14="http://schemas.microsoft.com/office/powerpoint/2010/main" val="3696454797"/>
+        <p14:creationId xmlns:p14="http://schemas.microsoft.com/office/powerpoint/2010/main" val="1178916276"/>
       </p:ext>
     </p:extLst>
   </p:cSld>
@@ -20536,31 +22160,6 @@
       </p:grpSpPr>
       <p:sp>
         <p:nvSpPr>
-          <p:cNvPr id="2" name="Content Placeholder 1">
-            <a:extLst>
-              <a:ext uri="{FF2B5EF4-FFF2-40B4-BE49-F238E27FC236}">
-                <a16:creationId xmlns:a16="http://schemas.microsoft.com/office/drawing/2014/main" id="{CB2F9C2C-AA45-400F-88E8-CD1B3077AB3B}"/>
-              </a:ext>
-            </a:extLst>
-          </p:cNvPr>
-          <p:cNvSpPr>
-            <a:spLocks noGrp="1"/>
-          </p:cNvSpPr>
-          <p:nvPr>
-            <p:ph idx="1"/>
-          </p:nvPr>
-        </p:nvSpPr>
-        <p:spPr/>
-        <p:txBody>
-          <a:bodyPr/>
-          <a:lstStyle/>
-          <a:p>
-            <a:endParaRPr lang="en-GB"/>
-          </a:p>
-        </p:txBody>
-      </p:sp>
-      <p:sp>
-        <p:nvSpPr>
           <p:cNvPr id="3" name="Title 2">
             <a:extLst>
               <a:ext uri="{FF2B5EF4-FFF2-40B4-BE49-F238E27FC236}">
@@ -20577,6 +22176,37 @@
         </p:nvSpPr>
         <p:spPr/>
         <p:txBody>
+          <a:bodyPr>
+            <a:normAutofit/>
+          </a:bodyPr>
+          <a:lstStyle/>
+          <a:p>
+            <a:r>
+              <a:rPr lang="it-IT" dirty="0"/>
+              <a:t>Demand modules: residential.R</a:t>
+            </a:r>
+            <a:endParaRPr lang="en-GB" dirty="0"/>
+          </a:p>
+        </p:txBody>
+      </p:sp>
+      <p:sp>
+        <p:nvSpPr>
+          <p:cNvPr id="6" name="Content Placeholder 5">
+            <a:extLst>
+              <a:ext uri="{FF2B5EF4-FFF2-40B4-BE49-F238E27FC236}">
+                <a16:creationId xmlns:a16="http://schemas.microsoft.com/office/drawing/2014/main" id="{15BB7098-01A5-4FE3-8F2B-79330CFBD1C0}"/>
+              </a:ext>
+            </a:extLst>
+          </p:cNvPr>
+          <p:cNvSpPr>
+            <a:spLocks noGrp="1"/>
+          </p:cNvSpPr>
+          <p:nvPr>
+            <p:ph idx="1"/>
+          </p:nvPr>
+        </p:nvSpPr>
+        <p:spPr/>
+        <p:txBody>
           <a:bodyPr/>
           <a:lstStyle/>
           <a:p>
@@ -20587,7 +22217,7 @@
     </p:spTree>
     <p:extLst>
       <p:ext uri="{BB962C8B-B14F-4D97-AF65-F5344CB8AC3E}">
-        <p14:creationId xmlns:p14="http://schemas.microsoft.com/office/powerpoint/2010/main" val="1752984535"/>
+        <p14:creationId xmlns:p14="http://schemas.microsoft.com/office/powerpoint/2010/main" val="325096614"/>
       </p:ext>
     </p:extLst>
   </p:cSld>
@@ -20616,10 +22246,10 @@
       </p:grpSpPr>
       <p:sp>
         <p:nvSpPr>
-          <p:cNvPr id="3" name="Subtitle 2">
+          <p:cNvPr id="3" name="Title 2">
             <a:extLst>
               <a:ext uri="{FF2B5EF4-FFF2-40B4-BE49-F238E27FC236}">
-                <a16:creationId xmlns:a16="http://schemas.microsoft.com/office/drawing/2014/main" id="{77C75709-7FD6-409B-BB0F-34D94C848D58}"/>
+                <a16:creationId xmlns:a16="http://schemas.microsoft.com/office/drawing/2014/main" id="{A5055686-2292-40F4-BA41-0E2F5C414480}"/>
               </a:ext>
             </a:extLst>
           </p:cNvPr>
@@ -20627,42 +22257,53 @@
             <a:spLocks noGrp="1"/>
           </p:cNvSpPr>
           <p:nvPr>
-            <p:ph type="subTitle" idx="1"/>
+            <p:ph type="title"/>
           </p:nvPr>
         </p:nvSpPr>
-        <p:spPr>
-          <a:xfrm>
-            <a:off x="1377192" y="2928290"/>
-            <a:ext cx="3937191" cy="2224290"/>
-          </a:xfrm>
-        </p:spPr>
+        <p:spPr/>
         <p:txBody>
           <a:bodyPr>
-            <a:normAutofit/>
+            <a:noAutofit/>
           </a:bodyPr>
           <a:lstStyle/>
           <a:p>
             <a:r>
-              <a:rPr lang="it-IT" sz="3600" b="1" dirty="0"/>
-              <a:t>M-LED</a:t>
-            </a:r>
-          </a:p>
-          <a:p>
-            <a:endParaRPr lang="it-IT" sz="3600" b="1" dirty="0"/>
-          </a:p>
-          <a:p>
-            <a:r>
-              <a:rPr lang="it-IT" sz="3200" b="1" dirty="0"/>
-              <a:t>FAQs</a:t>
-            </a:r>
-            <a:endParaRPr lang="en-GB" sz="3200" b="1" dirty="0"/>
+              <a:rPr lang="it-IT" sz="2000" dirty="0"/>
+              <a:t>Demand modules: crop_module.R and pumping_module.R</a:t>
+            </a:r>
+            <a:endParaRPr lang="en-GB" sz="2000" dirty="0"/>
+          </a:p>
+        </p:txBody>
+      </p:sp>
+      <p:sp>
+        <p:nvSpPr>
+          <p:cNvPr id="6" name="Content Placeholder 5">
+            <a:extLst>
+              <a:ext uri="{FF2B5EF4-FFF2-40B4-BE49-F238E27FC236}">
+                <a16:creationId xmlns:a16="http://schemas.microsoft.com/office/drawing/2014/main" id="{15BB7098-01A5-4FE3-8F2B-79330CFBD1C0}"/>
+              </a:ext>
+            </a:extLst>
+          </p:cNvPr>
+          <p:cNvSpPr>
+            <a:spLocks noGrp="1"/>
+          </p:cNvSpPr>
+          <p:nvPr>
+            <p:ph idx="1"/>
+          </p:nvPr>
+        </p:nvSpPr>
+        <p:spPr/>
+        <p:txBody>
+          <a:bodyPr/>
+          <a:lstStyle/>
+          <a:p>
+            <a:endParaRPr lang="en-GB" dirty="0"/>
           </a:p>
         </p:txBody>
       </p:sp>
     </p:spTree>
     <p:extLst>
       <p:ext uri="{BB962C8B-B14F-4D97-AF65-F5344CB8AC3E}">
-        <p14:creationId xmlns:p14="http://schemas.microsoft.com/office/powerpoint/2010/main" val="1895169104"/>
+        <p14:creationId xmlns:p14="http://schemas.microsoft.com/office/powerpoint/2010/main" val="303423452"/>
       </p:ext>
     </p:extLst>
   </p:cSld>
@@ -20798,6 +22439,609 @@
       </p:grpSpPr>
       <p:sp>
         <p:nvSpPr>
+          <p:cNvPr id="3" name="Title 2">
+            <a:extLst>
+              <a:ext uri="{FF2B5EF4-FFF2-40B4-BE49-F238E27FC236}">
+                <a16:creationId xmlns:a16="http://schemas.microsoft.com/office/drawing/2014/main" id="{A5055686-2292-40F4-BA41-0E2F5C414480}"/>
+              </a:ext>
+            </a:extLst>
+          </p:cNvPr>
+          <p:cNvSpPr>
+            <a:spLocks noGrp="1"/>
+          </p:cNvSpPr>
+          <p:nvPr>
+            <p:ph type="title"/>
+          </p:nvPr>
+        </p:nvSpPr>
+        <p:spPr/>
+        <p:txBody>
+          <a:bodyPr>
+            <a:normAutofit/>
+          </a:bodyPr>
+          <a:lstStyle/>
+          <a:p>
+            <a:r>
+              <a:rPr lang="it-IT" dirty="0"/>
+              <a:t>Demand modules: mining_module.R</a:t>
+            </a:r>
+            <a:endParaRPr lang="en-GB" dirty="0"/>
+          </a:p>
+        </p:txBody>
+      </p:sp>
+      <p:sp>
+        <p:nvSpPr>
+          <p:cNvPr id="6" name="Content Placeholder 5">
+            <a:extLst>
+              <a:ext uri="{FF2B5EF4-FFF2-40B4-BE49-F238E27FC236}">
+                <a16:creationId xmlns:a16="http://schemas.microsoft.com/office/drawing/2014/main" id="{15BB7098-01A5-4FE3-8F2B-79330CFBD1C0}"/>
+              </a:ext>
+            </a:extLst>
+          </p:cNvPr>
+          <p:cNvSpPr>
+            <a:spLocks noGrp="1"/>
+          </p:cNvSpPr>
+          <p:nvPr>
+            <p:ph idx="1"/>
+          </p:nvPr>
+        </p:nvSpPr>
+        <p:spPr/>
+        <p:txBody>
+          <a:bodyPr/>
+          <a:lstStyle/>
+          <a:p>
+            <a:endParaRPr lang="en-GB"/>
+          </a:p>
+        </p:txBody>
+      </p:sp>
+    </p:spTree>
+    <p:extLst>
+      <p:ext uri="{BB962C8B-B14F-4D97-AF65-F5344CB8AC3E}">
+        <p14:creationId xmlns:p14="http://schemas.microsoft.com/office/powerpoint/2010/main" val="279702798"/>
+      </p:ext>
+    </p:extLst>
+  </p:cSld>
+  <p:clrMapOvr>
+    <a:masterClrMapping/>
+  </p:clrMapOvr>
+</p:sld>
+</file>
+
+<file path=ppt/slides/slide31.xml><?xml version="1.0" encoding="utf-8"?>
+<p:sld xmlns:a="http://schemas.openxmlformats.org/drawingml/2006/main" xmlns:r="http://schemas.openxmlformats.org/officeDocument/2006/relationships" xmlns:p="http://schemas.openxmlformats.org/presentationml/2006/main">
+  <p:cSld>
+    <p:spTree>
+      <p:nvGrpSpPr>
+        <p:cNvPr id="1" name=""/>
+        <p:cNvGrpSpPr/>
+        <p:nvPr/>
+      </p:nvGrpSpPr>
+      <p:grpSpPr>
+        <a:xfrm>
+          <a:off x="0" y="0"/>
+          <a:ext cx="0" cy="0"/>
+          <a:chOff x="0" y="0"/>
+          <a:chExt cx="0" cy="0"/>
+        </a:xfrm>
+      </p:grpSpPr>
+      <p:sp>
+        <p:nvSpPr>
+          <p:cNvPr id="3" name="Title 2">
+            <a:extLst>
+              <a:ext uri="{FF2B5EF4-FFF2-40B4-BE49-F238E27FC236}">
+                <a16:creationId xmlns:a16="http://schemas.microsoft.com/office/drawing/2014/main" id="{A5055686-2292-40F4-BA41-0E2F5C414480}"/>
+              </a:ext>
+            </a:extLst>
+          </p:cNvPr>
+          <p:cNvSpPr>
+            <a:spLocks noGrp="1"/>
+          </p:cNvSpPr>
+          <p:nvPr>
+            <p:ph type="title"/>
+          </p:nvPr>
+        </p:nvSpPr>
+        <p:spPr/>
+        <p:txBody>
+          <a:bodyPr>
+            <a:normAutofit/>
+          </a:bodyPr>
+          <a:lstStyle/>
+          <a:p>
+            <a:r>
+              <a:rPr lang="it-IT" dirty="0"/>
+              <a:t>Demand modules: health_education_module.R</a:t>
+            </a:r>
+            <a:endParaRPr lang="en-GB" dirty="0"/>
+          </a:p>
+        </p:txBody>
+      </p:sp>
+      <p:sp>
+        <p:nvSpPr>
+          <p:cNvPr id="6" name="Content Placeholder 5">
+            <a:extLst>
+              <a:ext uri="{FF2B5EF4-FFF2-40B4-BE49-F238E27FC236}">
+                <a16:creationId xmlns:a16="http://schemas.microsoft.com/office/drawing/2014/main" id="{15BB7098-01A5-4FE3-8F2B-79330CFBD1C0}"/>
+              </a:ext>
+            </a:extLst>
+          </p:cNvPr>
+          <p:cNvSpPr>
+            <a:spLocks noGrp="1"/>
+          </p:cNvSpPr>
+          <p:nvPr>
+            <p:ph idx="1"/>
+          </p:nvPr>
+        </p:nvSpPr>
+        <p:spPr/>
+        <p:txBody>
+          <a:bodyPr/>
+          <a:lstStyle/>
+          <a:p>
+            <a:endParaRPr lang="en-GB"/>
+          </a:p>
+        </p:txBody>
+      </p:sp>
+    </p:spTree>
+    <p:extLst>
+      <p:ext uri="{BB962C8B-B14F-4D97-AF65-F5344CB8AC3E}">
+        <p14:creationId xmlns:p14="http://schemas.microsoft.com/office/powerpoint/2010/main" val="3426730092"/>
+      </p:ext>
+    </p:extLst>
+  </p:cSld>
+  <p:clrMapOvr>
+    <a:masterClrMapping/>
+  </p:clrMapOvr>
+</p:sld>
+</file>
+
+<file path=ppt/slides/slide32.xml><?xml version="1.0" encoding="utf-8"?>
+<p:sld xmlns:a="http://schemas.openxmlformats.org/drawingml/2006/main" xmlns:r="http://schemas.openxmlformats.org/officeDocument/2006/relationships" xmlns:p="http://schemas.openxmlformats.org/presentationml/2006/main">
+  <p:cSld>
+    <p:spTree>
+      <p:nvGrpSpPr>
+        <p:cNvPr id="1" name=""/>
+        <p:cNvGrpSpPr/>
+        <p:nvPr/>
+      </p:nvGrpSpPr>
+      <p:grpSpPr>
+        <a:xfrm>
+          <a:off x="0" y="0"/>
+          <a:ext cx="0" cy="0"/>
+          <a:chOff x="0" y="0"/>
+          <a:chExt cx="0" cy="0"/>
+        </a:xfrm>
+      </p:grpSpPr>
+      <p:sp>
+        <p:nvSpPr>
+          <p:cNvPr id="3" name="Title 2">
+            <a:extLst>
+              <a:ext uri="{FF2B5EF4-FFF2-40B4-BE49-F238E27FC236}">
+                <a16:creationId xmlns:a16="http://schemas.microsoft.com/office/drawing/2014/main" id="{A5055686-2292-40F4-BA41-0E2F5C414480}"/>
+              </a:ext>
+            </a:extLst>
+          </p:cNvPr>
+          <p:cNvSpPr>
+            <a:spLocks noGrp="1"/>
+          </p:cNvSpPr>
+          <p:nvPr>
+            <p:ph type="title"/>
+          </p:nvPr>
+        </p:nvSpPr>
+        <p:spPr/>
+        <p:txBody>
+          <a:bodyPr>
+            <a:noAutofit/>
+          </a:bodyPr>
+          <a:lstStyle/>
+          <a:p>
+            <a:r>
+              <a:rPr lang="it-IT" sz="2000" dirty="0"/>
+              <a:t>Demand modules: </a:t>
+            </a:r>
+            <a:r>
+              <a:rPr lang="en-GB" sz="2000" dirty="0" err="1"/>
+              <a:t>crop_processing_catchment_areas.R</a:t>
+            </a:r>
+            <a:endParaRPr lang="en-GB" sz="2000" dirty="0"/>
+          </a:p>
+        </p:txBody>
+      </p:sp>
+      <p:sp>
+        <p:nvSpPr>
+          <p:cNvPr id="6" name="Content Placeholder 5">
+            <a:extLst>
+              <a:ext uri="{FF2B5EF4-FFF2-40B4-BE49-F238E27FC236}">
+                <a16:creationId xmlns:a16="http://schemas.microsoft.com/office/drawing/2014/main" id="{15BB7098-01A5-4FE3-8F2B-79330CFBD1C0}"/>
+              </a:ext>
+            </a:extLst>
+          </p:cNvPr>
+          <p:cNvSpPr>
+            <a:spLocks noGrp="1"/>
+          </p:cNvSpPr>
+          <p:nvPr>
+            <p:ph idx="1"/>
+          </p:nvPr>
+        </p:nvSpPr>
+        <p:spPr/>
+        <p:txBody>
+          <a:bodyPr/>
+          <a:lstStyle/>
+          <a:p>
+            <a:endParaRPr lang="en-GB"/>
+          </a:p>
+        </p:txBody>
+      </p:sp>
+    </p:spTree>
+    <p:extLst>
+      <p:ext uri="{BB962C8B-B14F-4D97-AF65-F5344CB8AC3E}">
+        <p14:creationId xmlns:p14="http://schemas.microsoft.com/office/powerpoint/2010/main" val="2036977310"/>
+      </p:ext>
+    </p:extLst>
+  </p:cSld>
+  <p:clrMapOvr>
+    <a:masterClrMapping/>
+  </p:clrMapOvr>
+</p:sld>
+</file>
+
+<file path=ppt/slides/slide33.xml><?xml version="1.0" encoding="utf-8"?>
+<p:sld xmlns:a="http://schemas.openxmlformats.org/drawingml/2006/main" xmlns:r="http://schemas.openxmlformats.org/officeDocument/2006/relationships" xmlns:p="http://schemas.openxmlformats.org/presentationml/2006/main">
+  <p:cSld>
+    <p:spTree>
+      <p:nvGrpSpPr>
+        <p:cNvPr id="1" name=""/>
+        <p:cNvGrpSpPr/>
+        <p:nvPr/>
+      </p:nvGrpSpPr>
+      <p:grpSpPr>
+        <a:xfrm>
+          <a:off x="0" y="0"/>
+          <a:ext cx="0" cy="0"/>
+          <a:chOff x="0" y="0"/>
+          <a:chExt cx="0" cy="0"/>
+        </a:xfrm>
+      </p:grpSpPr>
+      <p:sp>
+        <p:nvSpPr>
+          <p:cNvPr id="3" name="Title 2">
+            <a:extLst>
+              <a:ext uri="{FF2B5EF4-FFF2-40B4-BE49-F238E27FC236}">
+                <a16:creationId xmlns:a16="http://schemas.microsoft.com/office/drawing/2014/main" id="{A5055686-2292-40F4-BA41-0E2F5C414480}"/>
+              </a:ext>
+            </a:extLst>
+          </p:cNvPr>
+          <p:cNvSpPr>
+            <a:spLocks noGrp="1"/>
+          </p:cNvSpPr>
+          <p:nvPr>
+            <p:ph type="title"/>
+          </p:nvPr>
+        </p:nvSpPr>
+        <p:spPr/>
+        <p:txBody>
+          <a:bodyPr>
+            <a:noAutofit/>
+          </a:bodyPr>
+          <a:lstStyle/>
+          <a:p>
+            <a:r>
+              <a:rPr lang="it-IT" sz="2000" dirty="0"/>
+              <a:t>Demand modules: </a:t>
+            </a:r>
+            <a:r>
+              <a:rPr lang="en-GB" sz="2000" dirty="0" err="1"/>
+              <a:t>other_productive.R</a:t>
+            </a:r>
+            <a:endParaRPr lang="en-GB" sz="2000" dirty="0"/>
+          </a:p>
+        </p:txBody>
+      </p:sp>
+      <p:sp>
+        <p:nvSpPr>
+          <p:cNvPr id="6" name="Content Placeholder 5">
+            <a:extLst>
+              <a:ext uri="{FF2B5EF4-FFF2-40B4-BE49-F238E27FC236}">
+                <a16:creationId xmlns:a16="http://schemas.microsoft.com/office/drawing/2014/main" id="{15BB7098-01A5-4FE3-8F2B-79330CFBD1C0}"/>
+              </a:ext>
+            </a:extLst>
+          </p:cNvPr>
+          <p:cNvSpPr>
+            <a:spLocks noGrp="1"/>
+          </p:cNvSpPr>
+          <p:nvPr>
+            <p:ph idx="1"/>
+          </p:nvPr>
+        </p:nvSpPr>
+        <p:spPr/>
+        <p:txBody>
+          <a:bodyPr/>
+          <a:lstStyle/>
+          <a:p>
+            <a:endParaRPr lang="en-GB"/>
+          </a:p>
+        </p:txBody>
+      </p:sp>
+    </p:spTree>
+    <p:extLst>
+      <p:ext uri="{BB962C8B-B14F-4D97-AF65-F5344CB8AC3E}">
+        <p14:creationId xmlns:p14="http://schemas.microsoft.com/office/powerpoint/2010/main" val="2192357902"/>
+      </p:ext>
+    </p:extLst>
+  </p:cSld>
+  <p:clrMapOvr>
+    <a:masterClrMapping/>
+  </p:clrMapOvr>
+</p:sld>
+</file>
+
+<file path=ppt/slides/slide34.xml><?xml version="1.0" encoding="utf-8"?>
+<p:sld xmlns:a="http://schemas.openxmlformats.org/drawingml/2006/main" xmlns:r="http://schemas.openxmlformats.org/officeDocument/2006/relationships" xmlns:p="http://schemas.openxmlformats.org/presentationml/2006/main">
+  <p:cSld>
+    <p:spTree>
+      <p:nvGrpSpPr>
+        <p:cNvPr id="1" name=""/>
+        <p:cNvGrpSpPr/>
+        <p:nvPr/>
+      </p:nvGrpSpPr>
+      <p:grpSpPr>
+        <a:xfrm>
+          <a:off x="0" y="0"/>
+          <a:ext cx="0" cy="0"/>
+          <a:chOff x="0" y="0"/>
+          <a:chExt cx="0" cy="0"/>
+        </a:xfrm>
+      </p:grpSpPr>
+      <p:sp>
+        <p:nvSpPr>
+          <p:cNvPr id="3" name="Title 2">
+            <a:extLst>
+              <a:ext uri="{FF2B5EF4-FFF2-40B4-BE49-F238E27FC236}">
+                <a16:creationId xmlns:a16="http://schemas.microsoft.com/office/drawing/2014/main" id="{A5055686-2292-40F4-BA41-0E2F5C414480}"/>
+              </a:ext>
+            </a:extLst>
+          </p:cNvPr>
+          <p:cNvSpPr>
+            <a:spLocks noGrp="1"/>
+          </p:cNvSpPr>
+          <p:nvPr>
+            <p:ph type="title"/>
+          </p:nvPr>
+        </p:nvSpPr>
+        <p:spPr/>
+        <p:txBody>
+          <a:bodyPr>
+            <a:noAutofit/>
+          </a:bodyPr>
+          <a:lstStyle/>
+          <a:p>
+            <a:r>
+              <a:rPr lang="it-IT" sz="2000" dirty="0"/>
+              <a:t>Demand modules: </a:t>
+            </a:r>
+            <a:r>
+              <a:rPr lang="en-GB" sz="2000" dirty="0" err="1"/>
+              <a:t>crop_processing.R</a:t>
+            </a:r>
+            <a:endParaRPr lang="en-GB" sz="2000" dirty="0"/>
+          </a:p>
+        </p:txBody>
+      </p:sp>
+      <p:sp>
+        <p:nvSpPr>
+          <p:cNvPr id="6" name="Content Placeholder 5">
+            <a:extLst>
+              <a:ext uri="{FF2B5EF4-FFF2-40B4-BE49-F238E27FC236}">
+                <a16:creationId xmlns:a16="http://schemas.microsoft.com/office/drawing/2014/main" id="{15BB7098-01A5-4FE3-8F2B-79330CFBD1C0}"/>
+              </a:ext>
+            </a:extLst>
+          </p:cNvPr>
+          <p:cNvSpPr>
+            <a:spLocks noGrp="1"/>
+          </p:cNvSpPr>
+          <p:nvPr>
+            <p:ph idx="1"/>
+          </p:nvPr>
+        </p:nvSpPr>
+        <p:spPr/>
+        <p:txBody>
+          <a:bodyPr/>
+          <a:lstStyle/>
+          <a:p>
+            <a:endParaRPr lang="en-GB"/>
+          </a:p>
+        </p:txBody>
+      </p:sp>
+    </p:spTree>
+    <p:extLst>
+      <p:ext uri="{BB962C8B-B14F-4D97-AF65-F5344CB8AC3E}">
+        <p14:creationId xmlns:p14="http://schemas.microsoft.com/office/powerpoint/2010/main" val="64034273"/>
+      </p:ext>
+    </p:extLst>
+  </p:cSld>
+  <p:clrMapOvr>
+    <a:masterClrMapping/>
+  </p:clrMapOvr>
+</p:sld>
+</file>
+
+<file path=ppt/slides/slide35.xml><?xml version="1.0" encoding="utf-8"?>
+<p:sld xmlns:a="http://schemas.openxmlformats.org/drawingml/2006/main" xmlns:r="http://schemas.openxmlformats.org/officeDocument/2006/relationships" xmlns:p="http://schemas.openxmlformats.org/presentationml/2006/main">
+  <p:cSld>
+    <p:spTree>
+      <p:nvGrpSpPr>
+        <p:cNvPr id="1" name=""/>
+        <p:cNvGrpSpPr/>
+        <p:nvPr/>
+      </p:nvGrpSpPr>
+      <p:grpSpPr>
+        <a:xfrm>
+          <a:off x="0" y="0"/>
+          <a:ext cx="0" cy="0"/>
+          <a:chOff x="0" y="0"/>
+          <a:chExt cx="0" cy="0"/>
+        </a:xfrm>
+      </p:grpSpPr>
+      <p:sp>
+        <p:nvSpPr>
+          <p:cNvPr id="3" name="Title 2">
+            <a:extLst>
+              <a:ext uri="{FF2B5EF4-FFF2-40B4-BE49-F238E27FC236}">
+                <a16:creationId xmlns:a16="http://schemas.microsoft.com/office/drawing/2014/main" id="{A5055686-2292-40F4-BA41-0E2F5C414480}"/>
+              </a:ext>
+            </a:extLst>
+          </p:cNvPr>
+          <p:cNvSpPr>
+            <a:spLocks noGrp="1"/>
+          </p:cNvSpPr>
+          <p:nvPr>
+            <p:ph type="title"/>
+          </p:nvPr>
+        </p:nvSpPr>
+        <p:spPr/>
+        <p:txBody>
+          <a:bodyPr>
+            <a:noAutofit/>
+          </a:bodyPr>
+          <a:lstStyle/>
+          <a:p>
+            <a:r>
+              <a:rPr lang="it-IT" sz="2000" dirty="0"/>
+              <a:t>Conclusive modules: cleaner.R</a:t>
+            </a:r>
+            <a:endParaRPr lang="en-GB" sz="2000" dirty="0"/>
+          </a:p>
+        </p:txBody>
+      </p:sp>
+      <p:sp>
+        <p:nvSpPr>
+          <p:cNvPr id="6" name="Content Placeholder 5">
+            <a:extLst>
+              <a:ext uri="{FF2B5EF4-FFF2-40B4-BE49-F238E27FC236}">
+                <a16:creationId xmlns:a16="http://schemas.microsoft.com/office/drawing/2014/main" id="{15BB7098-01A5-4FE3-8F2B-79330CFBD1C0}"/>
+              </a:ext>
+            </a:extLst>
+          </p:cNvPr>
+          <p:cNvSpPr>
+            <a:spLocks noGrp="1"/>
+          </p:cNvSpPr>
+          <p:nvPr>
+            <p:ph idx="1"/>
+          </p:nvPr>
+        </p:nvSpPr>
+        <p:spPr/>
+        <p:txBody>
+          <a:bodyPr/>
+          <a:lstStyle/>
+          <a:p>
+            <a:endParaRPr lang="en-GB"/>
+          </a:p>
+        </p:txBody>
+      </p:sp>
+    </p:spTree>
+    <p:extLst>
+      <p:ext uri="{BB962C8B-B14F-4D97-AF65-F5344CB8AC3E}">
+        <p14:creationId xmlns:p14="http://schemas.microsoft.com/office/powerpoint/2010/main" val="390480868"/>
+      </p:ext>
+    </p:extLst>
+  </p:cSld>
+  <p:clrMapOvr>
+    <a:masterClrMapping/>
+  </p:clrMapOvr>
+</p:sld>
+</file>
+
+<file path=ppt/slides/slide36.xml><?xml version="1.0" encoding="utf-8"?>
+<p:sld xmlns:a="http://schemas.openxmlformats.org/drawingml/2006/main" xmlns:r="http://schemas.openxmlformats.org/officeDocument/2006/relationships" xmlns:p="http://schemas.openxmlformats.org/presentationml/2006/main">
+  <p:cSld>
+    <p:spTree>
+      <p:nvGrpSpPr>
+        <p:cNvPr id="1" name=""/>
+        <p:cNvGrpSpPr/>
+        <p:nvPr/>
+      </p:nvGrpSpPr>
+      <p:grpSpPr>
+        <a:xfrm>
+          <a:off x="0" y="0"/>
+          <a:ext cx="0" cy="0"/>
+          <a:chOff x="0" y="0"/>
+          <a:chExt cx="0" cy="0"/>
+        </a:xfrm>
+      </p:grpSpPr>
+      <p:sp>
+        <p:nvSpPr>
+          <p:cNvPr id="3" name="Subtitle 2">
+            <a:extLst>
+              <a:ext uri="{FF2B5EF4-FFF2-40B4-BE49-F238E27FC236}">
+                <a16:creationId xmlns:a16="http://schemas.microsoft.com/office/drawing/2014/main" id="{77C75709-7FD6-409B-BB0F-34D94C848D58}"/>
+              </a:ext>
+            </a:extLst>
+          </p:cNvPr>
+          <p:cNvSpPr>
+            <a:spLocks noGrp="1"/>
+          </p:cNvSpPr>
+          <p:nvPr>
+            <p:ph type="subTitle" idx="1"/>
+          </p:nvPr>
+        </p:nvSpPr>
+        <p:spPr>
+          <a:xfrm>
+            <a:off x="1377192" y="2928290"/>
+            <a:ext cx="3937191" cy="2224290"/>
+          </a:xfrm>
+        </p:spPr>
+        <p:txBody>
+          <a:bodyPr>
+            <a:normAutofit fontScale="85000" lnSpcReduction="10000"/>
+          </a:bodyPr>
+          <a:lstStyle/>
+          <a:p>
+            <a:r>
+              <a:rPr lang="it-IT" sz="3600" b="1" dirty="0"/>
+              <a:t>M-LED</a:t>
+            </a:r>
+          </a:p>
+          <a:p>
+            <a:endParaRPr lang="it-IT" sz="3600" b="1" dirty="0"/>
+          </a:p>
+          <a:p>
+            <a:r>
+              <a:rPr lang="it-IT" sz="3200" b="1" dirty="0"/>
+              <a:t>Software, hardware, and data requirements</a:t>
+            </a:r>
+            <a:endParaRPr lang="en-GB" sz="3200" b="1" dirty="0"/>
+          </a:p>
+        </p:txBody>
+      </p:sp>
+    </p:spTree>
+    <p:extLst>
+      <p:ext uri="{BB962C8B-B14F-4D97-AF65-F5344CB8AC3E}">
+        <p14:creationId xmlns:p14="http://schemas.microsoft.com/office/powerpoint/2010/main" val="1552485995"/>
+      </p:ext>
+    </p:extLst>
+  </p:cSld>
+  <p:clrMapOvr>
+    <a:masterClrMapping/>
+  </p:clrMapOvr>
+</p:sld>
+</file>
+
+<file path=ppt/slides/slide37.xml><?xml version="1.0" encoding="utf-8"?>
+<p:sld xmlns:a="http://schemas.openxmlformats.org/drawingml/2006/main" xmlns:r="http://schemas.openxmlformats.org/officeDocument/2006/relationships" xmlns:p="http://schemas.openxmlformats.org/presentationml/2006/main">
+  <p:cSld>
+    <p:spTree>
+      <p:nvGrpSpPr>
+        <p:cNvPr id="1" name=""/>
+        <p:cNvGrpSpPr/>
+        <p:nvPr/>
+      </p:nvGrpSpPr>
+      <p:grpSpPr>
+        <a:xfrm>
+          <a:off x="0" y="0"/>
+          <a:ext cx="0" cy="0"/>
+          <a:chOff x="0" y="0"/>
+          <a:chExt cx="0" cy="0"/>
+        </a:xfrm>
+      </p:grpSpPr>
+      <p:sp>
+        <p:nvSpPr>
           <p:cNvPr id="2" name="Content Placeholder 1">
             <a:extLst>
               <a:ext uri="{FF2B5EF4-FFF2-40B4-BE49-F238E27FC236}">
@@ -20849,7 +23093,7 @@
     </p:spTree>
     <p:extLst>
       <p:ext uri="{BB962C8B-B14F-4D97-AF65-F5344CB8AC3E}">
-        <p14:creationId xmlns:p14="http://schemas.microsoft.com/office/powerpoint/2010/main" val="1697383470"/>
+        <p14:creationId xmlns:p14="http://schemas.microsoft.com/office/powerpoint/2010/main" val="4054388442"/>
       </p:ext>
     </p:extLst>
   </p:cSld>
@@ -20859,7 +23103,586 @@
 </p:sld>
 </file>
 
-<file path=ppt/slides/slide31.xml><?xml version="1.0" encoding="utf-8"?>
+<file path=ppt/slides/slide38.xml><?xml version="1.0" encoding="utf-8"?>
+<p:sld xmlns:a="http://schemas.openxmlformats.org/drawingml/2006/main" xmlns:r="http://schemas.openxmlformats.org/officeDocument/2006/relationships" xmlns:p="http://schemas.openxmlformats.org/presentationml/2006/main">
+  <p:cSld>
+    <p:spTree>
+      <p:nvGrpSpPr>
+        <p:cNvPr id="1" name=""/>
+        <p:cNvGrpSpPr/>
+        <p:nvPr/>
+      </p:nvGrpSpPr>
+      <p:grpSpPr>
+        <a:xfrm>
+          <a:off x="0" y="0"/>
+          <a:ext cx="0" cy="0"/>
+          <a:chOff x="0" y="0"/>
+          <a:chExt cx="0" cy="0"/>
+        </a:xfrm>
+      </p:grpSpPr>
+      <p:sp>
+        <p:nvSpPr>
+          <p:cNvPr id="3" name="Subtitle 2">
+            <a:extLst>
+              <a:ext uri="{FF2B5EF4-FFF2-40B4-BE49-F238E27FC236}">
+                <a16:creationId xmlns:a16="http://schemas.microsoft.com/office/drawing/2014/main" id="{77C75709-7FD6-409B-BB0F-34D94C848D58}"/>
+              </a:ext>
+            </a:extLst>
+          </p:cNvPr>
+          <p:cNvSpPr>
+            <a:spLocks noGrp="1"/>
+          </p:cNvSpPr>
+          <p:nvPr>
+            <p:ph type="subTitle" idx="1"/>
+          </p:nvPr>
+        </p:nvSpPr>
+        <p:spPr>
+          <a:xfrm>
+            <a:off x="1377192" y="2928290"/>
+            <a:ext cx="3937191" cy="2224290"/>
+          </a:xfrm>
+        </p:spPr>
+        <p:txBody>
+          <a:bodyPr>
+            <a:normAutofit lnSpcReduction="10000"/>
+          </a:bodyPr>
+          <a:lstStyle/>
+          <a:p>
+            <a:r>
+              <a:rPr lang="it-IT" sz="3600" b="1" dirty="0"/>
+              <a:t>M-LED</a:t>
+            </a:r>
+          </a:p>
+          <a:p>
+            <a:endParaRPr lang="it-IT" sz="3600" b="1" dirty="0"/>
+          </a:p>
+          <a:p>
+            <a:r>
+              <a:rPr lang="it-IT" sz="3200" b="1" dirty="0"/>
+              <a:t>Running </a:t>
+            </a:r>
+          </a:p>
+          <a:p>
+            <a:r>
+              <a:rPr lang="it-IT" sz="3200" b="1" dirty="0"/>
+              <a:t>M-LED</a:t>
+            </a:r>
+            <a:endParaRPr lang="en-GB" sz="3200" b="1" dirty="0"/>
+          </a:p>
+        </p:txBody>
+      </p:sp>
+    </p:spTree>
+    <p:extLst>
+      <p:ext uri="{BB962C8B-B14F-4D97-AF65-F5344CB8AC3E}">
+        <p14:creationId xmlns:p14="http://schemas.microsoft.com/office/powerpoint/2010/main" val="1946981135"/>
+      </p:ext>
+    </p:extLst>
+  </p:cSld>
+  <p:clrMapOvr>
+    <a:masterClrMapping/>
+  </p:clrMapOvr>
+</p:sld>
+</file>
+
+<file path=ppt/slides/slide39.xml><?xml version="1.0" encoding="utf-8"?>
+<p:sld xmlns:a="http://schemas.openxmlformats.org/drawingml/2006/main" xmlns:r="http://schemas.openxmlformats.org/officeDocument/2006/relationships" xmlns:p="http://schemas.openxmlformats.org/presentationml/2006/main">
+  <p:cSld>
+    <p:spTree>
+      <p:nvGrpSpPr>
+        <p:cNvPr id="1" name=""/>
+        <p:cNvGrpSpPr/>
+        <p:nvPr/>
+      </p:nvGrpSpPr>
+      <p:grpSpPr>
+        <a:xfrm>
+          <a:off x="0" y="0"/>
+          <a:ext cx="0" cy="0"/>
+          <a:chOff x="0" y="0"/>
+          <a:chExt cx="0" cy="0"/>
+        </a:xfrm>
+      </p:grpSpPr>
+      <p:sp>
+        <p:nvSpPr>
+          <p:cNvPr id="2" name="Content Placeholder 1">
+            <a:extLst>
+              <a:ext uri="{FF2B5EF4-FFF2-40B4-BE49-F238E27FC236}">
+                <a16:creationId xmlns:a16="http://schemas.microsoft.com/office/drawing/2014/main" id="{CB2F9C2C-AA45-400F-88E8-CD1B3077AB3B}"/>
+              </a:ext>
+            </a:extLst>
+          </p:cNvPr>
+          <p:cNvSpPr>
+            <a:spLocks noGrp="1"/>
+          </p:cNvSpPr>
+          <p:nvPr>
+            <p:ph idx="1"/>
+          </p:nvPr>
+        </p:nvSpPr>
+        <p:spPr/>
+        <p:txBody>
+          <a:bodyPr/>
+          <a:lstStyle/>
+          <a:p>
+            <a:endParaRPr lang="en-GB"/>
+          </a:p>
+        </p:txBody>
+      </p:sp>
+      <p:sp>
+        <p:nvSpPr>
+          <p:cNvPr id="3" name="Title 2">
+            <a:extLst>
+              <a:ext uri="{FF2B5EF4-FFF2-40B4-BE49-F238E27FC236}">
+                <a16:creationId xmlns:a16="http://schemas.microsoft.com/office/drawing/2014/main" id="{A5055686-2292-40F4-BA41-0E2F5C414480}"/>
+              </a:ext>
+            </a:extLst>
+          </p:cNvPr>
+          <p:cNvSpPr>
+            <a:spLocks noGrp="1"/>
+          </p:cNvSpPr>
+          <p:nvPr>
+            <p:ph type="title"/>
+          </p:nvPr>
+        </p:nvSpPr>
+        <p:spPr/>
+        <p:txBody>
+          <a:bodyPr/>
+          <a:lstStyle/>
+          <a:p>
+            <a:endParaRPr lang="en-GB"/>
+          </a:p>
+        </p:txBody>
+      </p:sp>
+    </p:spTree>
+    <p:extLst>
+      <p:ext uri="{BB962C8B-B14F-4D97-AF65-F5344CB8AC3E}">
+        <p14:creationId xmlns:p14="http://schemas.microsoft.com/office/powerpoint/2010/main" val="5800816"/>
+      </p:ext>
+    </p:extLst>
+  </p:cSld>
+  <p:clrMapOvr>
+    <a:masterClrMapping/>
+  </p:clrMapOvr>
+</p:sld>
+</file>
+
+<file path=ppt/slides/slide4.xml><?xml version="1.0" encoding="utf-8"?>
+<p:sld xmlns:a="http://schemas.openxmlformats.org/drawingml/2006/main" xmlns:r="http://schemas.openxmlformats.org/officeDocument/2006/relationships" xmlns:p="http://schemas.openxmlformats.org/presentationml/2006/main">
+  <p:cSld>
+    <p:spTree>
+      <p:nvGrpSpPr>
+        <p:cNvPr id="1" name=""/>
+        <p:cNvGrpSpPr/>
+        <p:nvPr/>
+      </p:nvGrpSpPr>
+      <p:grpSpPr>
+        <a:xfrm>
+          <a:off x="0" y="0"/>
+          <a:ext cx="0" cy="0"/>
+          <a:chOff x="0" y="0"/>
+          <a:chExt cx="0" cy="0"/>
+        </a:xfrm>
+      </p:grpSpPr>
+      <p:sp>
+        <p:nvSpPr>
+          <p:cNvPr id="8" name="Title 7">
+            <a:extLst>
+              <a:ext uri="{FF2B5EF4-FFF2-40B4-BE49-F238E27FC236}">
+                <a16:creationId xmlns:a16="http://schemas.microsoft.com/office/drawing/2014/main" id="{213AF172-0C11-4648-AEBF-F9D4F8C100B5}"/>
+              </a:ext>
+            </a:extLst>
+          </p:cNvPr>
+          <p:cNvSpPr>
+            <a:spLocks noGrp="1"/>
+          </p:cNvSpPr>
+          <p:nvPr>
+            <p:ph type="title"/>
+          </p:nvPr>
+        </p:nvSpPr>
+        <p:spPr/>
+        <p:txBody>
+          <a:bodyPr>
+            <a:normAutofit/>
+          </a:bodyPr>
+          <a:lstStyle/>
+          <a:p>
+            <a:r>
+              <a:rPr lang="it-IT" dirty="0"/>
+              <a:t>M-LED in the RE4AFAGRI modelling platform</a:t>
+            </a:r>
+          </a:p>
+        </p:txBody>
+      </p:sp>
+      <p:sp>
+        <p:nvSpPr>
+          <p:cNvPr id="2" name="TextBox 1">
+            <a:extLst>
+              <a:ext uri="{FF2B5EF4-FFF2-40B4-BE49-F238E27FC236}">
+                <a16:creationId xmlns:a16="http://schemas.microsoft.com/office/drawing/2014/main" id="{C7DCCBF2-3A5D-4584-8239-B78EB9333CB9}"/>
+              </a:ext>
+            </a:extLst>
+          </p:cNvPr>
+          <p:cNvSpPr txBox="1"/>
+          <p:nvPr/>
+        </p:nvSpPr>
+        <p:spPr>
+          <a:xfrm>
+            <a:off x="619432" y="1262462"/>
+            <a:ext cx="10076098" cy="461665"/>
+          </a:xfrm>
+          <a:prstGeom prst="rect">
+            <a:avLst/>
+          </a:prstGeom>
+          <a:noFill/>
+        </p:spPr>
+        <p:txBody>
+          <a:bodyPr wrap="square" rtlCol="0">
+            <a:spAutoFit/>
+          </a:bodyPr>
+          <a:lstStyle/>
+          <a:p>
+            <a:pPr marL="285750" indent="-285750">
+              <a:buFont typeface="Arial" panose="020B0604020202020204" pitchFamily="34" charset="0"/>
+              <a:buChar char="•"/>
+            </a:pPr>
+            <a:r>
+              <a:rPr lang="it-IT" sz="2400" dirty="0"/>
+              <a:t>M-LED is the </a:t>
+            </a:r>
+            <a:r>
+              <a:rPr lang="it-IT" sz="2400" b="1" dirty="0"/>
+              <a:t>energy demand </a:t>
+            </a:r>
+            <a:r>
+              <a:rPr lang="it-IT" sz="2400" dirty="0"/>
+              <a:t>module of the RE4AFAGRI modelling platform</a:t>
+            </a:r>
+            <a:endParaRPr lang="en-GB" sz="2400" dirty="0"/>
+          </a:p>
+        </p:txBody>
+      </p:sp>
+    </p:spTree>
+    <p:extLst>
+      <p:ext uri="{BB962C8B-B14F-4D97-AF65-F5344CB8AC3E}">
+        <p14:creationId xmlns:p14="http://schemas.microsoft.com/office/powerpoint/2010/main" val="2330002224"/>
+      </p:ext>
+    </p:extLst>
+  </p:cSld>
+  <p:clrMapOvr>
+    <a:masterClrMapping/>
+  </p:clrMapOvr>
+</p:sld>
+</file>
+
+<file path=ppt/slides/slide40.xml><?xml version="1.0" encoding="utf-8"?>
+<p:sld xmlns:a="http://schemas.openxmlformats.org/drawingml/2006/main" xmlns:r="http://schemas.openxmlformats.org/officeDocument/2006/relationships" xmlns:p="http://schemas.openxmlformats.org/presentationml/2006/main">
+  <p:cSld>
+    <p:spTree>
+      <p:nvGrpSpPr>
+        <p:cNvPr id="1" name=""/>
+        <p:cNvGrpSpPr/>
+        <p:nvPr/>
+      </p:nvGrpSpPr>
+      <p:grpSpPr>
+        <a:xfrm>
+          <a:off x="0" y="0"/>
+          <a:ext cx="0" cy="0"/>
+          <a:chOff x="0" y="0"/>
+          <a:chExt cx="0" cy="0"/>
+        </a:xfrm>
+      </p:grpSpPr>
+      <p:sp>
+        <p:nvSpPr>
+          <p:cNvPr id="3" name="Subtitle 2">
+            <a:extLst>
+              <a:ext uri="{FF2B5EF4-FFF2-40B4-BE49-F238E27FC236}">
+                <a16:creationId xmlns:a16="http://schemas.microsoft.com/office/drawing/2014/main" id="{77C75709-7FD6-409B-BB0F-34D94C848D58}"/>
+              </a:ext>
+            </a:extLst>
+          </p:cNvPr>
+          <p:cNvSpPr>
+            <a:spLocks noGrp="1"/>
+          </p:cNvSpPr>
+          <p:nvPr>
+            <p:ph type="subTitle" idx="1"/>
+          </p:nvPr>
+        </p:nvSpPr>
+        <p:spPr>
+          <a:xfrm>
+            <a:off x="1377192" y="2928290"/>
+            <a:ext cx="3937191" cy="2224290"/>
+          </a:xfrm>
+        </p:spPr>
+        <p:txBody>
+          <a:bodyPr>
+            <a:normAutofit fontScale="85000" lnSpcReduction="20000"/>
+          </a:bodyPr>
+          <a:lstStyle/>
+          <a:p>
+            <a:r>
+              <a:rPr lang="it-IT" sz="3600" b="1" dirty="0"/>
+              <a:t>M-LED</a:t>
+            </a:r>
+          </a:p>
+          <a:p>
+            <a:endParaRPr lang="it-IT" sz="3600" b="1" dirty="0"/>
+          </a:p>
+          <a:p>
+            <a:r>
+              <a:rPr lang="it-IT" sz="3200" b="1" dirty="0"/>
+              <a:t>Outputs and results visualisation and interpretation</a:t>
+            </a:r>
+            <a:endParaRPr lang="en-GB" sz="3200" b="1" dirty="0"/>
+          </a:p>
+        </p:txBody>
+      </p:sp>
+    </p:spTree>
+    <p:extLst>
+      <p:ext uri="{BB962C8B-B14F-4D97-AF65-F5344CB8AC3E}">
+        <p14:creationId xmlns:p14="http://schemas.microsoft.com/office/powerpoint/2010/main" val="3850233382"/>
+      </p:ext>
+    </p:extLst>
+  </p:cSld>
+  <p:clrMapOvr>
+    <a:masterClrMapping/>
+  </p:clrMapOvr>
+</p:sld>
+</file>
+
+<file path=ppt/slides/slide41.xml><?xml version="1.0" encoding="utf-8"?>
+<p:sld xmlns:a="http://schemas.openxmlformats.org/drawingml/2006/main" xmlns:r="http://schemas.openxmlformats.org/officeDocument/2006/relationships" xmlns:p="http://schemas.openxmlformats.org/presentationml/2006/main">
+  <p:cSld>
+    <p:spTree>
+      <p:nvGrpSpPr>
+        <p:cNvPr id="1" name=""/>
+        <p:cNvGrpSpPr/>
+        <p:nvPr/>
+      </p:nvGrpSpPr>
+      <p:grpSpPr>
+        <a:xfrm>
+          <a:off x="0" y="0"/>
+          <a:ext cx="0" cy="0"/>
+          <a:chOff x="0" y="0"/>
+          <a:chExt cx="0" cy="0"/>
+        </a:xfrm>
+      </p:grpSpPr>
+      <p:sp>
+        <p:nvSpPr>
+          <p:cNvPr id="2" name="Content Placeholder 1">
+            <a:extLst>
+              <a:ext uri="{FF2B5EF4-FFF2-40B4-BE49-F238E27FC236}">
+                <a16:creationId xmlns:a16="http://schemas.microsoft.com/office/drawing/2014/main" id="{CB2F9C2C-AA45-400F-88E8-CD1B3077AB3B}"/>
+              </a:ext>
+            </a:extLst>
+          </p:cNvPr>
+          <p:cNvSpPr>
+            <a:spLocks noGrp="1"/>
+          </p:cNvSpPr>
+          <p:nvPr>
+            <p:ph idx="1"/>
+          </p:nvPr>
+        </p:nvSpPr>
+        <p:spPr/>
+        <p:txBody>
+          <a:bodyPr/>
+          <a:lstStyle/>
+          <a:p>
+            <a:endParaRPr lang="en-GB"/>
+          </a:p>
+        </p:txBody>
+      </p:sp>
+      <p:sp>
+        <p:nvSpPr>
+          <p:cNvPr id="3" name="Title 2">
+            <a:extLst>
+              <a:ext uri="{FF2B5EF4-FFF2-40B4-BE49-F238E27FC236}">
+                <a16:creationId xmlns:a16="http://schemas.microsoft.com/office/drawing/2014/main" id="{A5055686-2292-40F4-BA41-0E2F5C414480}"/>
+              </a:ext>
+            </a:extLst>
+          </p:cNvPr>
+          <p:cNvSpPr>
+            <a:spLocks noGrp="1"/>
+          </p:cNvSpPr>
+          <p:nvPr>
+            <p:ph type="title"/>
+          </p:nvPr>
+        </p:nvSpPr>
+        <p:spPr/>
+        <p:txBody>
+          <a:bodyPr/>
+          <a:lstStyle/>
+          <a:p>
+            <a:endParaRPr lang="en-GB"/>
+          </a:p>
+        </p:txBody>
+      </p:sp>
+    </p:spTree>
+    <p:extLst>
+      <p:ext uri="{BB962C8B-B14F-4D97-AF65-F5344CB8AC3E}">
+        <p14:creationId xmlns:p14="http://schemas.microsoft.com/office/powerpoint/2010/main" val="1055863009"/>
+      </p:ext>
+    </p:extLst>
+  </p:cSld>
+  <p:clrMapOvr>
+    <a:masterClrMapping/>
+  </p:clrMapOvr>
+</p:sld>
+</file>
+
+<file path=ppt/slides/slide42.xml><?xml version="1.0" encoding="utf-8"?>
+<p:sld xmlns:a="http://schemas.openxmlformats.org/drawingml/2006/main" xmlns:r="http://schemas.openxmlformats.org/officeDocument/2006/relationships" xmlns:p="http://schemas.openxmlformats.org/presentationml/2006/main">
+  <p:cSld>
+    <p:spTree>
+      <p:nvGrpSpPr>
+        <p:cNvPr id="1" name=""/>
+        <p:cNvGrpSpPr/>
+        <p:nvPr/>
+      </p:nvGrpSpPr>
+      <p:grpSpPr>
+        <a:xfrm>
+          <a:off x="0" y="0"/>
+          <a:ext cx="0" cy="0"/>
+          <a:chOff x="0" y="0"/>
+          <a:chExt cx="0" cy="0"/>
+        </a:xfrm>
+      </p:grpSpPr>
+      <p:sp>
+        <p:nvSpPr>
+          <p:cNvPr id="3" name="Subtitle 2">
+            <a:extLst>
+              <a:ext uri="{FF2B5EF4-FFF2-40B4-BE49-F238E27FC236}">
+                <a16:creationId xmlns:a16="http://schemas.microsoft.com/office/drawing/2014/main" id="{77C75709-7FD6-409B-BB0F-34D94C848D58}"/>
+              </a:ext>
+            </a:extLst>
+          </p:cNvPr>
+          <p:cNvSpPr>
+            <a:spLocks noGrp="1"/>
+          </p:cNvSpPr>
+          <p:nvPr>
+            <p:ph type="subTitle" idx="1"/>
+          </p:nvPr>
+        </p:nvSpPr>
+        <p:spPr>
+          <a:xfrm>
+            <a:off x="1377192" y="2928290"/>
+            <a:ext cx="3937191" cy="2224290"/>
+          </a:xfrm>
+        </p:spPr>
+        <p:txBody>
+          <a:bodyPr>
+            <a:normAutofit fontScale="92500" lnSpcReduction="20000"/>
+          </a:bodyPr>
+          <a:lstStyle/>
+          <a:p>
+            <a:r>
+              <a:rPr lang="it-IT" sz="3600" b="1" dirty="0"/>
+              <a:t>M-LED</a:t>
+            </a:r>
+          </a:p>
+          <a:p>
+            <a:endParaRPr lang="it-IT" sz="3600" b="1" dirty="0"/>
+          </a:p>
+          <a:p>
+            <a:r>
+              <a:rPr lang="it-IT" sz="3200" b="1" dirty="0"/>
+              <a:t>Scenarios and assumptions customisation</a:t>
+            </a:r>
+            <a:endParaRPr lang="en-GB" sz="3200" b="1" dirty="0"/>
+          </a:p>
+        </p:txBody>
+      </p:sp>
+    </p:spTree>
+    <p:extLst>
+      <p:ext uri="{BB962C8B-B14F-4D97-AF65-F5344CB8AC3E}">
+        <p14:creationId xmlns:p14="http://schemas.microsoft.com/office/powerpoint/2010/main" val="3696454797"/>
+      </p:ext>
+    </p:extLst>
+  </p:cSld>
+  <p:clrMapOvr>
+    <a:masterClrMapping/>
+  </p:clrMapOvr>
+</p:sld>
+</file>
+
+<file path=ppt/slides/slide43.xml><?xml version="1.0" encoding="utf-8"?>
+<p:sld xmlns:a="http://schemas.openxmlformats.org/drawingml/2006/main" xmlns:r="http://schemas.openxmlformats.org/officeDocument/2006/relationships" xmlns:p="http://schemas.openxmlformats.org/presentationml/2006/main">
+  <p:cSld>
+    <p:spTree>
+      <p:nvGrpSpPr>
+        <p:cNvPr id="1" name=""/>
+        <p:cNvGrpSpPr/>
+        <p:nvPr/>
+      </p:nvGrpSpPr>
+      <p:grpSpPr>
+        <a:xfrm>
+          <a:off x="0" y="0"/>
+          <a:ext cx="0" cy="0"/>
+          <a:chOff x="0" y="0"/>
+          <a:chExt cx="0" cy="0"/>
+        </a:xfrm>
+      </p:grpSpPr>
+      <p:sp>
+        <p:nvSpPr>
+          <p:cNvPr id="2" name="Content Placeholder 1">
+            <a:extLst>
+              <a:ext uri="{FF2B5EF4-FFF2-40B4-BE49-F238E27FC236}">
+                <a16:creationId xmlns:a16="http://schemas.microsoft.com/office/drawing/2014/main" id="{CB2F9C2C-AA45-400F-88E8-CD1B3077AB3B}"/>
+              </a:ext>
+            </a:extLst>
+          </p:cNvPr>
+          <p:cNvSpPr>
+            <a:spLocks noGrp="1"/>
+          </p:cNvSpPr>
+          <p:nvPr>
+            <p:ph idx="1"/>
+          </p:nvPr>
+        </p:nvSpPr>
+        <p:spPr/>
+        <p:txBody>
+          <a:bodyPr/>
+          <a:lstStyle/>
+          <a:p>
+            <a:endParaRPr lang="en-GB"/>
+          </a:p>
+        </p:txBody>
+      </p:sp>
+      <p:sp>
+        <p:nvSpPr>
+          <p:cNvPr id="3" name="Title 2">
+            <a:extLst>
+              <a:ext uri="{FF2B5EF4-FFF2-40B4-BE49-F238E27FC236}">
+                <a16:creationId xmlns:a16="http://schemas.microsoft.com/office/drawing/2014/main" id="{A5055686-2292-40F4-BA41-0E2F5C414480}"/>
+              </a:ext>
+            </a:extLst>
+          </p:cNvPr>
+          <p:cNvSpPr>
+            <a:spLocks noGrp="1"/>
+          </p:cNvSpPr>
+          <p:nvPr>
+            <p:ph type="title"/>
+          </p:nvPr>
+        </p:nvSpPr>
+        <p:spPr/>
+        <p:txBody>
+          <a:bodyPr/>
+          <a:lstStyle/>
+          <a:p>
+            <a:endParaRPr lang="en-GB"/>
+          </a:p>
+        </p:txBody>
+      </p:sp>
+    </p:spTree>
+    <p:extLst>
+      <p:ext uri="{BB962C8B-B14F-4D97-AF65-F5344CB8AC3E}">
+        <p14:creationId xmlns:p14="http://schemas.microsoft.com/office/powerpoint/2010/main" val="1752984535"/>
+      </p:ext>
+    </p:extLst>
+  </p:cSld>
+  <p:clrMapOvr>
+    <a:masterClrMapping/>
+  </p:clrMapOvr>
+</p:sld>
+</file>
+
+<file path=ppt/slides/slide44.xml><?xml version="1.0" encoding="utf-8"?>
 <p:sld xmlns:a="http://schemas.openxmlformats.org/drawingml/2006/main" xmlns:r="http://schemas.openxmlformats.org/officeDocument/2006/relationships" xmlns:p="http://schemas.openxmlformats.org/presentationml/2006/main">
   <p:cSld>
     <p:spTree>
@@ -20915,7 +23738,7 @@
           <a:p>
             <a:r>
               <a:rPr lang="it-IT" sz="3200" b="1" dirty="0"/>
-              <a:t>Typical issues</a:t>
+              <a:t>Soft-linkages</a:t>
             </a:r>
             <a:endParaRPr lang="en-GB" sz="3200" b="1" dirty="0"/>
           </a:p>
@@ -20924,7 +23747,7 @@
     </p:spTree>
     <p:extLst>
       <p:ext uri="{BB962C8B-B14F-4D97-AF65-F5344CB8AC3E}">
-        <p14:creationId xmlns:p14="http://schemas.microsoft.com/office/powerpoint/2010/main" val="2938601558"/>
+        <p14:creationId xmlns:p14="http://schemas.microsoft.com/office/powerpoint/2010/main" val="584073175"/>
       </p:ext>
     </p:extLst>
   </p:cSld>
@@ -20934,7 +23757,7 @@
 </p:sld>
 </file>
 
-<file path=ppt/slides/slide32.xml><?xml version="1.0" encoding="utf-8"?>
+<file path=ppt/slides/slide45.xml><?xml version="1.0" encoding="utf-8"?>
 <p:sld xmlns:a="http://schemas.openxmlformats.org/drawingml/2006/main" xmlns:r="http://schemas.openxmlformats.org/officeDocument/2006/relationships" xmlns:p="http://schemas.openxmlformats.org/presentationml/2006/main">
   <p:cSld>
     <p:spTree>
@@ -20953,10 +23776,10 @@
       </p:grpSpPr>
       <p:sp>
         <p:nvSpPr>
-          <p:cNvPr id="2" name="Content Placeholder 1">
+          <p:cNvPr id="8" name="Title 7">
             <a:extLst>
               <a:ext uri="{FF2B5EF4-FFF2-40B4-BE49-F238E27FC236}">
-                <a16:creationId xmlns:a16="http://schemas.microsoft.com/office/drawing/2014/main" id="{CB2F9C2C-AA45-400F-88E8-CD1B3077AB3B}"/>
+                <a16:creationId xmlns:a16="http://schemas.microsoft.com/office/drawing/2014/main" id="{213AF172-0C11-4648-AEBF-F9D4F8C100B5}"/>
               </a:ext>
             </a:extLst>
           </p:cNvPr>
@@ -20964,18 +23787,579 @@
             <a:spLocks noGrp="1"/>
           </p:cNvSpPr>
           <p:nvPr>
-            <p:ph idx="1"/>
+            <p:ph type="title"/>
           </p:nvPr>
         </p:nvSpPr>
         <p:spPr/>
         <p:txBody>
-          <a:bodyPr/>
+          <a:bodyPr>
+            <a:normAutofit/>
+          </a:bodyPr>
           <a:lstStyle/>
           <a:p>
-            <a:endParaRPr lang="en-GB"/>
+            <a:r>
+              <a:rPr lang="it-IT" dirty="0"/>
+              <a:t>THE RE4AFAGRI modelling platform</a:t>
+            </a:r>
           </a:p>
         </p:txBody>
       </p:sp>
+      <p:pic>
+        <p:nvPicPr>
+          <p:cNvPr id="1026" name="Picture 2">
+            <a:extLst>
+              <a:ext uri="{FF2B5EF4-FFF2-40B4-BE49-F238E27FC236}">
+                <a16:creationId xmlns:a16="http://schemas.microsoft.com/office/drawing/2014/main" id="{CDAA4E68-3E2A-4F18-B0C0-D9F5A514BA07}"/>
+              </a:ext>
+            </a:extLst>
+          </p:cNvPr>
+          <p:cNvPicPr>
+            <a:picLocks noChangeAspect="1" noChangeArrowheads="1"/>
+          </p:cNvPicPr>
+          <p:nvPr/>
+        </p:nvPicPr>
+        <p:blipFill>
+          <a:blip r:embed="rId2">
+            <a:extLst>
+              <a:ext uri="{28A0092B-C50C-407E-A947-70E740481C1C}">
+                <a14:useLocalDpi xmlns:a14="http://schemas.microsoft.com/office/drawing/2010/main" val="0"/>
+              </a:ext>
+            </a:extLst>
+          </a:blip>
+          <a:srcRect/>
+          <a:stretch>
+            <a:fillRect/>
+          </a:stretch>
+        </p:blipFill>
+        <p:spPr bwMode="auto">
+          <a:xfrm>
+            <a:off x="1323983" y="1622020"/>
+            <a:ext cx="8957388" cy="4884576"/>
+          </a:xfrm>
+          <a:prstGeom prst="rect">
+            <a:avLst/>
+          </a:prstGeom>
+          <a:noFill/>
+          <a:extLst>
+            <a:ext uri="{909E8E84-426E-40DD-AFC4-6F175D3DCCD1}">
+              <a14:hiddenFill xmlns:a14="http://schemas.microsoft.com/office/drawing/2010/main">
+                <a:solidFill>
+                  <a:srgbClr val="FFFFFF"/>
+                </a:solidFill>
+              </a14:hiddenFill>
+            </a:ext>
+          </a:extLst>
+        </p:spPr>
+      </p:pic>
+      <p:sp>
+        <p:nvSpPr>
+          <p:cNvPr id="2" name="Oval 1">
+            <a:extLst>
+              <a:ext uri="{FF2B5EF4-FFF2-40B4-BE49-F238E27FC236}">
+                <a16:creationId xmlns:a16="http://schemas.microsoft.com/office/drawing/2014/main" id="{ABB79266-55E3-4938-9B66-8BCD3346AC9F}"/>
+              </a:ext>
+            </a:extLst>
+          </p:cNvPr>
+          <p:cNvSpPr/>
+          <p:nvPr/>
+        </p:nvSpPr>
+        <p:spPr>
+          <a:xfrm>
+            <a:off x="4353723" y="1622020"/>
+            <a:ext cx="3020469" cy="1085481"/>
+          </a:xfrm>
+          <a:prstGeom prst="ellipse">
+            <a:avLst/>
+          </a:prstGeom>
+          <a:noFill/>
+          <a:ln w="38100">
+            <a:solidFill>
+              <a:srgbClr val="FF0000"/>
+            </a:solidFill>
+            <a:prstDash val="dash"/>
+          </a:ln>
+        </p:spPr>
+        <p:style>
+          <a:lnRef idx="2">
+            <a:schemeClr val="accent1">
+              <a:shade val="50000"/>
+            </a:schemeClr>
+          </a:lnRef>
+          <a:fillRef idx="1">
+            <a:schemeClr val="accent1"/>
+          </a:fillRef>
+          <a:effectRef idx="0">
+            <a:schemeClr val="accent1"/>
+          </a:effectRef>
+          <a:fontRef idx="minor">
+            <a:schemeClr val="lt1"/>
+          </a:fontRef>
+        </p:style>
+        <p:txBody>
+          <a:bodyPr rtlCol="0" anchor="ctr"/>
+          <a:lstStyle/>
+          <a:p>
+            <a:pPr algn="ctr"/>
+            <a:endParaRPr lang="en-GB"/>
+          </a:p>
+        </p:txBody>
+      </p:sp>
+      <p:sp>
+        <p:nvSpPr>
+          <p:cNvPr id="3" name="TextBox 2">
+            <a:extLst>
+              <a:ext uri="{FF2B5EF4-FFF2-40B4-BE49-F238E27FC236}">
+                <a16:creationId xmlns:a16="http://schemas.microsoft.com/office/drawing/2014/main" id="{BC046C3E-5180-4F76-BAF1-C59EEDEA69D6}"/>
+              </a:ext>
+            </a:extLst>
+          </p:cNvPr>
+          <p:cNvSpPr txBox="1"/>
+          <p:nvPr/>
+        </p:nvSpPr>
+        <p:spPr>
+          <a:xfrm>
+            <a:off x="5067547" y="1192682"/>
+            <a:ext cx="3309538" cy="369332"/>
+          </a:xfrm>
+          <a:prstGeom prst="rect">
+            <a:avLst/>
+          </a:prstGeom>
+          <a:noFill/>
+        </p:spPr>
+        <p:txBody>
+          <a:bodyPr wrap="square" rtlCol="0">
+            <a:spAutoFit/>
+          </a:bodyPr>
+          <a:lstStyle/>
+          <a:p>
+            <a:r>
+              <a:rPr lang="it-IT" dirty="0"/>
+              <a:t>Receiving inputs</a:t>
+            </a:r>
+            <a:endParaRPr lang="en-GB" dirty="0"/>
+          </a:p>
+        </p:txBody>
+      </p:sp>
+      <p:sp>
+        <p:nvSpPr>
+          <p:cNvPr id="11" name="Oval 10">
+            <a:extLst>
+              <a:ext uri="{FF2B5EF4-FFF2-40B4-BE49-F238E27FC236}">
+                <a16:creationId xmlns:a16="http://schemas.microsoft.com/office/drawing/2014/main" id="{5B30B395-ABFE-4F70-B662-606AE3E9D310}"/>
+              </a:ext>
+            </a:extLst>
+          </p:cNvPr>
+          <p:cNvSpPr/>
+          <p:nvPr/>
+        </p:nvSpPr>
+        <p:spPr>
+          <a:xfrm>
+            <a:off x="7260902" y="2918821"/>
+            <a:ext cx="3020469" cy="1085481"/>
+          </a:xfrm>
+          <a:prstGeom prst="ellipse">
+            <a:avLst/>
+          </a:prstGeom>
+          <a:noFill/>
+          <a:ln w="38100">
+            <a:solidFill>
+              <a:srgbClr val="002060"/>
+            </a:solidFill>
+            <a:prstDash val="dash"/>
+          </a:ln>
+        </p:spPr>
+        <p:style>
+          <a:lnRef idx="2">
+            <a:schemeClr val="accent1">
+              <a:shade val="50000"/>
+            </a:schemeClr>
+          </a:lnRef>
+          <a:fillRef idx="1">
+            <a:schemeClr val="accent1"/>
+          </a:fillRef>
+          <a:effectRef idx="0">
+            <a:schemeClr val="accent1"/>
+          </a:effectRef>
+          <a:fontRef idx="minor">
+            <a:schemeClr val="lt1"/>
+          </a:fontRef>
+        </p:style>
+        <p:txBody>
+          <a:bodyPr rtlCol="0" anchor="ctr"/>
+          <a:lstStyle/>
+          <a:p>
+            <a:pPr algn="ctr"/>
+            <a:endParaRPr lang="en-GB"/>
+          </a:p>
+        </p:txBody>
+      </p:sp>
+      <p:sp>
+        <p:nvSpPr>
+          <p:cNvPr id="12" name="TextBox 11">
+            <a:extLst>
+              <a:ext uri="{FF2B5EF4-FFF2-40B4-BE49-F238E27FC236}">
+                <a16:creationId xmlns:a16="http://schemas.microsoft.com/office/drawing/2014/main" id="{F57A1528-EDED-4323-87D1-F587486FF8A9}"/>
+              </a:ext>
+            </a:extLst>
+          </p:cNvPr>
+          <p:cNvSpPr txBox="1"/>
+          <p:nvPr/>
+        </p:nvSpPr>
+        <p:spPr>
+          <a:xfrm>
+            <a:off x="9432467" y="2595405"/>
+            <a:ext cx="3309538" cy="369332"/>
+          </a:xfrm>
+          <a:prstGeom prst="rect">
+            <a:avLst/>
+          </a:prstGeom>
+          <a:noFill/>
+        </p:spPr>
+        <p:txBody>
+          <a:bodyPr wrap="square" rtlCol="0">
+            <a:spAutoFit/>
+          </a:bodyPr>
+          <a:lstStyle/>
+          <a:p>
+            <a:r>
+              <a:rPr lang="it-IT" dirty="0"/>
+              <a:t>Providing outputs</a:t>
+            </a:r>
+            <a:endParaRPr lang="en-GB" dirty="0"/>
+          </a:p>
+        </p:txBody>
+      </p:sp>
+      <p:sp>
+        <p:nvSpPr>
+          <p:cNvPr id="15" name="Oval 14">
+            <a:extLst>
+              <a:ext uri="{FF2B5EF4-FFF2-40B4-BE49-F238E27FC236}">
+                <a16:creationId xmlns:a16="http://schemas.microsoft.com/office/drawing/2014/main" id="{00AB17E4-1D82-4104-B268-F11E883F24D4}"/>
+              </a:ext>
+            </a:extLst>
+          </p:cNvPr>
+          <p:cNvSpPr/>
+          <p:nvPr/>
+        </p:nvSpPr>
+        <p:spPr>
+          <a:xfrm rot="21007227">
+            <a:off x="4164445" y="2971412"/>
+            <a:ext cx="3020469" cy="1085481"/>
+          </a:xfrm>
+          <a:prstGeom prst="ellipse">
+            <a:avLst/>
+          </a:prstGeom>
+          <a:noFill/>
+          <a:ln w="38100">
+            <a:solidFill>
+              <a:srgbClr val="002060"/>
+            </a:solidFill>
+            <a:prstDash val="dash"/>
+          </a:ln>
+        </p:spPr>
+        <p:style>
+          <a:lnRef idx="2">
+            <a:schemeClr val="accent1">
+              <a:shade val="50000"/>
+            </a:schemeClr>
+          </a:lnRef>
+          <a:fillRef idx="1">
+            <a:schemeClr val="accent1"/>
+          </a:fillRef>
+          <a:effectRef idx="0">
+            <a:schemeClr val="accent1"/>
+          </a:effectRef>
+          <a:fontRef idx="minor">
+            <a:schemeClr val="lt1"/>
+          </a:fontRef>
+        </p:style>
+        <p:txBody>
+          <a:bodyPr rtlCol="0" anchor="ctr"/>
+          <a:lstStyle/>
+          <a:p>
+            <a:pPr algn="ctr"/>
+            <a:endParaRPr lang="en-GB"/>
+          </a:p>
+        </p:txBody>
+      </p:sp>
+    </p:spTree>
+    <p:extLst>
+      <p:ext uri="{BB962C8B-B14F-4D97-AF65-F5344CB8AC3E}">
+        <p14:creationId xmlns:p14="http://schemas.microsoft.com/office/powerpoint/2010/main" val="1897189060"/>
+      </p:ext>
+    </p:extLst>
+  </p:cSld>
+  <p:clrMapOvr>
+    <a:masterClrMapping/>
+  </p:clrMapOvr>
+  <p:timing>
+    <p:tnLst>
+      <p:par>
+        <p:cTn id="1" dur="indefinite" restart="never" nodeType="tmRoot">
+          <p:childTnLst>
+            <p:seq concurrent="1" nextAc="seek">
+              <p:cTn id="2" dur="indefinite" nodeType="mainSeq">
+                <p:childTnLst>
+                  <p:par>
+                    <p:cTn id="3" fill="hold">
+                      <p:stCondLst>
+                        <p:cond delay="indefinite"/>
+                      </p:stCondLst>
+                      <p:childTnLst>
+                        <p:par>
+                          <p:cTn id="4" fill="hold">
+                            <p:stCondLst>
+                              <p:cond delay="0"/>
+                            </p:stCondLst>
+                            <p:childTnLst>
+                              <p:par>
+                                <p:cTn id="5" presetID="10" presetClass="entr" presetSubtype="0" fill="hold" grpId="0" nodeType="clickEffect">
+                                  <p:stCondLst>
+                                    <p:cond delay="0"/>
+                                  </p:stCondLst>
+                                  <p:childTnLst>
+                                    <p:set>
+                                      <p:cBhvr>
+                                        <p:cTn id="6" dur="1" fill="hold">
+                                          <p:stCondLst>
+                                            <p:cond delay="0"/>
+                                          </p:stCondLst>
+                                        </p:cTn>
+                                        <p:tgtEl>
+                                          <p:spTgt spid="2"/>
+                                        </p:tgtEl>
+                                        <p:attrNameLst>
+                                          <p:attrName>style.visibility</p:attrName>
+                                        </p:attrNameLst>
+                                      </p:cBhvr>
+                                      <p:to>
+                                        <p:strVal val="visible"/>
+                                      </p:to>
+                                    </p:set>
+                                    <p:animEffect transition="in" filter="fade">
+                                      <p:cBhvr>
+                                        <p:cTn id="7" dur="500"/>
+                                        <p:tgtEl>
+                                          <p:spTgt spid="2"/>
+                                        </p:tgtEl>
+                                      </p:cBhvr>
+                                    </p:animEffect>
+                                  </p:childTnLst>
+                                </p:cTn>
+                              </p:par>
+                              <p:par>
+                                <p:cTn id="8" presetID="10" presetClass="entr" presetSubtype="0" fill="hold" grpId="0" nodeType="withEffect">
+                                  <p:stCondLst>
+                                    <p:cond delay="0"/>
+                                  </p:stCondLst>
+                                  <p:childTnLst>
+                                    <p:set>
+                                      <p:cBhvr>
+                                        <p:cTn id="9" dur="1" fill="hold">
+                                          <p:stCondLst>
+                                            <p:cond delay="0"/>
+                                          </p:stCondLst>
+                                        </p:cTn>
+                                        <p:tgtEl>
+                                          <p:spTgt spid="3"/>
+                                        </p:tgtEl>
+                                        <p:attrNameLst>
+                                          <p:attrName>style.visibility</p:attrName>
+                                        </p:attrNameLst>
+                                      </p:cBhvr>
+                                      <p:to>
+                                        <p:strVal val="visible"/>
+                                      </p:to>
+                                    </p:set>
+                                    <p:animEffect transition="in" filter="fade">
+                                      <p:cBhvr>
+                                        <p:cTn id="10" dur="500"/>
+                                        <p:tgtEl>
+                                          <p:spTgt spid="3"/>
+                                        </p:tgtEl>
+                                      </p:cBhvr>
+                                    </p:animEffect>
+                                  </p:childTnLst>
+                                </p:cTn>
+                              </p:par>
+                            </p:childTnLst>
+                          </p:cTn>
+                        </p:par>
+                      </p:childTnLst>
+                    </p:cTn>
+                  </p:par>
+                  <p:par>
+                    <p:cTn id="11" fill="hold">
+                      <p:stCondLst>
+                        <p:cond delay="indefinite"/>
+                      </p:stCondLst>
+                      <p:childTnLst>
+                        <p:par>
+                          <p:cTn id="12" fill="hold">
+                            <p:stCondLst>
+                              <p:cond delay="0"/>
+                            </p:stCondLst>
+                            <p:childTnLst>
+                              <p:par>
+                                <p:cTn id="13" presetID="10" presetClass="entr" presetSubtype="0" fill="hold" grpId="0" nodeType="clickEffect">
+                                  <p:stCondLst>
+                                    <p:cond delay="0"/>
+                                  </p:stCondLst>
+                                  <p:childTnLst>
+                                    <p:set>
+                                      <p:cBhvr>
+                                        <p:cTn id="14" dur="1" fill="hold">
+                                          <p:stCondLst>
+                                            <p:cond delay="0"/>
+                                          </p:stCondLst>
+                                        </p:cTn>
+                                        <p:tgtEl>
+                                          <p:spTgt spid="15"/>
+                                        </p:tgtEl>
+                                        <p:attrNameLst>
+                                          <p:attrName>style.visibility</p:attrName>
+                                        </p:attrNameLst>
+                                      </p:cBhvr>
+                                      <p:to>
+                                        <p:strVal val="visible"/>
+                                      </p:to>
+                                    </p:set>
+                                    <p:animEffect transition="in" filter="fade">
+                                      <p:cBhvr>
+                                        <p:cTn id="15" dur="500"/>
+                                        <p:tgtEl>
+                                          <p:spTgt spid="15"/>
+                                        </p:tgtEl>
+                                      </p:cBhvr>
+                                    </p:animEffect>
+                                  </p:childTnLst>
+                                </p:cTn>
+                              </p:par>
+                              <p:par>
+                                <p:cTn id="16" presetID="10" presetClass="entr" presetSubtype="0" fill="hold" grpId="0" nodeType="withEffect">
+                                  <p:stCondLst>
+                                    <p:cond delay="0"/>
+                                  </p:stCondLst>
+                                  <p:childTnLst>
+                                    <p:set>
+                                      <p:cBhvr>
+                                        <p:cTn id="17" dur="1" fill="hold">
+                                          <p:stCondLst>
+                                            <p:cond delay="0"/>
+                                          </p:stCondLst>
+                                        </p:cTn>
+                                        <p:tgtEl>
+                                          <p:spTgt spid="11"/>
+                                        </p:tgtEl>
+                                        <p:attrNameLst>
+                                          <p:attrName>style.visibility</p:attrName>
+                                        </p:attrNameLst>
+                                      </p:cBhvr>
+                                      <p:to>
+                                        <p:strVal val="visible"/>
+                                      </p:to>
+                                    </p:set>
+                                    <p:animEffect transition="in" filter="fade">
+                                      <p:cBhvr>
+                                        <p:cTn id="18" dur="500"/>
+                                        <p:tgtEl>
+                                          <p:spTgt spid="11"/>
+                                        </p:tgtEl>
+                                      </p:cBhvr>
+                                    </p:animEffect>
+                                  </p:childTnLst>
+                                </p:cTn>
+                              </p:par>
+                              <p:par>
+                                <p:cTn id="19" presetID="10" presetClass="entr" presetSubtype="0" fill="hold" grpId="0" nodeType="withEffect">
+                                  <p:stCondLst>
+                                    <p:cond delay="0"/>
+                                  </p:stCondLst>
+                                  <p:childTnLst>
+                                    <p:set>
+                                      <p:cBhvr>
+                                        <p:cTn id="20" dur="1" fill="hold">
+                                          <p:stCondLst>
+                                            <p:cond delay="0"/>
+                                          </p:stCondLst>
+                                        </p:cTn>
+                                        <p:tgtEl>
+                                          <p:spTgt spid="12"/>
+                                        </p:tgtEl>
+                                        <p:attrNameLst>
+                                          <p:attrName>style.visibility</p:attrName>
+                                        </p:attrNameLst>
+                                      </p:cBhvr>
+                                      <p:to>
+                                        <p:strVal val="visible"/>
+                                      </p:to>
+                                    </p:set>
+                                    <p:animEffect transition="in" filter="fade">
+                                      <p:cBhvr>
+                                        <p:cTn id="21" dur="500"/>
+                                        <p:tgtEl>
+                                          <p:spTgt spid="12"/>
+                                        </p:tgtEl>
+                                      </p:cBhvr>
+                                    </p:animEffect>
+                                  </p:childTnLst>
+                                </p:cTn>
+                              </p:par>
+                            </p:childTnLst>
+                          </p:cTn>
+                        </p:par>
+                      </p:childTnLst>
+                    </p:cTn>
+                  </p:par>
+                </p:childTnLst>
+              </p:cTn>
+              <p:prevCondLst>
+                <p:cond evt="onPrev" delay="0">
+                  <p:tgtEl>
+                    <p:sldTgt/>
+                  </p:tgtEl>
+                </p:cond>
+              </p:prevCondLst>
+              <p:nextCondLst>
+                <p:cond evt="onNext" delay="0">
+                  <p:tgtEl>
+                    <p:sldTgt/>
+                  </p:tgtEl>
+                </p:cond>
+              </p:nextCondLst>
+            </p:seq>
+          </p:childTnLst>
+        </p:cTn>
+      </p:par>
+    </p:tnLst>
+    <p:bldLst>
+      <p:bldP spid="2" grpId="0" animBg="1"/>
+      <p:bldP spid="3" grpId="0"/>
+      <p:bldP spid="11" grpId="0" animBg="1"/>
+      <p:bldP spid="12" grpId="0"/>
+      <p:bldP spid="15" grpId="0" animBg="1"/>
+    </p:bldLst>
+  </p:timing>
+</p:sld>
+</file>
+
+<file path=ppt/slides/slide46.xml><?xml version="1.0" encoding="utf-8"?>
+<p:sld xmlns:a="http://schemas.openxmlformats.org/drawingml/2006/main" xmlns:r="http://schemas.openxmlformats.org/officeDocument/2006/relationships" xmlns:p="http://schemas.openxmlformats.org/presentationml/2006/main">
+  <p:cSld>
+    <p:spTree>
+      <p:nvGrpSpPr>
+        <p:cNvPr id="1" name=""/>
+        <p:cNvGrpSpPr/>
+        <p:nvPr/>
+      </p:nvGrpSpPr>
+      <p:grpSpPr>
+        <a:xfrm>
+          <a:off x="0" y="0"/>
+          <a:ext cx="0" cy="0"/>
+          <a:chOff x="0" y="0"/>
+          <a:chExt cx="0" cy="0"/>
+        </a:xfrm>
+      </p:grpSpPr>
       <p:sp>
         <p:nvSpPr>
           <p:cNvPr id="3" name="Title 2">
@@ -20997,14 +24381,68 @@
           <a:bodyPr/>
           <a:lstStyle/>
           <a:p>
-            <a:endParaRPr lang="en-GB"/>
+            <a:r>
+              <a:rPr lang="it-IT" dirty="0"/>
+              <a:t>Input linkages of M-LED</a:t>
+            </a:r>
+            <a:endParaRPr lang="en-GB" dirty="0"/>
+          </a:p>
+        </p:txBody>
+      </p:sp>
+      <p:sp>
+        <p:nvSpPr>
+          <p:cNvPr id="4" name="TextBox 3">
+            <a:extLst>
+              <a:ext uri="{FF2B5EF4-FFF2-40B4-BE49-F238E27FC236}">
+                <a16:creationId xmlns:a16="http://schemas.microsoft.com/office/drawing/2014/main" id="{72399AE1-380F-49FC-AAF2-FD58DE90974D}"/>
+              </a:ext>
+            </a:extLst>
+          </p:cNvPr>
+          <p:cNvSpPr txBox="1"/>
+          <p:nvPr/>
+        </p:nvSpPr>
+        <p:spPr>
+          <a:xfrm>
+            <a:off x="908501" y="1356852"/>
+            <a:ext cx="9751633" cy="954107"/>
+          </a:xfrm>
+          <a:prstGeom prst="rect">
+            <a:avLst/>
+          </a:prstGeom>
+          <a:noFill/>
+        </p:spPr>
+        <p:txBody>
+          <a:bodyPr wrap="square" rtlCol="0">
+            <a:spAutoFit/>
+          </a:bodyPr>
+          <a:lstStyle/>
+          <a:p>
+            <a:pPr marL="285750" indent="-285750">
+              <a:buFont typeface="Arial" panose="020B0604020202020204" pitchFamily="34" charset="0"/>
+              <a:buChar char="•"/>
+            </a:pPr>
+            <a:r>
+              <a:rPr lang="it-IT" sz="2800" b="1" dirty="0"/>
+              <a:t>WaterCrop</a:t>
+            </a:r>
+          </a:p>
+          <a:p>
+            <a:pPr marL="285750" indent="-285750">
+              <a:buFont typeface="Arial" panose="020B0604020202020204" pitchFamily="34" charset="0"/>
+              <a:buChar char="•"/>
+            </a:pPr>
+            <a:r>
+              <a:rPr lang="it-IT" sz="2800" dirty="0"/>
+              <a:t>...</a:t>
+            </a:r>
+            <a:endParaRPr lang="en-GB" sz="2800" dirty="0"/>
           </a:p>
         </p:txBody>
       </p:sp>
     </p:spTree>
     <p:extLst>
       <p:ext uri="{BB962C8B-B14F-4D97-AF65-F5344CB8AC3E}">
-        <p14:creationId xmlns:p14="http://schemas.microsoft.com/office/powerpoint/2010/main" val="3807801866"/>
+        <p14:creationId xmlns:p14="http://schemas.microsoft.com/office/powerpoint/2010/main" val="792279811"/>
       </p:ext>
     </p:extLst>
   </p:cSld>
@@ -21014,7 +24452,143 @@
 </p:sld>
 </file>
 
-<file path=ppt/slides/slide33.xml><?xml version="1.0" encoding="utf-8"?>
+<file path=ppt/slides/slide47.xml><?xml version="1.0" encoding="utf-8"?>
+<p:sld xmlns:a="http://schemas.openxmlformats.org/drawingml/2006/main" xmlns:r="http://schemas.openxmlformats.org/officeDocument/2006/relationships" xmlns:p="http://schemas.openxmlformats.org/presentationml/2006/main">
+  <p:cSld>
+    <p:spTree>
+      <p:nvGrpSpPr>
+        <p:cNvPr id="1" name=""/>
+        <p:cNvGrpSpPr/>
+        <p:nvPr/>
+      </p:nvGrpSpPr>
+      <p:grpSpPr>
+        <a:xfrm>
+          <a:off x="0" y="0"/>
+          <a:ext cx="0" cy="0"/>
+          <a:chOff x="0" y="0"/>
+          <a:chExt cx="0" cy="0"/>
+        </a:xfrm>
+      </p:grpSpPr>
+      <p:sp>
+        <p:nvSpPr>
+          <p:cNvPr id="3" name="Title 2">
+            <a:extLst>
+              <a:ext uri="{FF2B5EF4-FFF2-40B4-BE49-F238E27FC236}">
+                <a16:creationId xmlns:a16="http://schemas.microsoft.com/office/drawing/2014/main" id="{A5055686-2292-40F4-BA41-0E2F5C414480}"/>
+              </a:ext>
+            </a:extLst>
+          </p:cNvPr>
+          <p:cNvSpPr>
+            <a:spLocks noGrp="1"/>
+          </p:cNvSpPr>
+          <p:nvPr>
+            <p:ph type="title"/>
+          </p:nvPr>
+        </p:nvSpPr>
+        <p:spPr/>
+        <p:txBody>
+          <a:bodyPr/>
+          <a:lstStyle/>
+          <a:p>
+            <a:r>
+              <a:rPr lang="it-IT" dirty="0"/>
+              <a:t>Output linkages of M-LED</a:t>
+            </a:r>
+            <a:endParaRPr lang="en-GB" dirty="0"/>
+          </a:p>
+        </p:txBody>
+      </p:sp>
+      <p:sp>
+        <p:nvSpPr>
+          <p:cNvPr id="4" name="TextBox 3">
+            <a:extLst>
+              <a:ext uri="{FF2B5EF4-FFF2-40B4-BE49-F238E27FC236}">
+                <a16:creationId xmlns:a16="http://schemas.microsoft.com/office/drawing/2014/main" id="{0BC2E3B1-0201-4490-9FC7-AE25B67497DE}"/>
+              </a:ext>
+            </a:extLst>
+          </p:cNvPr>
+          <p:cNvSpPr txBox="1"/>
+          <p:nvPr/>
+        </p:nvSpPr>
+        <p:spPr>
+          <a:xfrm>
+            <a:off x="908501" y="1356852"/>
+            <a:ext cx="9751633" cy="2246769"/>
+          </a:xfrm>
+          <a:prstGeom prst="rect">
+            <a:avLst/>
+          </a:prstGeom>
+          <a:noFill/>
+        </p:spPr>
+        <p:txBody>
+          <a:bodyPr wrap="square" rtlCol="0">
+            <a:spAutoFit/>
+          </a:bodyPr>
+          <a:lstStyle/>
+          <a:p>
+            <a:pPr marL="285750" indent="-285750">
+              <a:buFont typeface="Arial" panose="020B0604020202020204" pitchFamily="34" charset="0"/>
+              <a:buChar char="•"/>
+            </a:pPr>
+            <a:r>
+              <a:rPr lang="it-IT" sz="2800" b="1" dirty="0"/>
+              <a:t>OnSSET</a:t>
+            </a:r>
+          </a:p>
+          <a:p>
+            <a:pPr marL="285750" indent="-285750">
+              <a:buFont typeface="Arial" panose="020B0604020202020204" pitchFamily="34" charset="0"/>
+              <a:buChar char="•"/>
+            </a:pPr>
+            <a:r>
+              <a:rPr lang="it-IT" sz="2800" dirty="0"/>
+              <a:t>...</a:t>
+            </a:r>
+          </a:p>
+          <a:p>
+            <a:pPr marL="285750" indent="-285750">
+              <a:buFont typeface="Arial" panose="020B0604020202020204" pitchFamily="34" charset="0"/>
+              <a:buChar char="•"/>
+            </a:pPr>
+            <a:endParaRPr lang="it-IT" sz="2800" b="1" dirty="0"/>
+          </a:p>
+          <a:p>
+            <a:pPr marL="285750" indent="-285750">
+              <a:buFont typeface="Arial" panose="020B0604020202020204" pitchFamily="34" charset="0"/>
+              <a:buChar char="•"/>
+            </a:pPr>
+            <a:r>
+              <a:rPr lang="it-IT" sz="2800" b="1" dirty="0"/>
+              <a:t>NEST</a:t>
+            </a:r>
+          </a:p>
+          <a:p>
+            <a:pPr marL="285750" indent="-285750">
+              <a:buFont typeface="Arial" panose="020B0604020202020204" pitchFamily="34" charset="0"/>
+              <a:buChar char="•"/>
+            </a:pPr>
+            <a:r>
+              <a:rPr lang="it-IT" sz="2800" b="1" dirty="0"/>
+              <a:t>...</a:t>
+            </a:r>
+            <a:endParaRPr lang="en-GB" sz="2800" b="1" dirty="0"/>
+          </a:p>
+        </p:txBody>
+      </p:sp>
+    </p:spTree>
+    <p:extLst>
+      <p:ext uri="{BB962C8B-B14F-4D97-AF65-F5344CB8AC3E}">
+        <p14:creationId xmlns:p14="http://schemas.microsoft.com/office/powerpoint/2010/main" val="2933277562"/>
+      </p:ext>
+    </p:extLst>
+  </p:cSld>
+  <p:clrMapOvr>
+    <a:masterClrMapping/>
+  </p:clrMapOvr>
+</p:sld>
+</file>
+
+<file path=ppt/slides/slide48.xml><?xml version="1.0" encoding="utf-8"?>
 <p:sld xmlns:a="http://schemas.openxmlformats.org/drawingml/2006/main" xmlns:r="http://schemas.openxmlformats.org/officeDocument/2006/relationships" xmlns:p="http://schemas.openxmlformats.org/presentationml/2006/main">
   <p:cSld>
     <p:spTree>
@@ -21055,7 +24629,7 @@
         </p:spPr>
         <p:txBody>
           <a:bodyPr>
-            <a:normAutofit fontScale="85000" lnSpcReduction="20000"/>
+            <a:normAutofit/>
           </a:bodyPr>
           <a:lstStyle/>
           <a:p>
@@ -21070,14 +24644,7 @@
           <a:p>
             <a:r>
               <a:rPr lang="it-IT" sz="3200" b="1" dirty="0"/>
-              <a:t>How do I run </a:t>
-            </a:r>
-            <a:br>
-              <a:rPr lang="it-IT" sz="3200" b="1" dirty="0"/>
-            </a:br>
-            <a:r>
-              <a:rPr lang="it-IT" sz="3200" b="1" dirty="0"/>
-              <a:t>M-LED for my country / region of interest?</a:t>
+              <a:t>FAQs</a:t>
             </a:r>
             <a:endParaRPr lang="en-GB" sz="3200" b="1" dirty="0"/>
           </a:p>
@@ -21086,7 +24653,7 @@
     </p:spTree>
     <p:extLst>
       <p:ext uri="{BB962C8B-B14F-4D97-AF65-F5344CB8AC3E}">
-        <p14:creationId xmlns:p14="http://schemas.microsoft.com/office/powerpoint/2010/main" val="3784249801"/>
+        <p14:creationId xmlns:p14="http://schemas.microsoft.com/office/powerpoint/2010/main" val="1895169104"/>
       </p:ext>
     </p:extLst>
   </p:cSld>
@@ -21096,7 +24663,7 @@
 </p:sld>
 </file>
 
-<file path=ppt/slides/slide34.xml><?xml version="1.0" encoding="utf-8"?>
+<file path=ppt/slides/slide49.xml><?xml version="1.0" encoding="utf-8"?>
 <p:sld xmlns:a="http://schemas.openxmlformats.org/drawingml/2006/main" xmlns:r="http://schemas.openxmlformats.org/officeDocument/2006/relationships" xmlns:p="http://schemas.openxmlformats.org/presentationml/2006/main">
   <p:cSld>
     <p:spTree>
@@ -21134,7 +24701,58 @@
           <a:bodyPr/>
           <a:lstStyle/>
           <a:p>
-            <a:endParaRPr lang="en-GB"/>
+            <a:pPr marL="0" indent="0">
+              <a:buNone/>
+            </a:pPr>
+            <a:r>
+              <a:rPr lang="it-IT" dirty="0"/>
+              <a:t>Q1: What is the running time of M-LED? </a:t>
+            </a:r>
+          </a:p>
+          <a:p>
+            <a:pPr marL="0" indent="0">
+              <a:buNone/>
+            </a:pPr>
+            <a:r>
+              <a:rPr lang="it-IT" dirty="0"/>
+              <a:t>A1:</a:t>
+            </a:r>
+          </a:p>
+          <a:p>
+            <a:pPr marL="0" indent="0">
+              <a:buNone/>
+            </a:pPr>
+            <a:endParaRPr lang="it-IT" dirty="0"/>
+          </a:p>
+          <a:p>
+            <a:pPr marL="0" indent="0">
+              <a:buNone/>
+            </a:pPr>
+            <a:r>
+              <a:rPr lang="it-IT" dirty="0"/>
+              <a:t>Q2: How much does the M-LED database weight?</a:t>
+            </a:r>
+          </a:p>
+          <a:p>
+            <a:pPr marL="0" indent="0">
+              <a:buNone/>
+            </a:pPr>
+            <a:r>
+              <a:rPr lang="it-IT" dirty="0"/>
+              <a:t>A2:</a:t>
+            </a:r>
+          </a:p>
+          <a:p>
+            <a:pPr marL="0" indent="0">
+              <a:buNone/>
+            </a:pPr>
+            <a:endParaRPr lang="it-IT" dirty="0"/>
+          </a:p>
+          <a:p>
+            <a:pPr marL="0" indent="0">
+              <a:buNone/>
+            </a:pPr>
+            <a:endParaRPr lang="en-GB" dirty="0"/>
           </a:p>
         </p:txBody>
       </p:sp>
@@ -21156,17 +24774,23 @@
         </p:nvSpPr>
         <p:spPr/>
         <p:txBody>
-          <a:bodyPr/>
+          <a:bodyPr>
+            <a:normAutofit/>
+          </a:bodyPr>
           <a:lstStyle/>
           <a:p>
-            <a:endParaRPr lang="en-GB"/>
+            <a:r>
+              <a:rPr lang="it-IT" sz="2800" b="1" dirty="0"/>
+              <a:t>FAQs</a:t>
+            </a:r>
+            <a:endParaRPr lang="en-GB" dirty="0"/>
           </a:p>
         </p:txBody>
       </p:sp>
     </p:spTree>
     <p:extLst>
       <p:ext uri="{BB962C8B-B14F-4D97-AF65-F5344CB8AC3E}">
-        <p14:creationId xmlns:p14="http://schemas.microsoft.com/office/powerpoint/2010/main" val="3048271790"/>
+        <p14:creationId xmlns:p14="http://schemas.microsoft.com/office/powerpoint/2010/main" val="1697383470"/>
       </p:ext>
     </p:extLst>
   </p:cSld>
@@ -21176,37 +24800,7 @@
 </p:sld>
 </file>
 
-<file path=ppt/slides/slide35.xml><?xml version="1.0" encoding="utf-8"?>
-<p:sld xmlns:a="http://schemas.openxmlformats.org/drawingml/2006/main" xmlns:r="http://schemas.openxmlformats.org/officeDocument/2006/relationships" xmlns:p="http://schemas.openxmlformats.org/presentationml/2006/main">
-  <p:cSld>
-    <p:spTree>
-      <p:nvGrpSpPr>
-        <p:cNvPr id="1" name=""/>
-        <p:cNvGrpSpPr/>
-        <p:nvPr/>
-      </p:nvGrpSpPr>
-      <p:grpSpPr>
-        <a:xfrm>
-          <a:off x="0" y="0"/>
-          <a:ext cx="0" cy="0"/>
-          <a:chOff x="0" y="0"/>
-          <a:chExt cx="0" cy="0"/>
-        </a:xfrm>
-      </p:grpSpPr>
-    </p:spTree>
-    <p:extLst>
-      <p:ext uri="{BB962C8B-B14F-4D97-AF65-F5344CB8AC3E}">
-        <p14:creationId xmlns:p14="http://schemas.microsoft.com/office/powerpoint/2010/main" val="3862592627"/>
-      </p:ext>
-    </p:extLst>
-  </p:cSld>
-  <p:clrMapOvr>
-    <a:masterClrMapping/>
-  </p:clrMapOvr>
-</p:sld>
-</file>
-
-<file path=ppt/slides/slide4.xml><?xml version="1.0" encoding="utf-8"?>
+<file path=ppt/slides/slide5.xml><?xml version="1.0" encoding="utf-8"?>
 <p:sld xmlns:a="http://schemas.openxmlformats.org/drawingml/2006/main" xmlns:r="http://schemas.openxmlformats.org/officeDocument/2006/relationships" xmlns:p="http://schemas.openxmlformats.org/presentationml/2006/main">
   <p:cSld>
     <p:spTree>
@@ -21296,7 +24890,1850 @@
 </p:sld>
 </file>
 
-<file path=ppt/slides/slide5.xml><?xml version="1.0" encoding="utf-8"?>
+<file path=ppt/slides/slide50.xml><?xml version="1.0" encoding="utf-8"?>
+<p:sld xmlns:a="http://schemas.openxmlformats.org/drawingml/2006/main" xmlns:r="http://schemas.openxmlformats.org/officeDocument/2006/relationships" xmlns:p="http://schemas.openxmlformats.org/presentationml/2006/main">
+  <p:cSld>
+    <p:spTree>
+      <p:nvGrpSpPr>
+        <p:cNvPr id="1" name=""/>
+        <p:cNvGrpSpPr/>
+        <p:nvPr/>
+      </p:nvGrpSpPr>
+      <p:grpSpPr>
+        <a:xfrm>
+          <a:off x="0" y="0"/>
+          <a:ext cx="0" cy="0"/>
+          <a:chOff x="0" y="0"/>
+          <a:chExt cx="0" cy="0"/>
+        </a:xfrm>
+      </p:grpSpPr>
+      <p:sp>
+        <p:nvSpPr>
+          <p:cNvPr id="3" name="Subtitle 2">
+            <a:extLst>
+              <a:ext uri="{FF2B5EF4-FFF2-40B4-BE49-F238E27FC236}">
+                <a16:creationId xmlns:a16="http://schemas.microsoft.com/office/drawing/2014/main" id="{77C75709-7FD6-409B-BB0F-34D94C848D58}"/>
+              </a:ext>
+            </a:extLst>
+          </p:cNvPr>
+          <p:cNvSpPr>
+            <a:spLocks noGrp="1"/>
+          </p:cNvSpPr>
+          <p:nvPr>
+            <p:ph type="subTitle" idx="1"/>
+          </p:nvPr>
+        </p:nvSpPr>
+        <p:spPr>
+          <a:xfrm>
+            <a:off x="1377192" y="2928290"/>
+            <a:ext cx="3937191" cy="2224290"/>
+          </a:xfrm>
+        </p:spPr>
+        <p:txBody>
+          <a:bodyPr>
+            <a:normAutofit/>
+          </a:bodyPr>
+          <a:lstStyle/>
+          <a:p>
+            <a:r>
+              <a:rPr lang="it-IT" sz="3600" b="1" dirty="0"/>
+              <a:t>M-LED</a:t>
+            </a:r>
+          </a:p>
+          <a:p>
+            <a:endParaRPr lang="it-IT" sz="3600" b="1" dirty="0"/>
+          </a:p>
+          <a:p>
+            <a:r>
+              <a:rPr lang="it-IT" sz="3200" b="1" dirty="0"/>
+              <a:t>Typical issues</a:t>
+            </a:r>
+            <a:endParaRPr lang="en-GB" sz="3200" b="1" dirty="0"/>
+          </a:p>
+        </p:txBody>
+      </p:sp>
+    </p:spTree>
+    <p:extLst>
+      <p:ext uri="{BB962C8B-B14F-4D97-AF65-F5344CB8AC3E}">
+        <p14:creationId xmlns:p14="http://schemas.microsoft.com/office/powerpoint/2010/main" val="2938601558"/>
+      </p:ext>
+    </p:extLst>
+  </p:cSld>
+  <p:clrMapOvr>
+    <a:masterClrMapping/>
+  </p:clrMapOvr>
+</p:sld>
+</file>
+
+<file path=ppt/slides/slide51.xml><?xml version="1.0" encoding="utf-8"?>
+<p:sld xmlns:a="http://schemas.openxmlformats.org/drawingml/2006/main" xmlns:r="http://schemas.openxmlformats.org/officeDocument/2006/relationships" xmlns:p="http://schemas.openxmlformats.org/presentationml/2006/main">
+  <p:cSld>
+    <p:spTree>
+      <p:nvGrpSpPr>
+        <p:cNvPr id="1" name=""/>
+        <p:cNvGrpSpPr/>
+        <p:nvPr/>
+      </p:nvGrpSpPr>
+      <p:grpSpPr>
+        <a:xfrm>
+          <a:off x="0" y="0"/>
+          <a:ext cx="0" cy="0"/>
+          <a:chOff x="0" y="0"/>
+          <a:chExt cx="0" cy="0"/>
+        </a:xfrm>
+      </p:grpSpPr>
+      <p:sp>
+        <p:nvSpPr>
+          <p:cNvPr id="2" name="Content Placeholder 1">
+            <a:extLst>
+              <a:ext uri="{FF2B5EF4-FFF2-40B4-BE49-F238E27FC236}">
+                <a16:creationId xmlns:a16="http://schemas.microsoft.com/office/drawing/2014/main" id="{CB2F9C2C-AA45-400F-88E8-CD1B3077AB3B}"/>
+              </a:ext>
+            </a:extLst>
+          </p:cNvPr>
+          <p:cNvSpPr>
+            <a:spLocks noGrp="1"/>
+          </p:cNvSpPr>
+          <p:nvPr>
+            <p:ph idx="1"/>
+          </p:nvPr>
+        </p:nvSpPr>
+        <p:spPr/>
+        <p:txBody>
+          <a:bodyPr/>
+          <a:lstStyle/>
+          <a:p>
+            <a:pPr marL="0" indent="0">
+              <a:buNone/>
+            </a:pPr>
+            <a:r>
+              <a:rPr lang="it-IT" dirty="0"/>
+              <a:t>Issue 1:</a:t>
+            </a:r>
+          </a:p>
+          <a:p>
+            <a:pPr marL="0" indent="0">
+              <a:buNone/>
+            </a:pPr>
+            <a:r>
+              <a:rPr lang="it-IT" dirty="0"/>
+              <a:t>Solution 1:</a:t>
+            </a:r>
+          </a:p>
+          <a:p>
+            <a:pPr marL="0" indent="0">
+              <a:buNone/>
+            </a:pPr>
+            <a:endParaRPr lang="it-IT" dirty="0"/>
+          </a:p>
+          <a:p>
+            <a:pPr marL="0" indent="0">
+              <a:buNone/>
+            </a:pPr>
+            <a:r>
+              <a:rPr lang="it-IT" dirty="0"/>
+              <a:t>Issue 2:</a:t>
+            </a:r>
+          </a:p>
+          <a:p>
+            <a:pPr marL="0" indent="0">
+              <a:buNone/>
+            </a:pPr>
+            <a:r>
+              <a:rPr lang="it-IT" dirty="0"/>
+              <a:t>Solution 2:</a:t>
+            </a:r>
+            <a:endParaRPr lang="en-GB" dirty="0"/>
+          </a:p>
+        </p:txBody>
+      </p:sp>
+      <p:sp>
+        <p:nvSpPr>
+          <p:cNvPr id="3" name="Title 2">
+            <a:extLst>
+              <a:ext uri="{FF2B5EF4-FFF2-40B4-BE49-F238E27FC236}">
+                <a16:creationId xmlns:a16="http://schemas.microsoft.com/office/drawing/2014/main" id="{A5055686-2292-40F4-BA41-0E2F5C414480}"/>
+              </a:ext>
+            </a:extLst>
+          </p:cNvPr>
+          <p:cNvSpPr>
+            <a:spLocks noGrp="1"/>
+          </p:cNvSpPr>
+          <p:nvPr>
+            <p:ph type="title"/>
+          </p:nvPr>
+        </p:nvSpPr>
+        <p:spPr/>
+        <p:txBody>
+          <a:bodyPr/>
+          <a:lstStyle/>
+          <a:p>
+            <a:endParaRPr lang="en-GB"/>
+          </a:p>
+        </p:txBody>
+      </p:sp>
+    </p:spTree>
+    <p:extLst>
+      <p:ext uri="{BB962C8B-B14F-4D97-AF65-F5344CB8AC3E}">
+        <p14:creationId xmlns:p14="http://schemas.microsoft.com/office/powerpoint/2010/main" val="3807801866"/>
+      </p:ext>
+    </p:extLst>
+  </p:cSld>
+  <p:clrMapOvr>
+    <a:masterClrMapping/>
+  </p:clrMapOvr>
+</p:sld>
+</file>
+
+<file path=ppt/slides/slide52.xml><?xml version="1.0" encoding="utf-8"?>
+<p:sld xmlns:a="http://schemas.openxmlformats.org/drawingml/2006/main" xmlns:r="http://schemas.openxmlformats.org/officeDocument/2006/relationships" xmlns:p="http://schemas.openxmlformats.org/presentationml/2006/main">
+  <p:cSld>
+    <p:spTree>
+      <p:nvGrpSpPr>
+        <p:cNvPr id="1" name=""/>
+        <p:cNvGrpSpPr/>
+        <p:nvPr/>
+      </p:nvGrpSpPr>
+      <p:grpSpPr>
+        <a:xfrm>
+          <a:off x="0" y="0"/>
+          <a:ext cx="0" cy="0"/>
+          <a:chOff x="0" y="0"/>
+          <a:chExt cx="0" cy="0"/>
+        </a:xfrm>
+      </p:grpSpPr>
+      <p:sp>
+        <p:nvSpPr>
+          <p:cNvPr id="3" name="Subtitle 2">
+            <a:extLst>
+              <a:ext uri="{FF2B5EF4-FFF2-40B4-BE49-F238E27FC236}">
+                <a16:creationId xmlns:a16="http://schemas.microsoft.com/office/drawing/2014/main" id="{77C75709-7FD6-409B-BB0F-34D94C848D58}"/>
+              </a:ext>
+            </a:extLst>
+          </p:cNvPr>
+          <p:cNvSpPr>
+            <a:spLocks noGrp="1"/>
+          </p:cNvSpPr>
+          <p:nvPr>
+            <p:ph type="subTitle" idx="1"/>
+          </p:nvPr>
+        </p:nvSpPr>
+        <p:spPr>
+          <a:xfrm>
+            <a:off x="1377192" y="2928290"/>
+            <a:ext cx="3937191" cy="2224290"/>
+          </a:xfrm>
+        </p:spPr>
+        <p:txBody>
+          <a:bodyPr>
+            <a:normAutofit fontScale="85000" lnSpcReduction="20000"/>
+          </a:bodyPr>
+          <a:lstStyle/>
+          <a:p>
+            <a:r>
+              <a:rPr lang="it-IT" sz="3600" b="1" dirty="0"/>
+              <a:t>M-LED</a:t>
+            </a:r>
+          </a:p>
+          <a:p>
+            <a:endParaRPr lang="it-IT" sz="3600" b="1" dirty="0"/>
+          </a:p>
+          <a:p>
+            <a:r>
+              <a:rPr lang="it-IT" sz="3200" b="1" dirty="0"/>
+              <a:t>How do I run </a:t>
+            </a:r>
+            <a:br>
+              <a:rPr lang="it-IT" sz="3200" b="1" dirty="0"/>
+            </a:br>
+            <a:r>
+              <a:rPr lang="it-IT" sz="3200" b="1" dirty="0"/>
+              <a:t>M-LED for my country / region of interest?</a:t>
+            </a:r>
+            <a:endParaRPr lang="en-GB" sz="3200" b="1" dirty="0"/>
+          </a:p>
+        </p:txBody>
+      </p:sp>
+    </p:spTree>
+    <p:extLst>
+      <p:ext uri="{BB962C8B-B14F-4D97-AF65-F5344CB8AC3E}">
+        <p14:creationId xmlns:p14="http://schemas.microsoft.com/office/powerpoint/2010/main" val="3784249801"/>
+      </p:ext>
+    </p:extLst>
+  </p:cSld>
+  <p:clrMapOvr>
+    <a:masterClrMapping/>
+  </p:clrMapOvr>
+</p:sld>
+</file>
+
+<file path=ppt/slides/slide53.xml><?xml version="1.0" encoding="utf-8"?>
+<p:sld xmlns:a="http://schemas.openxmlformats.org/drawingml/2006/main" xmlns:r="http://schemas.openxmlformats.org/officeDocument/2006/relationships" xmlns:p="http://schemas.openxmlformats.org/presentationml/2006/main">
+  <p:cSld>
+    <p:spTree>
+      <p:nvGrpSpPr>
+        <p:cNvPr id="1" name=""/>
+        <p:cNvGrpSpPr/>
+        <p:nvPr/>
+      </p:nvGrpSpPr>
+      <p:grpSpPr>
+        <a:xfrm>
+          <a:off x="0" y="0"/>
+          <a:ext cx="0" cy="0"/>
+          <a:chOff x="0" y="0"/>
+          <a:chExt cx="0" cy="0"/>
+        </a:xfrm>
+      </p:grpSpPr>
+      <p:sp>
+        <p:nvSpPr>
+          <p:cNvPr id="2" name="Content Placeholder 1">
+            <a:extLst>
+              <a:ext uri="{FF2B5EF4-FFF2-40B4-BE49-F238E27FC236}">
+                <a16:creationId xmlns:a16="http://schemas.microsoft.com/office/drawing/2014/main" id="{CB2F9C2C-AA45-400F-88E8-CD1B3077AB3B}"/>
+              </a:ext>
+            </a:extLst>
+          </p:cNvPr>
+          <p:cNvSpPr>
+            <a:spLocks noGrp="1"/>
+          </p:cNvSpPr>
+          <p:nvPr>
+            <p:ph idx="1"/>
+          </p:nvPr>
+        </p:nvSpPr>
+        <p:spPr/>
+        <p:txBody>
+          <a:bodyPr/>
+          <a:lstStyle/>
+          <a:p>
+            <a:pPr marL="514350" indent="-514350">
+              <a:buFont typeface="+mj-lt"/>
+              <a:buAutoNum type="arabicPeriod"/>
+            </a:pPr>
+            <a:r>
+              <a:rPr lang="it-IT" b="1" dirty="0"/>
+              <a:t>Look for data</a:t>
+            </a:r>
+            <a:r>
+              <a:rPr lang="it-IT" dirty="0"/>
+              <a:t>. Country specific datasets which are non included in the SSA-wide database of M-LED include:</a:t>
+            </a:r>
+            <a:endParaRPr lang="en-GB" dirty="0"/>
+          </a:p>
+          <a:p>
+            <a:r>
+              <a:rPr lang="en-GB" dirty="0"/>
+              <a:t>A</a:t>
+            </a:r>
+          </a:p>
+          <a:p>
+            <a:r>
+              <a:rPr lang="en-GB" dirty="0"/>
+              <a:t>B</a:t>
+            </a:r>
+          </a:p>
+          <a:p>
+            <a:r>
+              <a:rPr lang="en-GB" dirty="0"/>
+              <a:t>C</a:t>
+            </a:r>
+          </a:p>
+          <a:p>
+            <a:r>
+              <a:rPr lang="en-GB" dirty="0"/>
+              <a:t>D</a:t>
+            </a:r>
+          </a:p>
+          <a:p>
+            <a:r>
+              <a:rPr lang="en-GB" dirty="0"/>
+              <a:t>E</a:t>
+            </a:r>
+          </a:p>
+          <a:p>
+            <a:endParaRPr lang="it-IT" dirty="0"/>
+          </a:p>
+        </p:txBody>
+      </p:sp>
+      <p:sp>
+        <p:nvSpPr>
+          <p:cNvPr id="3" name="Title 2">
+            <a:extLst>
+              <a:ext uri="{FF2B5EF4-FFF2-40B4-BE49-F238E27FC236}">
+                <a16:creationId xmlns:a16="http://schemas.microsoft.com/office/drawing/2014/main" id="{A5055686-2292-40F4-BA41-0E2F5C414480}"/>
+              </a:ext>
+            </a:extLst>
+          </p:cNvPr>
+          <p:cNvSpPr>
+            <a:spLocks noGrp="1"/>
+          </p:cNvSpPr>
+          <p:nvPr>
+            <p:ph type="title"/>
+          </p:nvPr>
+        </p:nvSpPr>
+        <p:spPr/>
+        <p:txBody>
+          <a:bodyPr/>
+          <a:lstStyle/>
+          <a:p>
+            <a:r>
+              <a:rPr lang="it-IT" dirty="0"/>
+              <a:t>Implementation of M-LED in a new region</a:t>
+            </a:r>
+            <a:endParaRPr lang="en-GB" dirty="0"/>
+          </a:p>
+        </p:txBody>
+      </p:sp>
+    </p:spTree>
+    <p:extLst>
+      <p:ext uri="{BB962C8B-B14F-4D97-AF65-F5344CB8AC3E}">
+        <p14:creationId xmlns:p14="http://schemas.microsoft.com/office/powerpoint/2010/main" val="3048271790"/>
+      </p:ext>
+    </p:extLst>
+  </p:cSld>
+  <p:clrMapOvr>
+    <a:masterClrMapping/>
+  </p:clrMapOvr>
+</p:sld>
+</file>
+
+<file path=ppt/slides/slide54.xml><?xml version="1.0" encoding="utf-8"?>
+<p:sld xmlns:a="http://schemas.openxmlformats.org/drawingml/2006/main" xmlns:r="http://schemas.openxmlformats.org/officeDocument/2006/relationships" xmlns:p="http://schemas.openxmlformats.org/presentationml/2006/main">
+  <p:cSld>
+    <p:spTree>
+      <p:nvGrpSpPr>
+        <p:cNvPr id="1" name=""/>
+        <p:cNvGrpSpPr/>
+        <p:nvPr/>
+      </p:nvGrpSpPr>
+      <p:grpSpPr>
+        <a:xfrm>
+          <a:off x="0" y="0"/>
+          <a:ext cx="0" cy="0"/>
+          <a:chOff x="0" y="0"/>
+          <a:chExt cx="0" cy="0"/>
+        </a:xfrm>
+      </p:grpSpPr>
+      <p:sp>
+        <p:nvSpPr>
+          <p:cNvPr id="2" name="Content Placeholder 1">
+            <a:extLst>
+              <a:ext uri="{FF2B5EF4-FFF2-40B4-BE49-F238E27FC236}">
+                <a16:creationId xmlns:a16="http://schemas.microsoft.com/office/drawing/2014/main" id="{CB2F9C2C-AA45-400F-88E8-CD1B3077AB3B}"/>
+              </a:ext>
+            </a:extLst>
+          </p:cNvPr>
+          <p:cNvSpPr>
+            <a:spLocks noGrp="1"/>
+          </p:cNvSpPr>
+          <p:nvPr>
+            <p:ph idx="1"/>
+          </p:nvPr>
+        </p:nvSpPr>
+        <p:spPr/>
+        <p:txBody>
+          <a:bodyPr/>
+          <a:lstStyle/>
+          <a:p>
+            <a:pPr marL="514350" indent="-514350">
+              <a:buFont typeface="+mj-lt"/>
+              <a:buAutoNum type="arabicPeriod" startAt="2"/>
+            </a:pPr>
+            <a:r>
+              <a:rPr lang="it-IT" b="1" dirty="0"/>
+              <a:t>Discuss with stakeholders.</a:t>
+            </a:r>
+            <a:r>
+              <a:rPr lang="it-IT" dirty="0"/>
+              <a:t> Assumptions (socio-economic, technological, scenario and policy) must be tailored.</a:t>
+            </a:r>
+            <a:endParaRPr lang="en-GB" dirty="0"/>
+          </a:p>
+          <a:p>
+            <a:r>
+              <a:rPr lang="en-GB" dirty="0"/>
+              <a:t>A</a:t>
+            </a:r>
+          </a:p>
+          <a:p>
+            <a:r>
+              <a:rPr lang="en-GB" dirty="0"/>
+              <a:t>B</a:t>
+            </a:r>
+          </a:p>
+          <a:p>
+            <a:r>
+              <a:rPr lang="en-GB" dirty="0"/>
+              <a:t>C</a:t>
+            </a:r>
+          </a:p>
+          <a:p>
+            <a:r>
+              <a:rPr lang="en-GB" dirty="0"/>
+              <a:t>D</a:t>
+            </a:r>
+          </a:p>
+          <a:p>
+            <a:r>
+              <a:rPr lang="en-GB" dirty="0"/>
+              <a:t>E</a:t>
+            </a:r>
+          </a:p>
+          <a:p>
+            <a:endParaRPr lang="it-IT" dirty="0"/>
+          </a:p>
+        </p:txBody>
+      </p:sp>
+      <p:sp>
+        <p:nvSpPr>
+          <p:cNvPr id="3" name="Title 2">
+            <a:extLst>
+              <a:ext uri="{FF2B5EF4-FFF2-40B4-BE49-F238E27FC236}">
+                <a16:creationId xmlns:a16="http://schemas.microsoft.com/office/drawing/2014/main" id="{A5055686-2292-40F4-BA41-0E2F5C414480}"/>
+              </a:ext>
+            </a:extLst>
+          </p:cNvPr>
+          <p:cNvSpPr>
+            <a:spLocks noGrp="1"/>
+          </p:cNvSpPr>
+          <p:nvPr>
+            <p:ph type="title"/>
+          </p:nvPr>
+        </p:nvSpPr>
+        <p:spPr/>
+        <p:txBody>
+          <a:bodyPr/>
+          <a:lstStyle/>
+          <a:p>
+            <a:r>
+              <a:rPr lang="it-IT" dirty="0"/>
+              <a:t>Implementation of M-LED in a new region</a:t>
+            </a:r>
+            <a:endParaRPr lang="en-GB" dirty="0"/>
+          </a:p>
+        </p:txBody>
+      </p:sp>
+    </p:spTree>
+    <p:extLst>
+      <p:ext uri="{BB962C8B-B14F-4D97-AF65-F5344CB8AC3E}">
+        <p14:creationId xmlns:p14="http://schemas.microsoft.com/office/powerpoint/2010/main" val="2037052627"/>
+      </p:ext>
+    </p:extLst>
+  </p:cSld>
+  <p:clrMapOvr>
+    <a:masterClrMapping/>
+  </p:clrMapOvr>
+</p:sld>
+</file>
+
+<file path=ppt/slides/slide55.xml><?xml version="1.0" encoding="utf-8"?>
+<p:sld xmlns:a="http://schemas.openxmlformats.org/drawingml/2006/main" xmlns:r="http://schemas.openxmlformats.org/officeDocument/2006/relationships" xmlns:p="http://schemas.openxmlformats.org/presentationml/2006/main">
+  <p:cSld>
+    <p:spTree>
+      <p:nvGrpSpPr>
+        <p:cNvPr id="1" name=""/>
+        <p:cNvGrpSpPr/>
+        <p:nvPr/>
+      </p:nvGrpSpPr>
+      <p:grpSpPr>
+        <a:xfrm>
+          <a:off x="0" y="0"/>
+          <a:ext cx="0" cy="0"/>
+          <a:chOff x="0" y="0"/>
+          <a:chExt cx="0" cy="0"/>
+        </a:xfrm>
+      </p:grpSpPr>
+      <p:sp>
+        <p:nvSpPr>
+          <p:cNvPr id="2" name="Content Placeholder 1">
+            <a:extLst>
+              <a:ext uri="{FF2B5EF4-FFF2-40B4-BE49-F238E27FC236}">
+                <a16:creationId xmlns:a16="http://schemas.microsoft.com/office/drawing/2014/main" id="{CB2F9C2C-AA45-400F-88E8-CD1B3077AB3B}"/>
+              </a:ext>
+            </a:extLst>
+          </p:cNvPr>
+          <p:cNvSpPr>
+            <a:spLocks noGrp="1"/>
+          </p:cNvSpPr>
+          <p:nvPr>
+            <p:ph idx="1"/>
+          </p:nvPr>
+        </p:nvSpPr>
+        <p:spPr/>
+        <p:txBody>
+          <a:bodyPr/>
+          <a:lstStyle/>
+          <a:p>
+            <a:pPr marL="514350" indent="-514350">
+              <a:buFont typeface="+mj-lt"/>
+              <a:buAutoNum type="arabicPeriod" startAt="3"/>
+            </a:pPr>
+            <a:r>
+              <a:rPr lang="it-IT" b="1" dirty="0"/>
+              <a:t>Customise parameters in the scenario file.</a:t>
+            </a:r>
+            <a:r>
+              <a:rPr lang="it-IT" dirty="0"/>
+              <a:t> Assumptions (socio-economic, technological, scenario and policy) must be tailored.</a:t>
+            </a:r>
+            <a:endParaRPr lang="en-GB" dirty="0"/>
+          </a:p>
+          <a:p>
+            <a:r>
+              <a:rPr lang="en-GB" dirty="0"/>
+              <a:t>A</a:t>
+            </a:r>
+          </a:p>
+          <a:p>
+            <a:r>
+              <a:rPr lang="en-GB" dirty="0"/>
+              <a:t>B</a:t>
+            </a:r>
+          </a:p>
+          <a:p>
+            <a:r>
+              <a:rPr lang="en-GB" dirty="0"/>
+              <a:t>C</a:t>
+            </a:r>
+          </a:p>
+          <a:p>
+            <a:r>
+              <a:rPr lang="en-GB" dirty="0"/>
+              <a:t>D</a:t>
+            </a:r>
+          </a:p>
+          <a:p>
+            <a:r>
+              <a:rPr lang="en-GB" dirty="0"/>
+              <a:t>E</a:t>
+            </a:r>
+          </a:p>
+          <a:p>
+            <a:endParaRPr lang="it-IT" dirty="0"/>
+          </a:p>
+        </p:txBody>
+      </p:sp>
+      <p:sp>
+        <p:nvSpPr>
+          <p:cNvPr id="3" name="Title 2">
+            <a:extLst>
+              <a:ext uri="{FF2B5EF4-FFF2-40B4-BE49-F238E27FC236}">
+                <a16:creationId xmlns:a16="http://schemas.microsoft.com/office/drawing/2014/main" id="{A5055686-2292-40F4-BA41-0E2F5C414480}"/>
+              </a:ext>
+            </a:extLst>
+          </p:cNvPr>
+          <p:cNvSpPr>
+            <a:spLocks noGrp="1"/>
+          </p:cNvSpPr>
+          <p:nvPr>
+            <p:ph type="title"/>
+          </p:nvPr>
+        </p:nvSpPr>
+        <p:spPr/>
+        <p:txBody>
+          <a:bodyPr/>
+          <a:lstStyle/>
+          <a:p>
+            <a:r>
+              <a:rPr lang="it-IT" dirty="0"/>
+              <a:t>Implementation of M-LED in a new region</a:t>
+            </a:r>
+            <a:endParaRPr lang="en-GB" dirty="0"/>
+          </a:p>
+        </p:txBody>
+      </p:sp>
+    </p:spTree>
+    <p:extLst>
+      <p:ext uri="{BB962C8B-B14F-4D97-AF65-F5344CB8AC3E}">
+        <p14:creationId xmlns:p14="http://schemas.microsoft.com/office/powerpoint/2010/main" val="252098974"/>
+      </p:ext>
+    </p:extLst>
+  </p:cSld>
+  <p:clrMapOvr>
+    <a:masterClrMapping/>
+  </p:clrMapOvr>
+</p:sld>
+</file>
+
+<file path=ppt/slides/slide56.xml><?xml version="1.0" encoding="utf-8"?>
+<p:sld xmlns:a="http://schemas.openxmlformats.org/drawingml/2006/main" xmlns:r="http://schemas.openxmlformats.org/officeDocument/2006/relationships" xmlns:p="http://schemas.openxmlformats.org/presentationml/2006/main">
+  <p:cSld>
+    <p:spTree>
+      <p:nvGrpSpPr>
+        <p:cNvPr id="1" name=""/>
+        <p:cNvGrpSpPr/>
+        <p:nvPr/>
+      </p:nvGrpSpPr>
+      <p:grpSpPr>
+        <a:xfrm>
+          <a:off x="0" y="0"/>
+          <a:ext cx="0" cy="0"/>
+          <a:chOff x="0" y="0"/>
+          <a:chExt cx="0" cy="0"/>
+        </a:xfrm>
+      </p:grpSpPr>
+      <p:sp>
+        <p:nvSpPr>
+          <p:cNvPr id="2" name="Content Placeholder 1">
+            <a:extLst>
+              <a:ext uri="{FF2B5EF4-FFF2-40B4-BE49-F238E27FC236}">
+                <a16:creationId xmlns:a16="http://schemas.microsoft.com/office/drawing/2014/main" id="{CB2F9C2C-AA45-400F-88E8-CD1B3077AB3B}"/>
+              </a:ext>
+            </a:extLst>
+          </p:cNvPr>
+          <p:cNvSpPr>
+            <a:spLocks noGrp="1"/>
+          </p:cNvSpPr>
+          <p:nvPr>
+            <p:ph idx="1"/>
+          </p:nvPr>
+        </p:nvSpPr>
+        <p:spPr/>
+        <p:txBody>
+          <a:bodyPr/>
+          <a:lstStyle/>
+          <a:p>
+            <a:pPr marL="514350" indent="-514350">
+              <a:buFont typeface="+mj-lt"/>
+              <a:buAutoNum type="arabicPeriod" startAt="4"/>
+            </a:pPr>
+            <a:r>
+              <a:rPr lang="it-IT" b="1" dirty="0"/>
+              <a:t>Revise RAMP appliance baskets and usage patterns</a:t>
+            </a:r>
+            <a:r>
+              <a:rPr lang="it-IT" dirty="0"/>
+              <a:t>. What type of appliances will newly electrified household and facilities use, and with what patterns?</a:t>
+            </a:r>
+            <a:endParaRPr lang="en-GB" dirty="0"/>
+          </a:p>
+          <a:p>
+            <a:r>
+              <a:rPr lang="en-GB" dirty="0"/>
+              <a:t>A</a:t>
+            </a:r>
+          </a:p>
+          <a:p>
+            <a:r>
+              <a:rPr lang="en-GB" dirty="0"/>
+              <a:t>B</a:t>
+            </a:r>
+          </a:p>
+          <a:p>
+            <a:r>
+              <a:rPr lang="en-GB" dirty="0"/>
+              <a:t>C</a:t>
+            </a:r>
+          </a:p>
+          <a:p>
+            <a:r>
+              <a:rPr lang="en-GB" dirty="0"/>
+              <a:t>D</a:t>
+            </a:r>
+          </a:p>
+          <a:p>
+            <a:r>
+              <a:rPr lang="en-GB" dirty="0"/>
+              <a:t>E</a:t>
+            </a:r>
+          </a:p>
+          <a:p>
+            <a:endParaRPr lang="it-IT" dirty="0"/>
+          </a:p>
+        </p:txBody>
+      </p:sp>
+      <p:sp>
+        <p:nvSpPr>
+          <p:cNvPr id="3" name="Title 2">
+            <a:extLst>
+              <a:ext uri="{FF2B5EF4-FFF2-40B4-BE49-F238E27FC236}">
+                <a16:creationId xmlns:a16="http://schemas.microsoft.com/office/drawing/2014/main" id="{A5055686-2292-40F4-BA41-0E2F5C414480}"/>
+              </a:ext>
+            </a:extLst>
+          </p:cNvPr>
+          <p:cNvSpPr>
+            <a:spLocks noGrp="1"/>
+          </p:cNvSpPr>
+          <p:nvPr>
+            <p:ph type="title"/>
+          </p:nvPr>
+        </p:nvSpPr>
+        <p:spPr/>
+        <p:txBody>
+          <a:bodyPr/>
+          <a:lstStyle/>
+          <a:p>
+            <a:r>
+              <a:rPr lang="it-IT" dirty="0"/>
+              <a:t>Implementation of M-LED in a new region</a:t>
+            </a:r>
+            <a:endParaRPr lang="en-GB" dirty="0"/>
+          </a:p>
+        </p:txBody>
+      </p:sp>
+    </p:spTree>
+    <p:extLst>
+      <p:ext uri="{BB962C8B-B14F-4D97-AF65-F5344CB8AC3E}">
+        <p14:creationId xmlns:p14="http://schemas.microsoft.com/office/powerpoint/2010/main" val="2123208474"/>
+      </p:ext>
+    </p:extLst>
+  </p:cSld>
+  <p:clrMapOvr>
+    <a:masterClrMapping/>
+  </p:clrMapOvr>
+</p:sld>
+</file>
+
+<file path=ppt/slides/slide57.xml><?xml version="1.0" encoding="utf-8"?>
+<p:sld xmlns:a="http://schemas.openxmlformats.org/drawingml/2006/main" xmlns:r="http://schemas.openxmlformats.org/officeDocument/2006/relationships" xmlns:p="http://schemas.openxmlformats.org/presentationml/2006/main">
+  <p:cSld>
+    <p:spTree>
+      <p:nvGrpSpPr>
+        <p:cNvPr id="1" name=""/>
+        <p:cNvGrpSpPr/>
+        <p:nvPr/>
+      </p:nvGrpSpPr>
+      <p:grpSpPr>
+        <a:xfrm>
+          <a:off x="0" y="0"/>
+          <a:ext cx="0" cy="0"/>
+          <a:chOff x="0" y="0"/>
+          <a:chExt cx="0" cy="0"/>
+        </a:xfrm>
+      </p:grpSpPr>
+      <p:sp>
+        <p:nvSpPr>
+          <p:cNvPr id="3" name="Subtitle 2">
+            <a:extLst>
+              <a:ext uri="{FF2B5EF4-FFF2-40B4-BE49-F238E27FC236}">
+                <a16:creationId xmlns:a16="http://schemas.microsoft.com/office/drawing/2014/main" id="{77C75709-7FD6-409B-BB0F-34D94C848D58}"/>
+              </a:ext>
+            </a:extLst>
+          </p:cNvPr>
+          <p:cNvSpPr>
+            <a:spLocks noGrp="1"/>
+          </p:cNvSpPr>
+          <p:nvPr>
+            <p:ph type="subTitle" idx="1"/>
+          </p:nvPr>
+        </p:nvSpPr>
+        <p:spPr>
+          <a:xfrm>
+            <a:off x="1377192" y="2928290"/>
+            <a:ext cx="3937191" cy="2224290"/>
+          </a:xfrm>
+        </p:spPr>
+        <p:txBody>
+          <a:bodyPr>
+            <a:normAutofit/>
+          </a:bodyPr>
+          <a:lstStyle/>
+          <a:p>
+            <a:r>
+              <a:rPr lang="it-IT" sz="3600" b="1" dirty="0"/>
+              <a:t>M-LED</a:t>
+            </a:r>
+          </a:p>
+          <a:p>
+            <a:endParaRPr lang="it-IT" sz="3600" b="1" dirty="0"/>
+          </a:p>
+          <a:p>
+            <a:r>
+              <a:rPr lang="it-IT" sz="3200" b="1" dirty="0"/>
+              <a:t>Contact and help</a:t>
+            </a:r>
+            <a:endParaRPr lang="en-GB" sz="3200" b="1" dirty="0"/>
+          </a:p>
+        </p:txBody>
+      </p:sp>
+    </p:spTree>
+    <p:extLst>
+      <p:ext uri="{BB962C8B-B14F-4D97-AF65-F5344CB8AC3E}">
+        <p14:creationId xmlns:p14="http://schemas.microsoft.com/office/powerpoint/2010/main" val="3544621992"/>
+      </p:ext>
+    </p:extLst>
+  </p:cSld>
+  <p:clrMapOvr>
+    <a:masterClrMapping/>
+  </p:clrMapOvr>
+</p:sld>
+</file>
+
+<file path=ppt/slides/slide58.xml><?xml version="1.0" encoding="utf-8"?>
+<p:sld xmlns:a="http://schemas.openxmlformats.org/drawingml/2006/main" xmlns:r="http://schemas.openxmlformats.org/officeDocument/2006/relationships" xmlns:p="http://schemas.openxmlformats.org/presentationml/2006/main">
+  <p:cSld>
+    <p:spTree>
+      <p:nvGrpSpPr>
+        <p:cNvPr id="1" name=""/>
+        <p:cNvGrpSpPr/>
+        <p:nvPr/>
+      </p:nvGrpSpPr>
+      <p:grpSpPr>
+        <a:xfrm>
+          <a:off x="0" y="0"/>
+          <a:ext cx="0" cy="0"/>
+          <a:chOff x="0" y="0"/>
+          <a:chExt cx="0" cy="0"/>
+        </a:xfrm>
+      </p:grpSpPr>
+      <p:sp>
+        <p:nvSpPr>
+          <p:cNvPr id="2" name="Content Placeholder 1">
+            <a:extLst>
+              <a:ext uri="{FF2B5EF4-FFF2-40B4-BE49-F238E27FC236}">
+                <a16:creationId xmlns:a16="http://schemas.microsoft.com/office/drawing/2014/main" id="{CB2F9C2C-AA45-400F-88E8-CD1B3077AB3B}"/>
+              </a:ext>
+            </a:extLst>
+          </p:cNvPr>
+          <p:cNvSpPr>
+            <a:spLocks noGrp="1"/>
+          </p:cNvSpPr>
+          <p:nvPr>
+            <p:ph idx="1"/>
+          </p:nvPr>
+        </p:nvSpPr>
+        <p:spPr>
+          <a:xfrm>
+            <a:off x="811772" y="1480765"/>
+            <a:ext cx="10326783" cy="4351338"/>
+          </a:xfrm>
+        </p:spPr>
+        <p:txBody>
+          <a:bodyPr/>
+          <a:lstStyle/>
+          <a:p>
+            <a:pPr marL="0" indent="0" algn="ctr" rtl="0">
+              <a:buNone/>
+            </a:pPr>
+            <a:endParaRPr lang="en-GB" sz="2000" b="0" i="0" dirty="0">
+              <a:solidFill>
+                <a:srgbClr val="212121"/>
+              </a:solidFill>
+              <a:effectLst/>
+              <a:latin typeface="Bitter"/>
+            </a:endParaRPr>
+          </a:p>
+          <a:p>
+            <a:pPr marL="0" indent="0" algn="ctr" rtl="0">
+              <a:buNone/>
+            </a:pPr>
+            <a:endParaRPr lang="en-GB" sz="2000" dirty="0">
+              <a:solidFill>
+                <a:srgbClr val="212121"/>
+              </a:solidFill>
+              <a:latin typeface="Bitter"/>
+            </a:endParaRPr>
+          </a:p>
+          <a:p>
+            <a:pPr marL="0" indent="0" algn="ctr" rtl="0">
+              <a:buNone/>
+            </a:pPr>
+            <a:endParaRPr lang="en-GB" sz="2000" dirty="0">
+              <a:solidFill>
+                <a:srgbClr val="212121"/>
+              </a:solidFill>
+              <a:latin typeface="Bitter"/>
+            </a:endParaRPr>
+          </a:p>
+          <a:p>
+            <a:pPr marL="0" indent="0" algn="ctr" rtl="0">
+              <a:buNone/>
+            </a:pPr>
+            <a:endParaRPr lang="en-GB" sz="2000" dirty="0">
+              <a:solidFill>
+                <a:srgbClr val="212121"/>
+              </a:solidFill>
+              <a:latin typeface="Bitter"/>
+            </a:endParaRPr>
+          </a:p>
+          <a:p>
+            <a:pPr marL="0" indent="0" algn="ctr" rtl="0">
+              <a:buNone/>
+            </a:pPr>
+            <a:endParaRPr lang="en-GB" sz="2000" dirty="0">
+              <a:solidFill>
+                <a:srgbClr val="212121"/>
+              </a:solidFill>
+              <a:latin typeface="Bitter"/>
+            </a:endParaRPr>
+          </a:p>
+          <a:p>
+            <a:pPr marL="0" indent="0" algn="ctr" rtl="0">
+              <a:buNone/>
+            </a:pPr>
+            <a:endParaRPr lang="en-GB" sz="2000" dirty="0">
+              <a:solidFill>
+                <a:srgbClr val="212121"/>
+              </a:solidFill>
+              <a:latin typeface="Bitter"/>
+            </a:endParaRPr>
+          </a:p>
+          <a:p>
+            <a:pPr marL="0" indent="0" algn="ctr" rtl="0">
+              <a:buNone/>
+            </a:pPr>
+            <a:endParaRPr lang="en-GB" sz="2000" dirty="0">
+              <a:solidFill>
+                <a:srgbClr val="212121"/>
+              </a:solidFill>
+              <a:latin typeface="Bitter"/>
+            </a:endParaRPr>
+          </a:p>
+          <a:p>
+            <a:pPr marL="0" indent="0" algn="ctr" rtl="0">
+              <a:buNone/>
+            </a:pPr>
+            <a:endParaRPr lang="en-GB" sz="2000" dirty="0">
+              <a:solidFill>
+                <a:srgbClr val="212121"/>
+              </a:solidFill>
+              <a:latin typeface="Bitter"/>
+            </a:endParaRPr>
+          </a:p>
+          <a:p>
+            <a:pPr marL="0" indent="0" algn="ctr" rtl="0">
+              <a:buNone/>
+            </a:pPr>
+            <a:endParaRPr lang="en-GB" sz="2000" b="0" i="0" dirty="0">
+              <a:solidFill>
+                <a:srgbClr val="212121"/>
+              </a:solidFill>
+              <a:effectLst/>
+              <a:latin typeface="Bitter"/>
+            </a:endParaRPr>
+          </a:p>
+          <a:p>
+            <a:pPr marL="0" indent="0" algn="ctr" rtl="0">
+              <a:buNone/>
+            </a:pPr>
+            <a:endParaRPr lang="en-GB" sz="2000" b="0" i="0" dirty="0">
+              <a:solidFill>
+                <a:srgbClr val="212121"/>
+              </a:solidFill>
+              <a:effectLst/>
+              <a:latin typeface="Bitter"/>
+            </a:endParaRPr>
+          </a:p>
+          <a:p>
+            <a:pPr marL="0" indent="0" algn="ctr" rtl="0">
+              <a:buNone/>
+            </a:pPr>
+            <a:r>
+              <a:rPr lang="en-GB" sz="2000" b="0" i="0" dirty="0">
+                <a:solidFill>
+                  <a:srgbClr val="212121"/>
+                </a:solidFill>
+                <a:effectLst/>
+                <a:latin typeface="Bitter"/>
+              </a:rPr>
+              <a:t>For other queries and engagement, reach out to:</a:t>
+            </a:r>
+          </a:p>
+          <a:p>
+            <a:pPr marL="0" indent="0" algn="ctr" rtl="0">
+              <a:buNone/>
+            </a:pPr>
+            <a:r>
+              <a:rPr lang="en-GB" sz="2000" b="0" i="0" u="none" strike="noStrike" dirty="0">
+                <a:solidFill>
+                  <a:srgbClr val="212121"/>
+                </a:solidFill>
+                <a:effectLst/>
+                <a:latin typeface="Bitter"/>
+                <a:hlinkClick r:id="rId2"/>
+              </a:rPr>
+              <a:t>re4afagri@gmail.com</a:t>
+            </a:r>
+            <a:endParaRPr lang="en-GB" sz="2000" b="0" i="0" dirty="0">
+              <a:solidFill>
+                <a:srgbClr val="212121"/>
+              </a:solidFill>
+              <a:effectLst/>
+              <a:latin typeface="Bitter"/>
+            </a:endParaRPr>
+          </a:p>
+          <a:p>
+            <a:pPr algn="ctr"/>
+            <a:endParaRPr lang="it-IT" sz="3200" dirty="0"/>
+          </a:p>
+        </p:txBody>
+      </p:sp>
+      <p:sp>
+        <p:nvSpPr>
+          <p:cNvPr id="3" name="Title 2">
+            <a:extLst>
+              <a:ext uri="{FF2B5EF4-FFF2-40B4-BE49-F238E27FC236}">
+                <a16:creationId xmlns:a16="http://schemas.microsoft.com/office/drawing/2014/main" id="{A5055686-2292-40F4-BA41-0E2F5C414480}"/>
+              </a:ext>
+            </a:extLst>
+          </p:cNvPr>
+          <p:cNvSpPr>
+            <a:spLocks noGrp="1"/>
+          </p:cNvSpPr>
+          <p:nvPr>
+            <p:ph type="title"/>
+          </p:nvPr>
+        </p:nvSpPr>
+        <p:spPr/>
+        <p:txBody>
+          <a:bodyPr/>
+          <a:lstStyle/>
+          <a:p>
+            <a:r>
+              <a:rPr lang="it-IT" dirty="0"/>
+              <a:t>Contact</a:t>
+            </a:r>
+            <a:endParaRPr lang="en-GB" dirty="0"/>
+          </a:p>
+        </p:txBody>
+      </p:sp>
+      <p:pic>
+        <p:nvPicPr>
+          <p:cNvPr id="4" name="Picture 4">
+            <a:extLst>
+              <a:ext uri="{FF2B5EF4-FFF2-40B4-BE49-F238E27FC236}">
+                <a16:creationId xmlns:a16="http://schemas.microsoft.com/office/drawing/2014/main" id="{FC499E64-BF6B-49D2-8204-36D69F9EF067}"/>
+              </a:ext>
+            </a:extLst>
+          </p:cNvPr>
+          <p:cNvPicPr>
+            <a:picLocks noChangeAspect="1" noChangeArrowheads="1"/>
+          </p:cNvPicPr>
+          <p:nvPr/>
+        </p:nvPicPr>
+        <p:blipFill>
+          <a:blip r:embed="rId3">
+            <a:extLst>
+              <a:ext uri="{28A0092B-C50C-407E-A947-70E740481C1C}">
+                <a14:useLocalDpi xmlns:a14="http://schemas.microsoft.com/office/drawing/2010/main" val="0"/>
+              </a:ext>
+            </a:extLst>
+          </a:blip>
+          <a:srcRect/>
+          <a:stretch>
+            <a:fillRect/>
+          </a:stretch>
+        </p:blipFill>
+        <p:spPr bwMode="auto">
+          <a:xfrm>
+            <a:off x="1012202" y="1282120"/>
+            <a:ext cx="2633730" cy="1051434"/>
+          </a:xfrm>
+          <a:prstGeom prst="rect">
+            <a:avLst/>
+          </a:prstGeom>
+          <a:noFill/>
+          <a:extLst>
+            <a:ext uri="{909E8E84-426E-40DD-AFC4-6F175D3DCCD1}">
+              <a14:hiddenFill xmlns:a14="http://schemas.microsoft.com/office/drawing/2010/main">
+                <a:solidFill>
+                  <a:srgbClr val="FFFFFF"/>
+                </a:solidFill>
+              </a14:hiddenFill>
+            </a:ext>
+          </a:extLst>
+        </p:spPr>
+      </p:pic>
+      <p:sp>
+        <p:nvSpPr>
+          <p:cNvPr id="6" name="TextBox 5">
+            <a:extLst>
+              <a:ext uri="{FF2B5EF4-FFF2-40B4-BE49-F238E27FC236}">
+                <a16:creationId xmlns:a16="http://schemas.microsoft.com/office/drawing/2014/main" id="{D431DFFA-BAE3-42BC-A717-58C5F6805CCA}"/>
+              </a:ext>
+            </a:extLst>
+          </p:cNvPr>
+          <p:cNvSpPr txBox="1"/>
+          <p:nvPr/>
+        </p:nvSpPr>
+        <p:spPr>
+          <a:xfrm>
+            <a:off x="4072381" y="1623171"/>
+            <a:ext cx="6651522" cy="461665"/>
+          </a:xfrm>
+          <a:prstGeom prst="rect">
+            <a:avLst/>
+          </a:prstGeom>
+          <a:noFill/>
+        </p:spPr>
+        <p:txBody>
+          <a:bodyPr wrap="square">
+            <a:spAutoFit/>
+          </a:bodyPr>
+          <a:lstStyle/>
+          <a:p>
+            <a:r>
+              <a:rPr lang="en-GB" sz="2400" b="1" dirty="0"/>
+              <a:t>https://github.com/giacfalk/RE4AFAGRI_platform</a:t>
+            </a:r>
+          </a:p>
+        </p:txBody>
+      </p:sp>
+      <p:pic>
+        <p:nvPicPr>
+          <p:cNvPr id="8" name="Picture 7">
+            <a:extLst>
+              <a:ext uri="{FF2B5EF4-FFF2-40B4-BE49-F238E27FC236}">
+                <a16:creationId xmlns:a16="http://schemas.microsoft.com/office/drawing/2014/main" id="{6A7773DF-F94D-4C66-98C6-C911954C7857}"/>
+              </a:ext>
+            </a:extLst>
+          </p:cNvPr>
+          <p:cNvPicPr>
+            <a:picLocks noChangeAspect="1"/>
+          </p:cNvPicPr>
+          <p:nvPr/>
+        </p:nvPicPr>
+        <p:blipFill>
+          <a:blip r:embed="rId4"/>
+          <a:stretch>
+            <a:fillRect/>
+          </a:stretch>
+        </p:blipFill>
+        <p:spPr>
+          <a:xfrm>
+            <a:off x="1627226" y="2468557"/>
+            <a:ext cx="8695874" cy="2979824"/>
+          </a:xfrm>
+          <a:prstGeom prst="rect">
+            <a:avLst/>
+          </a:prstGeom>
+        </p:spPr>
+      </p:pic>
+      <p:sp>
+        <p:nvSpPr>
+          <p:cNvPr id="9" name="Oval 8">
+            <a:extLst>
+              <a:ext uri="{FF2B5EF4-FFF2-40B4-BE49-F238E27FC236}">
+                <a16:creationId xmlns:a16="http://schemas.microsoft.com/office/drawing/2014/main" id="{104C3F9E-D38D-4DF0-9D18-A20741A5BE14}"/>
+              </a:ext>
+            </a:extLst>
+          </p:cNvPr>
+          <p:cNvSpPr/>
+          <p:nvPr/>
+        </p:nvSpPr>
+        <p:spPr>
+          <a:xfrm>
+            <a:off x="9166108" y="4046957"/>
+            <a:ext cx="1345053" cy="637140"/>
+          </a:xfrm>
+          <a:prstGeom prst="ellipse">
+            <a:avLst/>
+          </a:prstGeom>
+          <a:noFill/>
+          <a:ln w="38100">
+            <a:solidFill>
+              <a:srgbClr val="FF0000"/>
+            </a:solidFill>
+          </a:ln>
+        </p:spPr>
+        <p:style>
+          <a:lnRef idx="2">
+            <a:schemeClr val="accent1">
+              <a:shade val="50000"/>
+            </a:schemeClr>
+          </a:lnRef>
+          <a:fillRef idx="1">
+            <a:schemeClr val="accent1"/>
+          </a:fillRef>
+          <a:effectRef idx="0">
+            <a:schemeClr val="accent1"/>
+          </a:effectRef>
+          <a:fontRef idx="minor">
+            <a:schemeClr val="lt1"/>
+          </a:fontRef>
+        </p:style>
+        <p:txBody>
+          <a:bodyPr rtlCol="0" anchor="ctr"/>
+          <a:lstStyle/>
+          <a:p>
+            <a:pPr algn="ctr"/>
+            <a:endParaRPr lang="en-GB"/>
+          </a:p>
+        </p:txBody>
+      </p:sp>
+      <p:sp>
+        <p:nvSpPr>
+          <p:cNvPr id="10" name="Oval 9">
+            <a:extLst>
+              <a:ext uri="{FF2B5EF4-FFF2-40B4-BE49-F238E27FC236}">
+                <a16:creationId xmlns:a16="http://schemas.microsoft.com/office/drawing/2014/main" id="{88FEC3D7-3E29-4DB8-B046-262AD89AEACD}"/>
+              </a:ext>
+            </a:extLst>
+          </p:cNvPr>
+          <p:cNvSpPr/>
+          <p:nvPr/>
+        </p:nvSpPr>
+        <p:spPr>
+          <a:xfrm>
+            <a:off x="2028395" y="2836606"/>
+            <a:ext cx="1345053" cy="637140"/>
+          </a:xfrm>
+          <a:prstGeom prst="ellipse">
+            <a:avLst/>
+          </a:prstGeom>
+          <a:noFill/>
+          <a:ln w="38100">
+            <a:solidFill>
+              <a:srgbClr val="FF0000"/>
+            </a:solidFill>
+          </a:ln>
+        </p:spPr>
+        <p:style>
+          <a:lnRef idx="2">
+            <a:schemeClr val="accent1">
+              <a:shade val="50000"/>
+            </a:schemeClr>
+          </a:lnRef>
+          <a:fillRef idx="1">
+            <a:schemeClr val="accent1"/>
+          </a:fillRef>
+          <a:effectRef idx="0">
+            <a:schemeClr val="accent1"/>
+          </a:effectRef>
+          <a:fontRef idx="minor">
+            <a:schemeClr val="lt1"/>
+          </a:fontRef>
+        </p:style>
+        <p:txBody>
+          <a:bodyPr rtlCol="0" anchor="ctr"/>
+          <a:lstStyle/>
+          <a:p>
+            <a:pPr algn="ctr"/>
+            <a:endParaRPr lang="en-GB"/>
+          </a:p>
+        </p:txBody>
+      </p:sp>
+    </p:spTree>
+    <p:extLst>
+      <p:ext uri="{BB962C8B-B14F-4D97-AF65-F5344CB8AC3E}">
+        <p14:creationId xmlns:p14="http://schemas.microsoft.com/office/powerpoint/2010/main" val="3382597415"/>
+      </p:ext>
+    </p:extLst>
+  </p:cSld>
+  <p:clrMapOvr>
+    <a:masterClrMapping/>
+  </p:clrMapOvr>
+</p:sld>
+</file>
+
+<file path=ppt/slides/slide59.xml><?xml version="1.0" encoding="utf-8"?>
+<p:sld xmlns:a="http://schemas.openxmlformats.org/drawingml/2006/main" xmlns:r="http://schemas.openxmlformats.org/officeDocument/2006/relationships" xmlns:p="http://schemas.openxmlformats.org/presentationml/2006/main">
+  <p:cSld>
+    <p:spTree>
+      <p:nvGrpSpPr>
+        <p:cNvPr id="1" name=""/>
+        <p:cNvGrpSpPr/>
+        <p:nvPr/>
+      </p:nvGrpSpPr>
+      <p:grpSpPr>
+        <a:xfrm>
+          <a:off x="0" y="0"/>
+          <a:ext cx="0" cy="0"/>
+          <a:chOff x="0" y="0"/>
+          <a:chExt cx="0" cy="0"/>
+        </a:xfrm>
+      </p:grpSpPr>
+      <p:sp>
+        <p:nvSpPr>
+          <p:cNvPr id="2" name="Content Placeholder 1">
+            <a:extLst>
+              <a:ext uri="{FF2B5EF4-FFF2-40B4-BE49-F238E27FC236}">
+                <a16:creationId xmlns:a16="http://schemas.microsoft.com/office/drawing/2014/main" id="{CB2F9C2C-AA45-400F-88E8-CD1B3077AB3B}"/>
+              </a:ext>
+            </a:extLst>
+          </p:cNvPr>
+          <p:cNvSpPr>
+            <a:spLocks noGrp="1"/>
+          </p:cNvSpPr>
+          <p:nvPr>
+            <p:ph idx="1"/>
+          </p:nvPr>
+        </p:nvSpPr>
+        <p:spPr>
+          <a:xfrm>
+            <a:off x="811772" y="1480765"/>
+            <a:ext cx="10326783" cy="4351338"/>
+          </a:xfrm>
+        </p:spPr>
+        <p:txBody>
+          <a:bodyPr/>
+          <a:lstStyle/>
+          <a:p>
+            <a:pPr marL="0" indent="0" algn="ctr" rtl="0">
+              <a:buNone/>
+            </a:pPr>
+            <a:endParaRPr lang="en-GB" sz="2000" b="0" i="0" dirty="0">
+              <a:solidFill>
+                <a:srgbClr val="212121"/>
+              </a:solidFill>
+              <a:effectLst/>
+              <a:latin typeface="Bitter"/>
+            </a:endParaRPr>
+          </a:p>
+          <a:p>
+            <a:pPr marL="0" indent="0" algn="ctr" rtl="0">
+              <a:buNone/>
+            </a:pPr>
+            <a:endParaRPr lang="en-GB" sz="2000" dirty="0">
+              <a:solidFill>
+                <a:srgbClr val="212121"/>
+              </a:solidFill>
+              <a:latin typeface="Bitter"/>
+            </a:endParaRPr>
+          </a:p>
+          <a:p>
+            <a:pPr marL="0" indent="0" algn="ctr" rtl="0">
+              <a:buNone/>
+            </a:pPr>
+            <a:endParaRPr lang="en-GB" sz="2000" dirty="0">
+              <a:solidFill>
+                <a:srgbClr val="212121"/>
+              </a:solidFill>
+              <a:latin typeface="Bitter"/>
+            </a:endParaRPr>
+          </a:p>
+          <a:p>
+            <a:pPr marL="0" indent="0" algn="ctr" rtl="0">
+              <a:buNone/>
+            </a:pPr>
+            <a:endParaRPr lang="en-GB" sz="2000" dirty="0">
+              <a:solidFill>
+                <a:srgbClr val="212121"/>
+              </a:solidFill>
+              <a:latin typeface="Bitter"/>
+            </a:endParaRPr>
+          </a:p>
+          <a:p>
+            <a:pPr marL="0" indent="0" algn="ctr" rtl="0">
+              <a:buNone/>
+            </a:pPr>
+            <a:endParaRPr lang="en-GB" sz="2000" dirty="0">
+              <a:solidFill>
+                <a:srgbClr val="212121"/>
+              </a:solidFill>
+              <a:latin typeface="Bitter"/>
+            </a:endParaRPr>
+          </a:p>
+          <a:p>
+            <a:pPr marL="0" indent="0" algn="ctr" rtl="0">
+              <a:buNone/>
+            </a:pPr>
+            <a:endParaRPr lang="en-GB" sz="2000" dirty="0">
+              <a:solidFill>
+                <a:srgbClr val="212121"/>
+              </a:solidFill>
+              <a:latin typeface="Bitter"/>
+            </a:endParaRPr>
+          </a:p>
+          <a:p>
+            <a:pPr marL="0" indent="0" algn="ctr" rtl="0">
+              <a:buNone/>
+            </a:pPr>
+            <a:endParaRPr lang="en-GB" sz="2000" dirty="0">
+              <a:solidFill>
+                <a:srgbClr val="212121"/>
+              </a:solidFill>
+              <a:latin typeface="Bitter"/>
+            </a:endParaRPr>
+          </a:p>
+          <a:p>
+            <a:pPr marL="0" indent="0" algn="ctr" rtl="0">
+              <a:buNone/>
+            </a:pPr>
+            <a:endParaRPr lang="en-GB" sz="2000" dirty="0">
+              <a:solidFill>
+                <a:srgbClr val="212121"/>
+              </a:solidFill>
+              <a:latin typeface="Bitter"/>
+            </a:endParaRPr>
+          </a:p>
+          <a:p>
+            <a:pPr marL="0" indent="0" algn="ctr" rtl="0">
+              <a:buNone/>
+            </a:pPr>
+            <a:endParaRPr lang="en-GB" sz="2000" b="0" i="0" dirty="0">
+              <a:solidFill>
+                <a:srgbClr val="212121"/>
+              </a:solidFill>
+              <a:effectLst/>
+              <a:latin typeface="Bitter"/>
+            </a:endParaRPr>
+          </a:p>
+          <a:p>
+            <a:pPr marL="0" indent="0" algn="ctr" rtl="0">
+              <a:buNone/>
+            </a:pPr>
+            <a:endParaRPr lang="en-GB" sz="2000" b="0" i="0" dirty="0">
+              <a:solidFill>
+                <a:srgbClr val="212121"/>
+              </a:solidFill>
+              <a:effectLst/>
+              <a:latin typeface="Bitter"/>
+            </a:endParaRPr>
+          </a:p>
+          <a:p>
+            <a:pPr marL="0" indent="0" algn="ctr" rtl="0">
+              <a:buNone/>
+            </a:pPr>
+            <a:br>
+              <a:rPr lang="en-GB" sz="2000" b="0" i="0" dirty="0">
+                <a:solidFill>
+                  <a:srgbClr val="212121"/>
+                </a:solidFill>
+                <a:effectLst/>
+                <a:latin typeface="Bitter"/>
+              </a:rPr>
+            </a:br>
+            <a:r>
+              <a:rPr lang="en-GB" sz="2000" b="0" i="0" dirty="0">
+                <a:solidFill>
+                  <a:srgbClr val="212121"/>
+                </a:solidFill>
+                <a:effectLst/>
+                <a:latin typeface="Bitter"/>
+              </a:rPr>
+              <a:t>For other queries and engagement, reach out to:</a:t>
+            </a:r>
+          </a:p>
+          <a:p>
+            <a:pPr marL="0" indent="0" algn="ctr" rtl="0">
+              <a:buNone/>
+            </a:pPr>
+            <a:r>
+              <a:rPr lang="en-GB" sz="2000" b="0" i="0" u="none" strike="noStrike" dirty="0">
+                <a:solidFill>
+                  <a:srgbClr val="212121"/>
+                </a:solidFill>
+                <a:effectLst/>
+                <a:latin typeface="Bitter"/>
+                <a:hlinkClick r:id="rId2"/>
+              </a:rPr>
+              <a:t>re4afagri@gmail.com</a:t>
+            </a:r>
+            <a:endParaRPr lang="en-GB" sz="2000" b="0" i="0" dirty="0">
+              <a:solidFill>
+                <a:srgbClr val="212121"/>
+              </a:solidFill>
+              <a:effectLst/>
+              <a:latin typeface="Bitter"/>
+            </a:endParaRPr>
+          </a:p>
+          <a:p>
+            <a:pPr algn="ctr"/>
+            <a:endParaRPr lang="it-IT" sz="3200" dirty="0"/>
+          </a:p>
+        </p:txBody>
+      </p:sp>
+      <p:sp>
+        <p:nvSpPr>
+          <p:cNvPr id="3" name="Title 2">
+            <a:extLst>
+              <a:ext uri="{FF2B5EF4-FFF2-40B4-BE49-F238E27FC236}">
+                <a16:creationId xmlns:a16="http://schemas.microsoft.com/office/drawing/2014/main" id="{A5055686-2292-40F4-BA41-0E2F5C414480}"/>
+              </a:ext>
+            </a:extLst>
+          </p:cNvPr>
+          <p:cNvSpPr>
+            <a:spLocks noGrp="1"/>
+          </p:cNvSpPr>
+          <p:nvPr>
+            <p:ph type="title"/>
+          </p:nvPr>
+        </p:nvSpPr>
+        <p:spPr/>
+        <p:txBody>
+          <a:bodyPr/>
+          <a:lstStyle/>
+          <a:p>
+            <a:r>
+              <a:rPr lang="it-IT" dirty="0"/>
+              <a:t>Contact</a:t>
+            </a:r>
+            <a:endParaRPr lang="en-GB" dirty="0"/>
+          </a:p>
+        </p:txBody>
+      </p:sp>
+      <p:pic>
+        <p:nvPicPr>
+          <p:cNvPr id="4" name="Picture 4">
+            <a:extLst>
+              <a:ext uri="{FF2B5EF4-FFF2-40B4-BE49-F238E27FC236}">
+                <a16:creationId xmlns:a16="http://schemas.microsoft.com/office/drawing/2014/main" id="{FC499E64-BF6B-49D2-8204-36D69F9EF067}"/>
+              </a:ext>
+            </a:extLst>
+          </p:cNvPr>
+          <p:cNvPicPr>
+            <a:picLocks noChangeAspect="1" noChangeArrowheads="1"/>
+          </p:cNvPicPr>
+          <p:nvPr/>
+        </p:nvPicPr>
+        <p:blipFill>
+          <a:blip r:embed="rId3">
+            <a:extLst>
+              <a:ext uri="{28A0092B-C50C-407E-A947-70E740481C1C}">
+                <a14:useLocalDpi xmlns:a14="http://schemas.microsoft.com/office/drawing/2010/main" val="0"/>
+              </a:ext>
+            </a:extLst>
+          </a:blip>
+          <a:srcRect/>
+          <a:stretch>
+            <a:fillRect/>
+          </a:stretch>
+        </p:blipFill>
+        <p:spPr bwMode="auto">
+          <a:xfrm>
+            <a:off x="1012202" y="1282120"/>
+            <a:ext cx="2633730" cy="1051434"/>
+          </a:xfrm>
+          <a:prstGeom prst="rect">
+            <a:avLst/>
+          </a:prstGeom>
+          <a:noFill/>
+          <a:extLst>
+            <a:ext uri="{909E8E84-426E-40DD-AFC4-6F175D3DCCD1}">
+              <a14:hiddenFill xmlns:a14="http://schemas.microsoft.com/office/drawing/2010/main">
+                <a:solidFill>
+                  <a:srgbClr val="FFFFFF"/>
+                </a:solidFill>
+              </a14:hiddenFill>
+            </a:ext>
+          </a:extLst>
+        </p:spPr>
+      </p:pic>
+      <p:sp>
+        <p:nvSpPr>
+          <p:cNvPr id="6" name="TextBox 5">
+            <a:extLst>
+              <a:ext uri="{FF2B5EF4-FFF2-40B4-BE49-F238E27FC236}">
+                <a16:creationId xmlns:a16="http://schemas.microsoft.com/office/drawing/2014/main" id="{D431DFFA-BAE3-42BC-A717-58C5F6805CCA}"/>
+              </a:ext>
+            </a:extLst>
+          </p:cNvPr>
+          <p:cNvSpPr txBox="1"/>
+          <p:nvPr/>
+        </p:nvSpPr>
+        <p:spPr>
+          <a:xfrm>
+            <a:off x="4072381" y="1623171"/>
+            <a:ext cx="6651522" cy="461665"/>
+          </a:xfrm>
+          <a:prstGeom prst="rect">
+            <a:avLst/>
+          </a:prstGeom>
+          <a:noFill/>
+        </p:spPr>
+        <p:txBody>
+          <a:bodyPr wrap="square">
+            <a:spAutoFit/>
+          </a:bodyPr>
+          <a:lstStyle/>
+          <a:p>
+            <a:r>
+              <a:rPr lang="en-GB" sz="2400" b="1" dirty="0"/>
+              <a:t>https://github.com/giacfalk/RE4AFAGRI_platform</a:t>
+            </a:r>
+          </a:p>
+        </p:txBody>
+      </p:sp>
+      <p:pic>
+        <p:nvPicPr>
+          <p:cNvPr id="7" name="Picture 6">
+            <a:extLst>
+              <a:ext uri="{FF2B5EF4-FFF2-40B4-BE49-F238E27FC236}">
+                <a16:creationId xmlns:a16="http://schemas.microsoft.com/office/drawing/2014/main" id="{A02CBFC6-65C9-45AD-A4E8-960158899006}"/>
+              </a:ext>
+            </a:extLst>
+          </p:cNvPr>
+          <p:cNvPicPr>
+            <a:picLocks noChangeAspect="1"/>
+          </p:cNvPicPr>
+          <p:nvPr/>
+        </p:nvPicPr>
+        <p:blipFill>
+          <a:blip r:embed="rId4"/>
+          <a:stretch>
+            <a:fillRect/>
+          </a:stretch>
+        </p:blipFill>
+        <p:spPr>
+          <a:xfrm>
+            <a:off x="1215268" y="2278151"/>
+            <a:ext cx="7751752" cy="3264436"/>
+          </a:xfrm>
+          <a:prstGeom prst="rect">
+            <a:avLst/>
+          </a:prstGeom>
+        </p:spPr>
+      </p:pic>
+      <p:sp>
+        <p:nvSpPr>
+          <p:cNvPr id="11" name="Oval 10">
+            <a:extLst>
+              <a:ext uri="{FF2B5EF4-FFF2-40B4-BE49-F238E27FC236}">
+                <a16:creationId xmlns:a16="http://schemas.microsoft.com/office/drawing/2014/main" id="{391555F9-5897-47BB-B902-AB31EE72ECE6}"/>
+              </a:ext>
+            </a:extLst>
+          </p:cNvPr>
+          <p:cNvSpPr/>
+          <p:nvPr/>
+        </p:nvSpPr>
+        <p:spPr>
+          <a:xfrm>
+            <a:off x="7426303" y="5001647"/>
+            <a:ext cx="1345053" cy="637140"/>
+          </a:xfrm>
+          <a:prstGeom prst="ellipse">
+            <a:avLst/>
+          </a:prstGeom>
+          <a:noFill/>
+          <a:ln w="38100">
+            <a:solidFill>
+              <a:srgbClr val="FF0000"/>
+            </a:solidFill>
+          </a:ln>
+        </p:spPr>
+        <p:style>
+          <a:lnRef idx="2">
+            <a:schemeClr val="accent1">
+              <a:shade val="50000"/>
+            </a:schemeClr>
+          </a:lnRef>
+          <a:fillRef idx="1">
+            <a:schemeClr val="accent1"/>
+          </a:fillRef>
+          <a:effectRef idx="0">
+            <a:schemeClr val="accent1"/>
+          </a:effectRef>
+          <a:fontRef idx="minor">
+            <a:schemeClr val="lt1"/>
+          </a:fontRef>
+        </p:style>
+        <p:txBody>
+          <a:bodyPr rtlCol="0" anchor="ctr"/>
+          <a:lstStyle/>
+          <a:p>
+            <a:pPr algn="ctr"/>
+            <a:endParaRPr lang="en-GB"/>
+          </a:p>
+        </p:txBody>
+      </p:sp>
+      <p:sp>
+        <p:nvSpPr>
+          <p:cNvPr id="12" name="Oval 11">
+            <a:extLst>
+              <a:ext uri="{FF2B5EF4-FFF2-40B4-BE49-F238E27FC236}">
+                <a16:creationId xmlns:a16="http://schemas.microsoft.com/office/drawing/2014/main" id="{9E0A61E6-A0D1-4797-9B3D-080189FECB64}"/>
+              </a:ext>
+            </a:extLst>
+          </p:cNvPr>
+          <p:cNvSpPr/>
+          <p:nvPr/>
+        </p:nvSpPr>
+        <p:spPr>
+          <a:xfrm>
+            <a:off x="2878885" y="3402383"/>
+            <a:ext cx="3899473" cy="1213990"/>
+          </a:xfrm>
+          <a:prstGeom prst="ellipse">
+            <a:avLst/>
+          </a:prstGeom>
+          <a:noFill/>
+          <a:ln w="38100">
+            <a:solidFill>
+              <a:srgbClr val="FF0000"/>
+            </a:solidFill>
+          </a:ln>
+        </p:spPr>
+        <p:style>
+          <a:lnRef idx="2">
+            <a:schemeClr val="accent1">
+              <a:shade val="50000"/>
+            </a:schemeClr>
+          </a:lnRef>
+          <a:fillRef idx="1">
+            <a:schemeClr val="accent1"/>
+          </a:fillRef>
+          <a:effectRef idx="0">
+            <a:schemeClr val="accent1"/>
+          </a:effectRef>
+          <a:fontRef idx="minor">
+            <a:schemeClr val="lt1"/>
+          </a:fontRef>
+        </p:style>
+        <p:txBody>
+          <a:bodyPr rtlCol="0" anchor="ctr"/>
+          <a:lstStyle/>
+          <a:p>
+            <a:pPr algn="ctr"/>
+            <a:endParaRPr lang="en-GB"/>
+          </a:p>
+        </p:txBody>
+      </p:sp>
+      <p:sp>
+        <p:nvSpPr>
+          <p:cNvPr id="13" name="Oval 12">
+            <a:extLst>
+              <a:ext uri="{FF2B5EF4-FFF2-40B4-BE49-F238E27FC236}">
+                <a16:creationId xmlns:a16="http://schemas.microsoft.com/office/drawing/2014/main" id="{D84C82D0-F681-4D97-8DA8-E9B7C7992E56}"/>
+              </a:ext>
+            </a:extLst>
+          </p:cNvPr>
+          <p:cNvSpPr/>
+          <p:nvPr/>
+        </p:nvSpPr>
+        <p:spPr>
+          <a:xfrm>
+            <a:off x="1172004" y="2254262"/>
+            <a:ext cx="1345053" cy="637140"/>
+          </a:xfrm>
+          <a:prstGeom prst="ellipse">
+            <a:avLst/>
+          </a:prstGeom>
+          <a:noFill/>
+          <a:ln w="38100">
+            <a:solidFill>
+              <a:srgbClr val="FF0000"/>
+            </a:solidFill>
+          </a:ln>
+        </p:spPr>
+        <p:style>
+          <a:lnRef idx="2">
+            <a:schemeClr val="accent1">
+              <a:shade val="50000"/>
+            </a:schemeClr>
+          </a:lnRef>
+          <a:fillRef idx="1">
+            <a:schemeClr val="accent1"/>
+          </a:fillRef>
+          <a:effectRef idx="0">
+            <a:schemeClr val="accent1"/>
+          </a:effectRef>
+          <a:fontRef idx="minor">
+            <a:schemeClr val="lt1"/>
+          </a:fontRef>
+        </p:style>
+        <p:txBody>
+          <a:bodyPr rtlCol="0" anchor="ctr"/>
+          <a:lstStyle/>
+          <a:p>
+            <a:pPr algn="ctr"/>
+            <a:endParaRPr lang="en-GB"/>
+          </a:p>
+        </p:txBody>
+      </p:sp>
+    </p:spTree>
+    <p:extLst>
+      <p:ext uri="{BB962C8B-B14F-4D97-AF65-F5344CB8AC3E}">
+        <p14:creationId xmlns:p14="http://schemas.microsoft.com/office/powerpoint/2010/main" val="270551752"/>
+      </p:ext>
+    </p:extLst>
+  </p:cSld>
+  <p:clrMapOvr>
+    <a:masterClrMapping/>
+  </p:clrMapOvr>
+</p:sld>
+</file>
+
+<file path=ppt/slides/slide6.xml><?xml version="1.0" encoding="utf-8"?>
 <p:sld xmlns:a="http://schemas.openxmlformats.org/drawingml/2006/main" xmlns:r="http://schemas.openxmlformats.org/officeDocument/2006/relationships" xmlns:p="http://schemas.openxmlformats.org/presentationml/2006/main">
   <p:cSld>
     <p:spTree>
@@ -21386,7 +26823,37 @@
 </p:sld>
 </file>
 
-<file path=ppt/slides/slide6.xml><?xml version="1.0" encoding="utf-8"?>
+<file path=ppt/slides/slide60.xml><?xml version="1.0" encoding="utf-8"?>
+<p:sld xmlns:a="http://schemas.openxmlformats.org/drawingml/2006/main" xmlns:r="http://schemas.openxmlformats.org/officeDocument/2006/relationships" xmlns:p="http://schemas.openxmlformats.org/presentationml/2006/main">
+  <p:cSld>
+    <p:spTree>
+      <p:nvGrpSpPr>
+        <p:cNvPr id="1" name=""/>
+        <p:cNvGrpSpPr/>
+        <p:nvPr/>
+      </p:nvGrpSpPr>
+      <p:grpSpPr>
+        <a:xfrm>
+          <a:off x="0" y="0"/>
+          <a:ext cx="0" cy="0"/>
+          <a:chOff x="0" y="0"/>
+          <a:chExt cx="0" cy="0"/>
+        </a:xfrm>
+      </p:grpSpPr>
+    </p:spTree>
+    <p:extLst>
+      <p:ext uri="{BB962C8B-B14F-4D97-AF65-F5344CB8AC3E}">
+        <p14:creationId xmlns:p14="http://schemas.microsoft.com/office/powerpoint/2010/main" val="3862592627"/>
+      </p:ext>
+    </p:extLst>
+  </p:cSld>
+  <p:clrMapOvr>
+    <a:masterClrMapping/>
+  </p:clrMapOvr>
+</p:sld>
+</file>
+
+<file path=ppt/slides/slide7.xml><?xml version="1.0" encoding="utf-8"?>
 <p:sld xmlns:a="http://schemas.openxmlformats.org/drawingml/2006/main" xmlns:r="http://schemas.openxmlformats.org/officeDocument/2006/relationships" xmlns:p="http://schemas.openxmlformats.org/presentationml/2006/main">
   <p:cSld>
     <p:spTree>
@@ -21461,7 +26928,7 @@
 </p:sld>
 </file>
 
-<file path=ppt/slides/slide7.xml><?xml version="1.0" encoding="utf-8"?>
+<file path=ppt/slides/slide8.xml><?xml version="1.0" encoding="utf-8"?>
 <p:sld xmlns:a="http://schemas.openxmlformats.org/drawingml/2006/main" xmlns:r="http://schemas.openxmlformats.org/officeDocument/2006/relationships" xmlns:p="http://schemas.openxmlformats.org/presentationml/2006/main">
   <p:cSld>
     <p:spTree>
@@ -22181,7 +27648,7 @@
 </p:sld>
 </file>
 
-<file path=ppt/slides/slide8.xml><?xml version="1.0" encoding="utf-8"?>
+<file path=ppt/slides/slide9.xml><?xml version="1.0" encoding="utf-8"?>
 <p:sld xmlns:a="http://schemas.openxmlformats.org/drawingml/2006/main" xmlns:r="http://schemas.openxmlformats.org/officeDocument/2006/relationships" xmlns:p="http://schemas.openxmlformats.org/presentationml/2006/main">
   <p:cSld>
     <p:spTree>
@@ -22984,630 +28451,6 @@
       <p:bldP spid="12" grpId="0"/>
       <p:bldP spid="13" grpId="0"/>
       <p:bldP spid="20" grpId="0"/>
-    </p:bldLst>
-  </p:timing>
-</p:sld>
-</file>
-
-<file path=ppt/slides/slide9.xml><?xml version="1.0" encoding="utf-8"?>
-<p:sld xmlns:a="http://schemas.openxmlformats.org/drawingml/2006/main" xmlns:r="http://schemas.openxmlformats.org/officeDocument/2006/relationships" xmlns:p="http://schemas.openxmlformats.org/presentationml/2006/main">
-  <p:cSld>
-    <p:spTree>
-      <p:nvGrpSpPr>
-        <p:cNvPr id="1" name=""/>
-        <p:cNvGrpSpPr/>
-        <p:nvPr/>
-      </p:nvGrpSpPr>
-      <p:grpSpPr>
-        <a:xfrm>
-          <a:off x="0" y="0"/>
-          <a:ext cx="0" cy="0"/>
-          <a:chOff x="0" y="0"/>
-          <a:chExt cx="0" cy="0"/>
-        </a:xfrm>
-      </p:grpSpPr>
-      <p:sp>
-        <p:nvSpPr>
-          <p:cNvPr id="3" name="Content Placeholder 2">
-            <a:extLst>
-              <a:ext uri="{FF2B5EF4-FFF2-40B4-BE49-F238E27FC236}">
-                <a16:creationId xmlns:a16="http://schemas.microsoft.com/office/drawing/2014/main" id="{103830EF-2D98-42B7-8CFA-356651A07531}"/>
-              </a:ext>
-            </a:extLst>
-          </p:cNvPr>
-          <p:cNvSpPr>
-            <a:spLocks noGrp="1"/>
-          </p:cNvSpPr>
-          <p:nvPr>
-            <p:ph idx="1"/>
-          </p:nvPr>
-        </p:nvSpPr>
-        <p:spPr>
-          <a:xfrm>
-            <a:off x="996967" y="1417320"/>
-            <a:ext cx="9720073" cy="4023360"/>
-          </a:xfrm>
-        </p:spPr>
-        <p:txBody>
-          <a:bodyPr>
-            <a:noAutofit/>
-          </a:bodyPr>
-          <a:lstStyle/>
-          <a:p>
-            <a:r>
-              <a:rPr lang="en-US" sz="2800" dirty="0"/>
-              <a:t>M-LED </a:t>
-            </a:r>
-            <a:r>
-              <a:rPr lang="en-US" sz="2800" b="1" dirty="0"/>
-              <a:t>methods</a:t>
-            </a:r>
-            <a:r>
-              <a:rPr lang="en-US" sz="2800" dirty="0"/>
-              <a:t>:</a:t>
-            </a:r>
-          </a:p>
-          <a:p>
-            <a:pPr lvl="1"/>
-            <a:r>
-              <a:rPr lang="en-US" sz="2400" dirty="0"/>
-              <a:t>Geospatial data processing algorithms</a:t>
-            </a:r>
-          </a:p>
-          <a:p>
-            <a:pPr lvl="1"/>
-            <a:r>
-              <a:rPr lang="en-US" sz="2400" dirty="0"/>
-              <a:t>Appliance-based and needs-driven modelling </a:t>
-            </a:r>
-          </a:p>
-          <a:p>
-            <a:pPr lvl="1"/>
-            <a:r>
-              <a:rPr lang="en-US" sz="2400" dirty="0"/>
-              <a:t>Stochastic variations in electricity demand</a:t>
-            </a:r>
-          </a:p>
-          <a:p>
-            <a:pPr lvl="1"/>
-            <a:r>
-              <a:rPr lang="en-US" sz="2400" dirty="0"/>
-              <a:t>Scenario logic -&gt; economic, demographic and climate pathways impact on future latent demand</a:t>
-            </a:r>
-          </a:p>
-          <a:p>
-            <a:pPr lvl="1"/>
-            <a:endParaRPr lang="en-US" sz="2400" dirty="0"/>
-          </a:p>
-          <a:p>
-            <a:r>
-              <a:rPr lang="en-US" sz="2800" dirty="0"/>
-              <a:t>M-LED </a:t>
-            </a:r>
-            <a:r>
-              <a:rPr lang="en-US" sz="2800" b="1" dirty="0"/>
-              <a:t>assumptions</a:t>
-            </a:r>
-            <a:r>
-              <a:rPr lang="en-US" sz="2800" dirty="0"/>
-              <a:t>:</a:t>
-            </a:r>
-          </a:p>
-          <a:p>
-            <a:pPr lvl="1"/>
-            <a:r>
-              <a:rPr lang="en-US" sz="2400" dirty="0"/>
-              <a:t>Discussed with a broad array of stakeholder from different countries of SSA</a:t>
-            </a:r>
-          </a:p>
-          <a:p>
-            <a:pPr lvl="1"/>
-            <a:r>
-              <a:rPr lang="en-US" sz="2400" dirty="0"/>
-              <a:t>Field visits to assess current pattern of appliance ownership and use</a:t>
-            </a:r>
-          </a:p>
-          <a:p>
-            <a:pPr lvl="1"/>
-            <a:r>
-              <a:rPr lang="en-US" sz="2400" dirty="0"/>
-              <a:t>Literature and needs-driven objectives</a:t>
-            </a:r>
-          </a:p>
-        </p:txBody>
-      </p:sp>
-      <p:sp>
-        <p:nvSpPr>
-          <p:cNvPr id="2" name="Title 1">
-            <a:extLst>
-              <a:ext uri="{FF2B5EF4-FFF2-40B4-BE49-F238E27FC236}">
-                <a16:creationId xmlns:a16="http://schemas.microsoft.com/office/drawing/2014/main" id="{09864BC5-D0A7-4B8A-AFDF-168B644F4993}"/>
-              </a:ext>
-            </a:extLst>
-          </p:cNvPr>
-          <p:cNvSpPr>
-            <a:spLocks noGrp="1"/>
-          </p:cNvSpPr>
-          <p:nvPr>
-            <p:ph type="title"/>
-          </p:nvPr>
-        </p:nvSpPr>
-        <p:spPr/>
-        <p:txBody>
-          <a:bodyPr/>
-          <a:lstStyle/>
-          <a:p>
-            <a:r>
-              <a:rPr lang="en-US" dirty="0"/>
-              <a:t>Technical Overview</a:t>
-            </a:r>
-          </a:p>
-        </p:txBody>
-      </p:sp>
-    </p:spTree>
-    <p:extLst>
-      <p:ext uri="{BB962C8B-B14F-4D97-AF65-F5344CB8AC3E}">
-        <p14:creationId xmlns:p14="http://schemas.microsoft.com/office/powerpoint/2010/main" val="2415306912"/>
-      </p:ext>
-    </p:extLst>
-  </p:cSld>
-  <p:clrMapOvr>
-    <a:masterClrMapping/>
-  </p:clrMapOvr>
-  <p:timing>
-    <p:tnLst>
-      <p:par>
-        <p:cTn id="1" dur="indefinite" restart="never" nodeType="tmRoot">
-          <p:childTnLst>
-            <p:seq concurrent="1" nextAc="seek">
-              <p:cTn id="2" dur="indefinite" nodeType="mainSeq">
-                <p:childTnLst>
-                  <p:par>
-                    <p:cTn id="3" fill="hold">
-                      <p:stCondLst>
-                        <p:cond delay="indefinite"/>
-                      </p:stCondLst>
-                      <p:childTnLst>
-                        <p:par>
-                          <p:cTn id="4" fill="hold">
-                            <p:stCondLst>
-                              <p:cond delay="0"/>
-                            </p:stCondLst>
-                            <p:childTnLst>
-                              <p:par>
-                                <p:cTn id="5" presetID="10" presetClass="entr" presetSubtype="0" fill="hold" grpId="0" nodeType="clickEffect">
-                                  <p:stCondLst>
-                                    <p:cond delay="0"/>
-                                  </p:stCondLst>
-                                  <p:childTnLst>
-                                    <p:set>
-                                      <p:cBhvr>
-                                        <p:cTn id="6" dur="1" fill="hold">
-                                          <p:stCondLst>
-                                            <p:cond delay="0"/>
-                                          </p:stCondLst>
-                                        </p:cTn>
-                                        <p:tgtEl>
-                                          <p:spTgt spid="3">
-                                            <p:txEl>
-                                              <p:pRg st="0" end="0"/>
-                                            </p:txEl>
-                                          </p:spTgt>
-                                        </p:tgtEl>
-                                        <p:attrNameLst>
-                                          <p:attrName>style.visibility</p:attrName>
-                                        </p:attrNameLst>
-                                      </p:cBhvr>
-                                      <p:to>
-                                        <p:strVal val="visible"/>
-                                      </p:to>
-                                    </p:set>
-                                    <p:animEffect transition="in" filter="fade">
-                                      <p:cBhvr>
-                                        <p:cTn id="7" dur="500"/>
-                                        <p:tgtEl>
-                                          <p:spTgt spid="3">
-                                            <p:txEl>
-                                              <p:pRg st="0" end="0"/>
-                                            </p:txEl>
-                                          </p:spTgt>
-                                        </p:tgtEl>
-                                      </p:cBhvr>
-                                    </p:animEffect>
-                                  </p:childTnLst>
-                                </p:cTn>
-                              </p:par>
-                              <p:par>
-                                <p:cTn id="8" presetID="10" presetClass="entr" presetSubtype="0" fill="hold" grpId="0" nodeType="withEffect">
-                                  <p:stCondLst>
-                                    <p:cond delay="0"/>
-                                  </p:stCondLst>
-                                  <p:childTnLst>
-                                    <p:set>
-                                      <p:cBhvr>
-                                        <p:cTn id="9" dur="1" fill="hold">
-                                          <p:stCondLst>
-                                            <p:cond delay="0"/>
-                                          </p:stCondLst>
-                                        </p:cTn>
-                                        <p:tgtEl>
-                                          <p:spTgt spid="3">
-                                            <p:txEl>
-                                              <p:pRg st="1" end="1"/>
-                                            </p:txEl>
-                                          </p:spTgt>
-                                        </p:tgtEl>
-                                        <p:attrNameLst>
-                                          <p:attrName>style.visibility</p:attrName>
-                                        </p:attrNameLst>
-                                      </p:cBhvr>
-                                      <p:to>
-                                        <p:strVal val="visible"/>
-                                      </p:to>
-                                    </p:set>
-                                    <p:animEffect transition="in" filter="fade">
-                                      <p:cBhvr>
-                                        <p:cTn id="10" dur="500"/>
-                                        <p:tgtEl>
-                                          <p:spTgt spid="3">
-                                            <p:txEl>
-                                              <p:pRg st="1" end="1"/>
-                                            </p:txEl>
-                                          </p:spTgt>
-                                        </p:tgtEl>
-                                      </p:cBhvr>
-                                    </p:animEffect>
-                                  </p:childTnLst>
-                                </p:cTn>
-                              </p:par>
-                              <p:par>
-                                <p:cTn id="11" presetID="10" presetClass="entr" presetSubtype="0" fill="hold" grpId="0" nodeType="withEffect">
-                                  <p:stCondLst>
-                                    <p:cond delay="0"/>
-                                  </p:stCondLst>
-                                  <p:childTnLst>
-                                    <p:set>
-                                      <p:cBhvr>
-                                        <p:cTn id="12" dur="1" fill="hold">
-                                          <p:stCondLst>
-                                            <p:cond delay="0"/>
-                                          </p:stCondLst>
-                                        </p:cTn>
-                                        <p:tgtEl>
-                                          <p:spTgt spid="3">
-                                            <p:txEl>
-                                              <p:pRg st="2" end="2"/>
-                                            </p:txEl>
-                                          </p:spTgt>
-                                        </p:tgtEl>
-                                        <p:attrNameLst>
-                                          <p:attrName>style.visibility</p:attrName>
-                                        </p:attrNameLst>
-                                      </p:cBhvr>
-                                      <p:to>
-                                        <p:strVal val="visible"/>
-                                      </p:to>
-                                    </p:set>
-                                    <p:animEffect transition="in" filter="fade">
-                                      <p:cBhvr>
-                                        <p:cTn id="13" dur="500"/>
-                                        <p:tgtEl>
-                                          <p:spTgt spid="3">
-                                            <p:txEl>
-                                              <p:pRg st="2" end="2"/>
-                                            </p:txEl>
-                                          </p:spTgt>
-                                        </p:tgtEl>
-                                      </p:cBhvr>
-                                    </p:animEffect>
-                                  </p:childTnLst>
-                                </p:cTn>
-                              </p:par>
-                              <p:par>
-                                <p:cTn id="14" presetID="10" presetClass="entr" presetSubtype="0" fill="hold" grpId="0" nodeType="withEffect">
-                                  <p:stCondLst>
-                                    <p:cond delay="0"/>
-                                  </p:stCondLst>
-                                  <p:childTnLst>
-                                    <p:set>
-                                      <p:cBhvr>
-                                        <p:cTn id="15" dur="1" fill="hold">
-                                          <p:stCondLst>
-                                            <p:cond delay="0"/>
-                                          </p:stCondLst>
-                                        </p:cTn>
-                                        <p:tgtEl>
-                                          <p:spTgt spid="3">
-                                            <p:txEl>
-                                              <p:pRg st="3" end="3"/>
-                                            </p:txEl>
-                                          </p:spTgt>
-                                        </p:tgtEl>
-                                        <p:attrNameLst>
-                                          <p:attrName>style.visibility</p:attrName>
-                                        </p:attrNameLst>
-                                      </p:cBhvr>
-                                      <p:to>
-                                        <p:strVal val="visible"/>
-                                      </p:to>
-                                    </p:set>
-                                    <p:animEffect transition="in" filter="fade">
-                                      <p:cBhvr>
-                                        <p:cTn id="16" dur="500"/>
-                                        <p:tgtEl>
-                                          <p:spTgt spid="3">
-                                            <p:txEl>
-                                              <p:pRg st="3" end="3"/>
-                                            </p:txEl>
-                                          </p:spTgt>
-                                        </p:tgtEl>
-                                      </p:cBhvr>
-                                    </p:animEffect>
-                                  </p:childTnLst>
-                                </p:cTn>
-                              </p:par>
-                              <p:par>
-                                <p:cTn id="17" presetID="10" presetClass="entr" presetSubtype="0" fill="hold" grpId="0" nodeType="withEffect">
-                                  <p:stCondLst>
-                                    <p:cond delay="0"/>
-                                  </p:stCondLst>
-                                  <p:childTnLst>
-                                    <p:set>
-                                      <p:cBhvr>
-                                        <p:cTn id="18" dur="1" fill="hold">
-                                          <p:stCondLst>
-                                            <p:cond delay="0"/>
-                                          </p:stCondLst>
-                                        </p:cTn>
-                                        <p:tgtEl>
-                                          <p:spTgt spid="3">
-                                            <p:txEl>
-                                              <p:pRg st="4" end="4"/>
-                                            </p:txEl>
-                                          </p:spTgt>
-                                        </p:tgtEl>
-                                        <p:attrNameLst>
-                                          <p:attrName>style.visibility</p:attrName>
-                                        </p:attrNameLst>
-                                      </p:cBhvr>
-                                      <p:to>
-                                        <p:strVal val="visible"/>
-                                      </p:to>
-                                    </p:set>
-                                    <p:animEffect transition="in" filter="fade">
-                                      <p:cBhvr>
-                                        <p:cTn id="19" dur="500"/>
-                                        <p:tgtEl>
-                                          <p:spTgt spid="3">
-                                            <p:txEl>
-                                              <p:pRg st="4" end="4"/>
-                                            </p:txEl>
-                                          </p:spTgt>
-                                        </p:tgtEl>
-                                      </p:cBhvr>
-                                    </p:animEffect>
-                                  </p:childTnLst>
-                                </p:cTn>
-                              </p:par>
-                            </p:childTnLst>
-                          </p:cTn>
-                        </p:par>
-                      </p:childTnLst>
-                    </p:cTn>
-                  </p:par>
-                  <p:par>
-                    <p:cTn id="20" fill="hold">
-                      <p:stCondLst>
-                        <p:cond delay="indefinite"/>
-                      </p:stCondLst>
-                      <p:childTnLst>
-                        <p:par>
-                          <p:cTn id="21" fill="hold">
-                            <p:stCondLst>
-                              <p:cond delay="0"/>
-                            </p:stCondLst>
-                            <p:childTnLst>
-                              <p:par>
-                                <p:cTn id="22" presetID="10" presetClass="entr" presetSubtype="0" fill="hold" grpId="0" nodeType="clickEffect">
-                                  <p:stCondLst>
-                                    <p:cond delay="0"/>
-                                  </p:stCondLst>
-                                  <p:childTnLst>
-                                    <p:set>
-                                      <p:cBhvr>
-                                        <p:cTn id="23" dur="1" fill="hold">
-                                          <p:stCondLst>
-                                            <p:cond delay="0"/>
-                                          </p:stCondLst>
-                                        </p:cTn>
-                                        <p:tgtEl>
-                                          <p:spTgt spid="3">
-                                            <p:txEl>
-                                              <p:pRg st="6" end="6"/>
-                                            </p:txEl>
-                                          </p:spTgt>
-                                        </p:tgtEl>
-                                        <p:attrNameLst>
-                                          <p:attrName>style.visibility</p:attrName>
-                                        </p:attrNameLst>
-                                      </p:cBhvr>
-                                      <p:to>
-                                        <p:strVal val="visible"/>
-                                      </p:to>
-                                    </p:set>
-                                    <p:animEffect transition="in" filter="fade">
-                                      <p:cBhvr>
-                                        <p:cTn id="24" dur="500"/>
-                                        <p:tgtEl>
-                                          <p:spTgt spid="3">
-                                            <p:txEl>
-                                              <p:pRg st="6" end="6"/>
-                                            </p:txEl>
-                                          </p:spTgt>
-                                        </p:tgtEl>
-                                      </p:cBhvr>
-                                    </p:animEffect>
-                                  </p:childTnLst>
-                                </p:cTn>
-                              </p:par>
-                              <p:par>
-                                <p:cTn id="25" presetID="10" presetClass="entr" presetSubtype="0" fill="hold" grpId="0" nodeType="withEffect">
-                                  <p:stCondLst>
-                                    <p:cond delay="0"/>
-                                  </p:stCondLst>
-                                  <p:childTnLst>
-                                    <p:set>
-                                      <p:cBhvr>
-                                        <p:cTn id="26" dur="1" fill="hold">
-                                          <p:stCondLst>
-                                            <p:cond delay="0"/>
-                                          </p:stCondLst>
-                                        </p:cTn>
-                                        <p:tgtEl>
-                                          <p:spTgt spid="3">
-                                            <p:txEl>
-                                              <p:pRg st="7" end="7"/>
-                                            </p:txEl>
-                                          </p:spTgt>
-                                        </p:tgtEl>
-                                        <p:attrNameLst>
-                                          <p:attrName>style.visibility</p:attrName>
-                                        </p:attrNameLst>
-                                      </p:cBhvr>
-                                      <p:to>
-                                        <p:strVal val="visible"/>
-                                      </p:to>
-                                    </p:set>
-                                    <p:animEffect transition="in" filter="fade">
-                                      <p:cBhvr>
-                                        <p:cTn id="27" dur="500"/>
-                                        <p:tgtEl>
-                                          <p:spTgt spid="3">
-                                            <p:txEl>
-                                              <p:pRg st="7" end="7"/>
-                                            </p:txEl>
-                                          </p:spTgt>
-                                        </p:tgtEl>
-                                      </p:cBhvr>
-                                    </p:animEffect>
-                                  </p:childTnLst>
-                                </p:cTn>
-                              </p:par>
-                              <p:par>
-                                <p:cTn id="28" presetID="10" presetClass="entr" presetSubtype="0" fill="hold" grpId="0" nodeType="withEffect">
-                                  <p:stCondLst>
-                                    <p:cond delay="0"/>
-                                  </p:stCondLst>
-                                  <p:childTnLst>
-                                    <p:set>
-                                      <p:cBhvr>
-                                        <p:cTn id="29" dur="1" fill="hold">
-                                          <p:stCondLst>
-                                            <p:cond delay="0"/>
-                                          </p:stCondLst>
-                                        </p:cTn>
-                                        <p:tgtEl>
-                                          <p:spTgt spid="3">
-                                            <p:txEl>
-                                              <p:pRg st="8" end="8"/>
-                                            </p:txEl>
-                                          </p:spTgt>
-                                        </p:tgtEl>
-                                        <p:attrNameLst>
-                                          <p:attrName>style.visibility</p:attrName>
-                                        </p:attrNameLst>
-                                      </p:cBhvr>
-                                      <p:to>
-                                        <p:strVal val="visible"/>
-                                      </p:to>
-                                    </p:set>
-                                    <p:animEffect transition="in" filter="fade">
-                                      <p:cBhvr>
-                                        <p:cTn id="30" dur="500"/>
-                                        <p:tgtEl>
-                                          <p:spTgt spid="3">
-                                            <p:txEl>
-                                              <p:pRg st="8" end="8"/>
-                                            </p:txEl>
-                                          </p:spTgt>
-                                        </p:tgtEl>
-                                      </p:cBhvr>
-                                    </p:animEffect>
-                                  </p:childTnLst>
-                                </p:cTn>
-                              </p:par>
-                              <p:par>
-                                <p:cTn id="31" presetID="10" presetClass="entr" presetSubtype="0" fill="hold" grpId="0" nodeType="withEffect">
-                                  <p:stCondLst>
-                                    <p:cond delay="0"/>
-                                  </p:stCondLst>
-                                  <p:childTnLst>
-                                    <p:set>
-                                      <p:cBhvr>
-                                        <p:cTn id="32" dur="1" fill="hold">
-                                          <p:stCondLst>
-                                            <p:cond delay="0"/>
-                                          </p:stCondLst>
-                                        </p:cTn>
-                                        <p:tgtEl>
-                                          <p:spTgt spid="3">
-                                            <p:txEl>
-                                              <p:pRg st="9" end="9"/>
-                                            </p:txEl>
-                                          </p:spTgt>
-                                        </p:tgtEl>
-                                        <p:attrNameLst>
-                                          <p:attrName>style.visibility</p:attrName>
-                                        </p:attrNameLst>
-                                      </p:cBhvr>
-                                      <p:to>
-                                        <p:strVal val="visible"/>
-                                      </p:to>
-                                    </p:set>
-                                    <p:animEffect transition="in" filter="fade">
-                                      <p:cBhvr>
-                                        <p:cTn id="33" dur="500"/>
-                                        <p:tgtEl>
-                                          <p:spTgt spid="3">
-                                            <p:txEl>
-                                              <p:pRg st="9" end="9"/>
-                                            </p:txEl>
-                                          </p:spTgt>
-                                        </p:tgtEl>
-                                      </p:cBhvr>
-                                    </p:animEffect>
-                                  </p:childTnLst>
-                                </p:cTn>
-                              </p:par>
-                            </p:childTnLst>
-                          </p:cTn>
-                        </p:par>
-                      </p:childTnLst>
-                    </p:cTn>
-                  </p:par>
-                </p:childTnLst>
-              </p:cTn>
-              <p:prevCondLst>
-                <p:cond evt="onPrev" delay="0">
-                  <p:tgtEl>
-                    <p:sldTgt/>
-                  </p:tgtEl>
-                </p:cond>
-              </p:prevCondLst>
-              <p:nextCondLst>
-                <p:cond evt="onNext" delay="0">
-                  <p:tgtEl>
-                    <p:sldTgt/>
-                  </p:tgtEl>
-                </p:cond>
-              </p:nextCondLst>
-            </p:seq>
-          </p:childTnLst>
-        </p:cTn>
-      </p:par>
-    </p:tnLst>
-    <p:bldLst>
-      <p:bldP spid="3" grpId="0" build="p"/>
     </p:bldLst>
   </p:timing>
 </p:sld>
